--- a/ProblemSolvingForEngineer.pptx
+++ b/ProblemSolvingForEngineer.pptx
@@ -12967,7 +12967,7 @@
         <p:spPr>
           <a:xfrm>
             <a:off x="7385124" y="3504362"/>
-            <a:ext cx="4044875" cy="923330"/>
+            <a:ext cx="4044875" cy="1107996"/>
           </a:xfrm>
           <a:prstGeom prst="rect">
             <a:avLst/>
@@ -12982,7 +12982,15 @@
           <a:p>
             <a:r>
               <a:rPr kumimoji="1" lang="ja-JP" altLang="en-US" dirty="0"/>
-              <a:t>このドキュメントはこちらから</a:t>
+              <a:t>このドキュメントは以下の</a:t>
+            </a:r>
+            <a:r>
+              <a:rPr kumimoji="1" lang="en-US" altLang="ja-JP"/>
+              <a:t>github</a:t>
+            </a:r>
+            <a:r>
+              <a:rPr kumimoji="1" lang="ja-JP" altLang="en-US"/>
+              <a:t>から</a:t>
             </a:r>
             <a:endParaRPr kumimoji="1" lang="en-US" altLang="ja-JP" dirty="0"/>
           </a:p>
@@ -12995,10 +13003,24 @@
           </a:p>
           <a:p>
             <a:r>
-              <a:rPr kumimoji="1" lang="en-US" altLang="ja-JP" dirty="0"/>
-              <a:t>https://github.com/ssa-study/</a:t>
-            </a:r>
-            <a:endParaRPr kumimoji="1" lang="ja-JP" altLang="en-US" dirty="0"/>
+              <a:rPr kumimoji="1" lang="en-US" altLang="ja-JP" dirty="0">
+                <a:highlight>
+                  <a:srgbClr val="FFFF00"/>
+                </a:highlight>
+              </a:rPr>
+              <a:t>https://github.com/ssa-study/documents</a:t>
+            </a:r>
+          </a:p>
+          <a:p>
+            <a:r>
+              <a:rPr kumimoji="1" lang="ja-JP" altLang="en-US" sz="1200" dirty="0"/>
+              <a:t>ファイル名</a:t>
+            </a:r>
+            <a:r>
+              <a:rPr kumimoji="1" lang="en-US" altLang="ja-JP" sz="1200" dirty="0"/>
+              <a:t>: ProblemSolvingForEngineer.pdf</a:t>
+            </a:r>
+            <a:endParaRPr kumimoji="1" lang="ja-JP" altLang="en-US" sz="1200" dirty="0"/>
           </a:p>
         </p:txBody>
       </p:sp>
@@ -13016,8 +13038,21 @@
           <a:prstGeom prst="rect">
             <a:avLst/>
           </a:prstGeom>
-          <a:noFill/>
         </p:spPr>
+        <p:style>
+          <a:lnRef idx="1">
+            <a:schemeClr val="accent3"/>
+          </a:lnRef>
+          <a:fillRef idx="2">
+            <a:schemeClr val="accent3"/>
+          </a:fillRef>
+          <a:effectRef idx="1">
+            <a:schemeClr val="accent3"/>
+          </a:effectRef>
+          <a:fontRef idx="minor">
+            <a:schemeClr val="dk1"/>
+          </a:fontRef>
+        </p:style>
         <p:txBody>
           <a:bodyPr wrap="square" rtlCol="0">
             <a:spAutoFit/>

--- a/ProblemSolvingForEngineer.pptx
+++ b/ProblemSolvingForEngineer.pptx
@@ -114,6 +114,11 @@
       </a:defRPr>
     </a:lvl9pPr>
   </p:defaultTextStyle>
+  <p:extLst>
+    <p:ext uri="{EFAFB233-063F-42B5-8137-9DF3F51BA10A}">
+      <p15:sldGuideLst xmlns:p15="http://schemas.microsoft.com/office/powerpoint/2012/main"/>
+    </p:ext>
+  </p:extLst>
 </p:presentation>
 </file>
 
@@ -922,7 +927,19 @@
         <a:p>
           <a:r>
             <a:rPr kumimoji="1" lang="ja-JP" altLang="en-US" sz="1600" dirty="0"/>
-            <a:t>問題を認知する</a:t>
+            <a:t>問題を</a:t>
+          </a:r>
+          <a:r>
+            <a:rPr kumimoji="1" lang="ja-JP" altLang="en-US" sz="1600" dirty="0">
+              <a:solidFill>
+                <a:srgbClr val="FF0000"/>
+              </a:solidFill>
+            </a:rPr>
+            <a:t>認知</a:t>
+          </a:r>
+          <a:r>
+            <a:rPr kumimoji="1" lang="ja-JP" altLang="en-US" sz="1600" dirty="0"/>
+            <a:t>する</a:t>
           </a:r>
           <a:endParaRPr lang="ja-JP" altLang="en-US" sz="1600" dirty="0"/>
         </a:p>
@@ -958,8 +975,16 @@
         <a:lstStyle/>
         <a:p>
           <a:r>
+            <a:rPr kumimoji="1" lang="ja-JP" altLang="en-US" sz="1600" dirty="0">
+              <a:solidFill>
+                <a:srgbClr val="FF0000"/>
+              </a:solidFill>
+            </a:rPr>
+            <a:t>目標</a:t>
+          </a:r>
+          <a:r>
             <a:rPr kumimoji="1" lang="ja-JP" altLang="en-US" sz="1600" dirty="0"/>
-            <a:t>目標を設定する</a:t>
+            <a:t>を設定する</a:t>
           </a:r>
           <a:endParaRPr lang="ja-JP" altLang="en-US" sz="1600" dirty="0"/>
         </a:p>
@@ -995,8 +1020,16 @@
         <a:lstStyle/>
         <a:p>
           <a:r>
+            <a:rPr kumimoji="1" lang="ja-JP" altLang="en-US" sz="1600" dirty="0">
+              <a:solidFill>
+                <a:srgbClr val="FF0000"/>
+              </a:solidFill>
+            </a:rPr>
+            <a:t>原因</a:t>
+          </a:r>
+          <a:r>
             <a:rPr kumimoji="1" lang="ja-JP" altLang="en-US" sz="1600" dirty="0"/>
-            <a:t>原因を特定する</a:t>
+            <a:t>を特定する</a:t>
           </a:r>
           <a:endParaRPr lang="ja-JP" altLang="en-US" sz="1600" dirty="0"/>
         </a:p>
@@ -1033,7 +1066,19 @@
         <a:p>
           <a:r>
             <a:rPr kumimoji="1" lang="ja-JP" altLang="en-US" sz="1600" dirty="0"/>
-            <a:t>対策を立案する</a:t>
+            <a:t>対策を</a:t>
+          </a:r>
+          <a:r>
+            <a:rPr kumimoji="1" lang="ja-JP" altLang="en-US" sz="1600" dirty="0">
+              <a:solidFill>
+                <a:srgbClr val="FF0000"/>
+              </a:solidFill>
+            </a:rPr>
+            <a:t>立案</a:t>
+          </a:r>
+          <a:r>
+            <a:rPr kumimoji="1" lang="ja-JP" altLang="en-US" sz="1600" dirty="0"/>
+            <a:t>する</a:t>
           </a:r>
           <a:endParaRPr lang="ja-JP" altLang="en-US" sz="1600" dirty="0"/>
         </a:p>
@@ -1070,7 +1115,19 @@
         <a:p>
           <a:r>
             <a:rPr kumimoji="1" lang="ja-JP" altLang="en-US" sz="1600" dirty="0"/>
-            <a:t>対策を実施する</a:t>
+            <a:t>対策を</a:t>
+          </a:r>
+          <a:r>
+            <a:rPr kumimoji="1" lang="ja-JP" altLang="en-US" sz="1600" dirty="0">
+              <a:solidFill>
+                <a:srgbClr val="FF0000"/>
+              </a:solidFill>
+            </a:rPr>
+            <a:t>実施</a:t>
+          </a:r>
+          <a:r>
+            <a:rPr kumimoji="1" lang="ja-JP" altLang="en-US" sz="1600" dirty="0"/>
+            <a:t>する</a:t>
           </a:r>
           <a:endParaRPr lang="ja-JP" altLang="en-US" sz="1600" dirty="0"/>
         </a:p>
@@ -1107,7 +1164,19 @@
         <a:p>
           <a:r>
             <a:rPr kumimoji="1" lang="ja-JP" altLang="en-US" sz="1600" dirty="0"/>
-            <a:t>結果を評価する</a:t>
+            <a:t>結果を</a:t>
+          </a:r>
+          <a:r>
+            <a:rPr kumimoji="1" lang="ja-JP" altLang="en-US" sz="1600" dirty="0">
+              <a:solidFill>
+                <a:srgbClr val="FF0000"/>
+              </a:solidFill>
+            </a:rPr>
+            <a:t>評価</a:t>
+          </a:r>
+          <a:r>
+            <a:rPr kumimoji="1" lang="ja-JP" altLang="en-US" sz="1600" dirty="0"/>
+            <a:t>する</a:t>
           </a:r>
           <a:endParaRPr lang="ja-JP" altLang="en-US" sz="1600" dirty="0"/>
         </a:p>
@@ -1143,8 +1212,16 @@
         <a:lstStyle/>
         <a:p>
           <a:r>
+            <a:rPr kumimoji="1" lang="ja-JP" altLang="en-US" sz="1600" dirty="0">
+              <a:solidFill>
+                <a:srgbClr val="FF0000"/>
+              </a:solidFill>
+            </a:rPr>
+            <a:t>標準化</a:t>
+          </a:r>
+          <a:r>
             <a:rPr kumimoji="1" lang="ja-JP" altLang="en-US" sz="1600" dirty="0"/>
-            <a:t>標準化する</a:t>
+            <a:t>する</a:t>
           </a:r>
           <a:endParaRPr lang="ja-JP" altLang="en-US" sz="1600" dirty="0"/>
         </a:p>
@@ -1180,7 +1257,7 @@
         <a:lstStyle/>
         <a:p>
           <a:r>
-            <a:rPr lang="ja-JP" altLang="en-US" sz="900" dirty="0"/>
+            <a:rPr lang="ja-JP" altLang="en-US" sz="1200" dirty="0"/>
             <a:t>現状とあるべき姿を比較する</a:t>
           </a:r>
         </a:p>
@@ -1216,7 +1293,7 @@
         <a:lstStyle/>
         <a:p>
           <a:r>
-            <a:rPr lang="ja-JP" altLang="en-US" sz="900" dirty="0"/>
+            <a:rPr lang="ja-JP" altLang="en-US" sz="1200" dirty="0"/>
             <a:t>ドキュメント化、習慣化を行う</a:t>
           </a:r>
         </a:p>
@@ -1264,7 +1341,7 @@
       <dgm:spPr/>
     </dgm:pt>
     <dgm:pt modelId="{26A4D0E3-19EB-452B-B3D1-DECF953C129D}" type="pres">
-      <dgm:prSet presAssocID="{7FF5393D-FB4F-44DC-9F6E-053A547F0C64}" presName="ParentText" presStyleLbl="node1" presStyleIdx="0" presStyleCnt="7" custScaleX="181418">
+      <dgm:prSet presAssocID="{7FF5393D-FB4F-44DC-9F6E-053A547F0C64}" presName="ParentText" presStyleLbl="node1" presStyleIdx="0" presStyleCnt="7" custScaleX="178287">
         <dgm:presLayoutVars>
           <dgm:chMax val="1"/>
           <dgm:chPref val="1"/>
@@ -1274,7 +1351,7 @@
       <dgm:spPr/>
     </dgm:pt>
     <dgm:pt modelId="{2C279E94-93A5-4123-B55B-670E55372FE6}" type="pres">
-      <dgm:prSet presAssocID="{7FF5393D-FB4F-44DC-9F6E-053A547F0C64}" presName="ChildText" presStyleLbl="revTx" presStyleIdx="0" presStyleCnt="7" custScaleX="179052" custLinFactNeighborX="84556" custLinFactNeighborY="-7201">
+      <dgm:prSet presAssocID="{7FF5393D-FB4F-44DC-9F6E-053A547F0C64}" presName="ChildText" presStyleLbl="revTx" presStyleIdx="0" presStyleCnt="7" custScaleX="197708" custLinFactX="16264" custLinFactNeighborX="100000" custLinFactNeighborY="951">
         <dgm:presLayoutVars>
           <dgm:chMax val="0"/>
           <dgm:chPref val="0"/>
@@ -1452,7 +1529,7 @@
       <dgm:spPr/>
     </dgm:pt>
     <dgm:pt modelId="{F8D4DF06-04AB-44AD-98F0-857115A4C800}" type="pres">
-      <dgm:prSet presAssocID="{A8337F4F-7AEA-4A73-9510-6BB5930BBE50}" presName="ParentText" presStyleLbl="node1" presStyleIdx="6" presStyleCnt="7" custScaleX="166895">
+      <dgm:prSet presAssocID="{A8337F4F-7AEA-4A73-9510-6BB5930BBE50}" presName="ParentText" presStyleLbl="node1" presStyleIdx="6" presStyleCnt="7" custScaleX="169820">
         <dgm:presLayoutVars>
           <dgm:chMax val="1"/>
           <dgm:chPref val="1"/>
@@ -1462,7 +1539,7 @@
       <dgm:spPr/>
     </dgm:pt>
     <dgm:pt modelId="{7972C692-3065-4957-A82C-67DC0E8D9CDC}" type="pres">
-      <dgm:prSet presAssocID="{A8337F4F-7AEA-4A73-9510-6BB5930BBE50}" presName="FinalChildText" presStyleLbl="revTx" presStyleIdx="6" presStyleCnt="7" custScaleX="158950" custLinFactNeighborX="91254" custLinFactNeighborY="4077">
+      <dgm:prSet presAssocID="{A8337F4F-7AEA-4A73-9510-6BB5930BBE50}" presName="FinalChildText" presStyleLbl="revTx" presStyleIdx="6" presStyleCnt="7" custScaleX="193557" custLinFactNeighborX="91118" custLinFactNeighborY="4077">
         <dgm:presLayoutVars>
           <dgm:chMax val="0"/>
           <dgm:chPref val="0"/>
@@ -1474,24 +1551,24 @@
   </dgm:ptLst>
   <dgm:cxnLst>
     <dgm:cxn modelId="{E0C2D4AF-379B-4111-96B5-FA8A54CF7721}" type="presOf" srcId="{2B33E378-31B1-4DB2-ABBA-403AB7932AB7}" destId="{427F2E89-7D5A-4B28-A9B4-568D90462A3C}" srcOrd="0" destOrd="0" presId="urn:microsoft.com/office/officeart/2005/8/layout/StepDownProcess"/>
-    <dgm:cxn modelId="{104D786E-D719-450D-A141-5681C78320B3}" srcId="{C736C0A7-BB89-4841-9FE0-C085EE018751}" destId="{7C0CF263-6F74-427E-B974-7CAE2267FE99}" srcOrd="4" destOrd="0" parTransId="{8E951F2C-6044-450F-BA70-7DC490D15448}" sibTransId="{CD8D5CBA-E529-4CF3-9118-9B70A99A76F4}"/>
     <dgm:cxn modelId="{CEFCF81D-0CB8-4C7A-8F09-9E5BB403CB78}" type="presOf" srcId="{FA03A4AF-2459-4062-82F8-AB3D4781FB13}" destId="{2C279E94-93A5-4123-B55B-670E55372FE6}" srcOrd="0" destOrd="0" presId="urn:microsoft.com/office/officeart/2005/8/layout/StepDownProcess"/>
     <dgm:cxn modelId="{9E7272DA-FB8F-4006-B035-5A4484DC2F75}" srcId="{C736C0A7-BB89-4841-9FE0-C085EE018751}" destId="{2B18C8C9-01DE-4C3C-A6B9-6A2A88F216E2}" srcOrd="2" destOrd="0" parTransId="{FD564504-9ED5-4510-B446-E61A45948B03}" sibTransId="{85E9F835-E3E1-4841-9377-A1DAAE8A3586}"/>
+    <dgm:cxn modelId="{81711530-DF10-4AFB-8E67-1EAA3CC41109}" srcId="{A8337F4F-7AEA-4A73-9510-6BB5930BBE50}" destId="{C788014E-2A28-489A-AA50-825F783097FF}" srcOrd="0" destOrd="0" parTransId="{6048AC00-C3D0-4596-8F9B-B95915BBA43A}" sibTransId="{39BFA3DF-59C3-4A7F-908A-EBA94C9C0F6E}"/>
+    <dgm:cxn modelId="{3E7F03F6-6C8B-463D-A508-42A23B7B1440}" srcId="{C736C0A7-BB89-4841-9FE0-C085EE018751}" destId="{A40A90A4-F2F8-4D4C-81A3-DE0605A0A7A6}" srcOrd="3" destOrd="0" parTransId="{9BCF73D4-5874-4307-A4CE-3CFA039DF0BC}" sibTransId="{F54632FC-B103-4369-B218-8BAC082466A3}"/>
+    <dgm:cxn modelId="{44D2E8E2-C1AF-4B0E-932E-762264816C22}" srcId="{C736C0A7-BB89-4841-9FE0-C085EE018751}" destId="{2B33E378-31B1-4DB2-ABBA-403AB7932AB7}" srcOrd="1" destOrd="0" parTransId="{B8D8AD58-57E5-4F85-9B00-B9BDC99FF490}" sibTransId="{9E1A797B-0BCC-47AC-BB9A-85C544C31742}"/>
+    <dgm:cxn modelId="{104D786E-D719-450D-A141-5681C78320B3}" srcId="{C736C0A7-BB89-4841-9FE0-C085EE018751}" destId="{7C0CF263-6F74-427E-B974-7CAE2267FE99}" srcOrd="4" destOrd="0" parTransId="{8E951F2C-6044-450F-BA70-7DC490D15448}" sibTransId="{CD8D5CBA-E529-4CF3-9118-9B70A99A76F4}"/>
+    <dgm:cxn modelId="{45871583-BBEE-4061-B4A4-B9276A2A2518}" type="presOf" srcId="{7C0CF263-6F74-427E-B974-7CAE2267FE99}" destId="{0F1E0EC7-A9E2-4406-A5CF-4FEEBC0F3D92}" srcOrd="0" destOrd="0" presId="urn:microsoft.com/office/officeart/2005/8/layout/StepDownProcess"/>
     <dgm:cxn modelId="{C11F465D-B524-4EA3-B589-463FF02E0F79}" srcId="{7FF5393D-FB4F-44DC-9F6E-053A547F0C64}" destId="{FA03A4AF-2459-4062-82F8-AB3D4781FB13}" srcOrd="0" destOrd="0" parTransId="{EA20E77F-960B-4886-8030-78532C12B480}" sibTransId="{A10F6570-9245-4882-AB3E-7234CDC9D4F5}"/>
+    <dgm:cxn modelId="{3033F903-DEFD-48A8-A4AA-D7ED40CB7FAA}" srcId="{C736C0A7-BB89-4841-9FE0-C085EE018751}" destId="{287A1A50-904A-4C5B-A31F-2C50797D1F9D}" srcOrd="5" destOrd="0" parTransId="{9B88C66B-196D-427E-A8AC-489DC7E127E4}" sibTransId="{12B100D3-EBAD-4EE5-B536-A79EFCED586C}"/>
+    <dgm:cxn modelId="{6426761E-017D-415A-B4D3-37C3F684D09D}" type="presOf" srcId="{287A1A50-904A-4C5B-A31F-2C50797D1F9D}" destId="{D1C553E6-B5CF-46A4-A9F2-86AF15B68C90}" srcOrd="0" destOrd="0" presId="urn:microsoft.com/office/officeart/2005/8/layout/StepDownProcess"/>
+    <dgm:cxn modelId="{D4E561C6-22DE-4452-9BF2-C75732FACFA6}" type="presOf" srcId="{2B18C8C9-01DE-4C3C-A6B9-6A2A88F216E2}" destId="{459FD5E8-C659-4C93-968E-3619DBA1A08C}" srcOrd="0" destOrd="0" presId="urn:microsoft.com/office/officeart/2005/8/layout/StepDownProcess"/>
+    <dgm:cxn modelId="{95133897-17B4-492A-A00D-724CC15549C2}" type="presOf" srcId="{A40A90A4-F2F8-4D4C-81A3-DE0605A0A7A6}" destId="{DBAF13D6-624F-4A1F-AD0B-14BAC11E2539}" srcOrd="0" destOrd="0" presId="urn:microsoft.com/office/officeart/2005/8/layout/StepDownProcess"/>
+    <dgm:cxn modelId="{9186A34D-5242-4C1E-804D-7A4E322F2CCC}" type="presOf" srcId="{C788014E-2A28-489A-AA50-825F783097FF}" destId="{7972C692-3065-4957-A82C-67DC0E8D9CDC}" srcOrd="0" destOrd="0" presId="urn:microsoft.com/office/officeart/2005/8/layout/StepDownProcess"/>
     <dgm:cxn modelId="{B3FE433F-D037-4078-BEAA-42B0E907E447}" srcId="{C736C0A7-BB89-4841-9FE0-C085EE018751}" destId="{A8337F4F-7AEA-4A73-9510-6BB5930BBE50}" srcOrd="6" destOrd="0" parTransId="{2F7E1B24-70C7-4CB8-845C-8DC35143A37D}" sibTransId="{ABB1364E-9C84-42A3-9A3B-4A0C4C96C711}"/>
+    <dgm:cxn modelId="{66CD4D38-C665-4C7F-B510-1D6EF6F33B59}" type="presOf" srcId="{A8337F4F-7AEA-4A73-9510-6BB5930BBE50}" destId="{F8D4DF06-04AB-44AD-98F0-857115A4C800}" srcOrd="0" destOrd="0" presId="urn:microsoft.com/office/officeart/2005/8/layout/StepDownProcess"/>
     <dgm:cxn modelId="{211ADDDE-13B7-4EAE-97B0-93A4F4ED8B76}" type="presOf" srcId="{7FF5393D-FB4F-44DC-9F6E-053A547F0C64}" destId="{26A4D0E3-19EB-452B-B3D1-DECF953C129D}" srcOrd="0" destOrd="0" presId="urn:microsoft.com/office/officeart/2005/8/layout/StepDownProcess"/>
-    <dgm:cxn modelId="{6426761E-017D-415A-B4D3-37C3F684D09D}" type="presOf" srcId="{287A1A50-904A-4C5B-A31F-2C50797D1F9D}" destId="{D1C553E6-B5CF-46A4-A9F2-86AF15B68C90}" srcOrd="0" destOrd="0" presId="urn:microsoft.com/office/officeart/2005/8/layout/StepDownProcess"/>
-    <dgm:cxn modelId="{81711530-DF10-4AFB-8E67-1EAA3CC41109}" srcId="{A8337F4F-7AEA-4A73-9510-6BB5930BBE50}" destId="{C788014E-2A28-489A-AA50-825F783097FF}" srcOrd="0" destOrd="0" parTransId="{6048AC00-C3D0-4596-8F9B-B95915BBA43A}" sibTransId="{39BFA3DF-59C3-4A7F-908A-EBA94C9C0F6E}"/>
-    <dgm:cxn modelId="{66CD4D38-C665-4C7F-B510-1D6EF6F33B59}" type="presOf" srcId="{A8337F4F-7AEA-4A73-9510-6BB5930BBE50}" destId="{F8D4DF06-04AB-44AD-98F0-857115A4C800}" srcOrd="0" destOrd="0" presId="urn:microsoft.com/office/officeart/2005/8/layout/StepDownProcess"/>
-    <dgm:cxn modelId="{3E7F03F6-6C8B-463D-A508-42A23B7B1440}" srcId="{C736C0A7-BB89-4841-9FE0-C085EE018751}" destId="{A40A90A4-F2F8-4D4C-81A3-DE0605A0A7A6}" srcOrd="3" destOrd="0" parTransId="{9BCF73D4-5874-4307-A4CE-3CFA039DF0BC}" sibTransId="{F54632FC-B103-4369-B218-8BAC082466A3}"/>
+    <dgm:cxn modelId="{8D3EB240-E48F-4D9E-AD85-F79115C23BC0}" srcId="{C736C0A7-BB89-4841-9FE0-C085EE018751}" destId="{7FF5393D-FB4F-44DC-9F6E-053A547F0C64}" srcOrd="0" destOrd="0" parTransId="{B4394D4F-EF87-4290-A017-046AA1705023}" sibTransId="{D5236A28-D08C-48CF-9745-9E6D70FA8836}"/>
     <dgm:cxn modelId="{07D7B24B-DD6B-4C9B-AAF6-1FB27CBAE60E}" type="presOf" srcId="{C736C0A7-BB89-4841-9FE0-C085EE018751}" destId="{3C52CCC7-6D65-4C08-8A11-0E7BF1576192}" srcOrd="0" destOrd="0" presId="urn:microsoft.com/office/officeart/2005/8/layout/StepDownProcess"/>
-    <dgm:cxn modelId="{9186A34D-5242-4C1E-804D-7A4E322F2CCC}" type="presOf" srcId="{C788014E-2A28-489A-AA50-825F783097FF}" destId="{7972C692-3065-4957-A82C-67DC0E8D9CDC}" srcOrd="0" destOrd="0" presId="urn:microsoft.com/office/officeart/2005/8/layout/StepDownProcess"/>
-    <dgm:cxn modelId="{3033F903-DEFD-48A8-A4AA-D7ED40CB7FAA}" srcId="{C736C0A7-BB89-4841-9FE0-C085EE018751}" destId="{287A1A50-904A-4C5B-A31F-2C50797D1F9D}" srcOrd="5" destOrd="0" parTransId="{9B88C66B-196D-427E-A8AC-489DC7E127E4}" sibTransId="{12B100D3-EBAD-4EE5-B536-A79EFCED586C}"/>
-    <dgm:cxn modelId="{95133897-17B4-492A-A00D-724CC15549C2}" type="presOf" srcId="{A40A90A4-F2F8-4D4C-81A3-DE0605A0A7A6}" destId="{DBAF13D6-624F-4A1F-AD0B-14BAC11E2539}" srcOrd="0" destOrd="0" presId="urn:microsoft.com/office/officeart/2005/8/layout/StepDownProcess"/>
-    <dgm:cxn modelId="{D4E561C6-22DE-4452-9BF2-C75732FACFA6}" type="presOf" srcId="{2B18C8C9-01DE-4C3C-A6B9-6A2A88F216E2}" destId="{459FD5E8-C659-4C93-968E-3619DBA1A08C}" srcOrd="0" destOrd="0" presId="urn:microsoft.com/office/officeart/2005/8/layout/StepDownProcess"/>
-    <dgm:cxn modelId="{45871583-BBEE-4061-B4A4-B9276A2A2518}" type="presOf" srcId="{7C0CF263-6F74-427E-B974-7CAE2267FE99}" destId="{0F1E0EC7-A9E2-4406-A5CF-4FEEBC0F3D92}" srcOrd="0" destOrd="0" presId="urn:microsoft.com/office/officeart/2005/8/layout/StepDownProcess"/>
-    <dgm:cxn modelId="{8D3EB240-E48F-4D9E-AD85-F79115C23BC0}" srcId="{C736C0A7-BB89-4841-9FE0-C085EE018751}" destId="{7FF5393D-FB4F-44DC-9F6E-053A547F0C64}" srcOrd="0" destOrd="0" parTransId="{B4394D4F-EF87-4290-A017-046AA1705023}" sibTransId="{D5236A28-D08C-48CF-9745-9E6D70FA8836}"/>
-    <dgm:cxn modelId="{44D2E8E2-C1AF-4B0E-932E-762264816C22}" srcId="{C736C0A7-BB89-4841-9FE0-C085EE018751}" destId="{2B33E378-31B1-4DB2-ABBA-403AB7932AB7}" srcOrd="1" destOrd="0" parTransId="{B8D8AD58-57E5-4F85-9B00-B9BDC99FF490}" sibTransId="{9E1A797B-0BCC-47AC-BB9A-85C544C31742}"/>
     <dgm:cxn modelId="{6B76EBC1-72CC-4E7D-B8FC-5D0C747E9E4A}" type="presParOf" srcId="{3C52CCC7-6D65-4C08-8A11-0E7BF1576192}" destId="{79725865-34B8-4D58-8D15-81814E94D40D}" srcOrd="0" destOrd="0" presId="urn:microsoft.com/office/officeart/2005/8/layout/StepDownProcess"/>
     <dgm:cxn modelId="{B23A0CB1-B327-46CF-BE62-2EF3768B6248}" type="presParOf" srcId="{79725865-34B8-4D58-8D15-81814E94D40D}" destId="{DEE7251C-C138-437A-BDF6-4A704E676110}" srcOrd="0" destOrd="0" presId="urn:microsoft.com/office/officeart/2005/8/layout/StepDownProcess"/>
     <dgm:cxn modelId="{6BAA32D6-4D58-4C8B-B292-1655C154F114}" type="presParOf" srcId="{79725865-34B8-4D58-8D15-81814E94D40D}" destId="{26A4D0E3-19EB-452B-B3D1-DECF953C129D}" srcOrd="1" destOrd="0" presId="urn:microsoft.com/office/officeart/2005/8/layout/StepDownProcess"/>
@@ -1551,8 +1628,8 @@
       </dsp:nvSpPr>
       <dsp:spPr>
         <a:xfrm rot="5400000">
-          <a:off x="1255310" y="658789"/>
-          <a:ext cx="560791" cy="638441"/>
+          <a:off x="1350328" y="656025"/>
+          <a:ext cx="558438" cy="635762"/>
         </a:xfrm>
         <a:prstGeom prst="bentUpArrow">
           <a:avLst>
@@ -1601,8 +1678,8 @@
       </dsp:nvSpPr>
       <dsp:spPr>
         <a:xfrm>
-          <a:off x="722423" y="37140"/>
-          <a:ext cx="1712664" cy="660799"/>
+          <a:off x="834394" y="36984"/>
+          <a:ext cx="1676044" cy="658027"/>
         </a:xfrm>
         <a:prstGeom prst="roundRect">
           <a:avLst>
@@ -1692,14 +1769,26 @@
           </a:pPr>
           <a:r>
             <a:rPr kumimoji="1" lang="ja-JP" altLang="en-US" sz="1600" kern="1200" dirty="0"/>
-            <a:t>問題を認知する</a:t>
+            <a:t>問題を</a:t>
+          </a:r>
+          <a:r>
+            <a:rPr kumimoji="1" lang="ja-JP" altLang="en-US" sz="1600" kern="1200" dirty="0">
+              <a:solidFill>
+                <a:srgbClr val="FF0000"/>
+              </a:solidFill>
+            </a:rPr>
+            <a:t>認知</a:t>
+          </a:r>
+          <a:r>
+            <a:rPr kumimoji="1" lang="ja-JP" altLang="en-US" sz="1600" kern="1200" dirty="0"/>
+            <a:t>する</a:t>
           </a:r>
           <a:endParaRPr lang="ja-JP" altLang="en-US" sz="1600" kern="1200" dirty="0"/>
         </a:p>
       </dsp:txBody>
       <dsp:txXfrm>
-        <a:off x="754686" y="69403"/>
-        <a:ext cx="1648138" cy="596273"/>
+        <a:off x="866522" y="69112"/>
+        <a:ext cx="1611788" cy="593771"/>
       </dsp:txXfrm>
     </dsp:sp>
     <dsp:sp modelId="{2C279E94-93A5-4123-B55B-670E55372FE6}">
@@ -1709,8 +1798,8 @@
       </dsp:nvSpPr>
       <dsp:spPr>
         <a:xfrm>
-          <a:off x="2359957" y="61703"/>
-          <a:ext cx="1229384" cy="534087"/>
+          <a:off x="2603358" y="104800"/>
+          <a:ext cx="1351781" cy="531846"/>
         </a:xfrm>
         <a:prstGeom prst="rect">
           <a:avLst/>
@@ -1734,12 +1823,12 @@
         <a:fontRef idx="minor"/>
       </dsp:style>
       <dsp:txBody>
-        <a:bodyPr spcFirstLastPara="0" vert="horz" wrap="square" lIns="34290" tIns="34290" rIns="34290" bIns="34290" numCol="1" spcCol="1270" anchor="ctr" anchorCtr="0">
+        <a:bodyPr spcFirstLastPara="0" vert="horz" wrap="square" lIns="45720" tIns="45720" rIns="45720" bIns="45720" numCol="1" spcCol="1270" anchor="ctr" anchorCtr="0">
           <a:noAutofit/>
         </a:bodyPr>
         <a:lstStyle/>
         <a:p>
-          <a:pPr marL="57150" lvl="1" indent="-57150" algn="l" defTabSz="400050">
+          <a:pPr marL="114300" lvl="1" indent="-114300" algn="l" defTabSz="533400">
             <a:lnSpc>
               <a:spcPct val="90000"/>
             </a:lnSpc>
@@ -1752,14 +1841,14 @@
             <a:buChar char="•"/>
           </a:pPr>
           <a:r>
-            <a:rPr lang="ja-JP" altLang="en-US" sz="900" kern="1200" dirty="0"/>
+            <a:rPr lang="ja-JP" altLang="en-US" sz="1200" kern="1200" dirty="0"/>
             <a:t>現状とあるべき姿を比較する</a:t>
           </a:r>
         </a:p>
       </dsp:txBody>
       <dsp:txXfrm>
-        <a:off x="2359957" y="61703"/>
-        <a:ext cx="1229384" cy="534087"/>
+        <a:off x="2603358" y="104800"/>
+        <a:ext cx="1351781" cy="531846"/>
       </dsp:txXfrm>
     </dsp:sp>
     <dsp:sp modelId="{0F335559-8FA5-4037-8A02-7A39D8F8E57D}">
@@ -1769,8 +1858,8 @@
       </dsp:nvSpPr>
       <dsp:spPr>
         <a:xfrm rot="5400000">
-          <a:off x="2355882" y="1401085"/>
-          <a:ext cx="560791" cy="638441"/>
+          <a:off x="2484549" y="1395206"/>
+          <a:ext cx="558438" cy="635762"/>
         </a:xfrm>
         <a:prstGeom prst="bentUpArrow">
           <a:avLst>
@@ -1819,8 +1908,8 @@
       </dsp:nvSpPr>
       <dsp:spPr>
         <a:xfrm>
-          <a:off x="1819871" y="779436"/>
-          <a:ext cx="1718914" cy="660799"/>
+          <a:off x="1950787" y="776166"/>
+          <a:ext cx="1711701" cy="658027"/>
         </a:xfrm>
         <a:prstGeom prst="roundRect">
           <a:avLst>
@@ -1909,15 +1998,23 @@
             <a:buNone/>
           </a:pPr>
           <a:r>
+            <a:rPr kumimoji="1" lang="ja-JP" altLang="en-US" sz="1600" kern="1200" dirty="0">
+              <a:solidFill>
+                <a:srgbClr val="FF0000"/>
+              </a:solidFill>
+            </a:rPr>
+            <a:t>目標</a:t>
+          </a:r>
+          <a:r>
             <a:rPr kumimoji="1" lang="ja-JP" altLang="en-US" sz="1600" kern="1200" dirty="0"/>
-            <a:t>目標を設定する</a:t>
+            <a:t>を設定する</a:t>
           </a:r>
           <a:endParaRPr lang="ja-JP" altLang="en-US" sz="1600" kern="1200" dirty="0"/>
         </a:p>
       </dsp:txBody>
       <dsp:txXfrm>
-        <a:off x="1852134" y="811699"/>
-        <a:ext cx="1654388" cy="596273"/>
+        <a:off x="1982915" y="808294"/>
+        <a:ext cx="1647445" cy="593771"/>
       </dsp:txXfrm>
     </dsp:sp>
     <dsp:sp modelId="{E2DA0394-1FEA-44AE-A1FE-7A09F446BD87}">
@@ -1927,8 +2024,8 @@
       </dsp:nvSpPr>
       <dsp:spPr>
         <a:xfrm>
-          <a:off x="3151350" y="842458"/>
-          <a:ext cx="686607" cy="534087"/>
+          <a:off x="3276679" y="838924"/>
+          <a:ext cx="683726" cy="531846"/>
         </a:xfrm>
         <a:prstGeom prst="rect">
           <a:avLst/>
@@ -1959,8 +2056,8 @@
       </dsp:nvSpPr>
       <dsp:spPr>
         <a:xfrm rot="5400000">
-          <a:off x="3545729" y="2143381"/>
-          <a:ext cx="560791" cy="638441"/>
+          <a:off x="3692952" y="2134388"/>
+          <a:ext cx="558438" cy="635762"/>
         </a:xfrm>
         <a:prstGeom prst="bentUpArrow">
           <a:avLst>
@@ -2009,8 +2106,8 @@
       </dsp:nvSpPr>
       <dsp:spPr>
         <a:xfrm>
-          <a:off x="2917319" y="1521732"/>
-          <a:ext cx="1903710" cy="660799"/>
+          <a:off x="3067179" y="1515347"/>
+          <a:ext cx="1895723" cy="658027"/>
         </a:xfrm>
         <a:prstGeom prst="roundRect">
           <a:avLst>
@@ -2099,15 +2196,23 @@
             <a:buNone/>
           </a:pPr>
           <a:r>
+            <a:rPr kumimoji="1" lang="ja-JP" altLang="en-US" sz="1600" kern="1200" dirty="0">
+              <a:solidFill>
+                <a:srgbClr val="FF0000"/>
+              </a:solidFill>
+            </a:rPr>
+            <a:t>原因</a:t>
+          </a:r>
+          <a:r>
             <a:rPr kumimoji="1" lang="ja-JP" altLang="en-US" sz="1600" kern="1200" dirty="0"/>
-            <a:t>原因を特定する</a:t>
+            <a:t>を特定する</a:t>
           </a:r>
           <a:endParaRPr lang="ja-JP" altLang="en-US" sz="1600" kern="1200" dirty="0"/>
         </a:p>
       </dsp:txBody>
       <dsp:txXfrm>
-        <a:off x="2949582" y="1553995"/>
-        <a:ext cx="1839184" cy="596273"/>
+        <a:off x="3099307" y="1547475"/>
+        <a:ext cx="1831467" cy="593771"/>
       </dsp:txXfrm>
     </dsp:sp>
     <dsp:sp modelId="{59CBEDD1-CAC3-4B64-99DA-B9262D3480A0}">
@@ -2117,8 +2222,8 @@
       </dsp:nvSpPr>
       <dsp:spPr>
         <a:xfrm>
-          <a:off x="4341196" y="1584755"/>
-          <a:ext cx="686607" cy="534087"/>
+          <a:off x="4485082" y="1578105"/>
+          <a:ext cx="683726" cy="531846"/>
         </a:xfrm>
         <a:prstGeom prst="rect">
           <a:avLst/>
@@ -2149,8 +2254,8 @@
       </dsp:nvSpPr>
       <dsp:spPr>
         <a:xfrm rot="5400000">
-          <a:off x="4579520" y="2885678"/>
-          <a:ext cx="560791" cy="638441"/>
+          <a:off x="4745954" y="2873570"/>
+          <a:ext cx="558438" cy="635762"/>
         </a:xfrm>
         <a:prstGeom prst="bentUpArrow">
           <a:avLst>
@@ -2199,8 +2304,8 @@
       </dsp:nvSpPr>
       <dsp:spPr>
         <a:xfrm>
-          <a:off x="4014767" y="2264029"/>
-          <a:ext cx="1776397" cy="660799"/>
+          <a:off x="4183571" y="2254529"/>
+          <a:ext cx="1768943" cy="658027"/>
         </a:xfrm>
         <a:prstGeom prst="roundRect">
           <a:avLst>
@@ -2290,14 +2395,26 @@
           </a:pPr>
           <a:r>
             <a:rPr kumimoji="1" lang="ja-JP" altLang="en-US" sz="1600" kern="1200" dirty="0"/>
-            <a:t>対策を立案する</a:t>
+            <a:t>対策を</a:t>
+          </a:r>
+          <a:r>
+            <a:rPr kumimoji="1" lang="ja-JP" altLang="en-US" sz="1600" kern="1200" dirty="0">
+              <a:solidFill>
+                <a:srgbClr val="FF0000"/>
+              </a:solidFill>
+            </a:rPr>
+            <a:t>立案</a:t>
+          </a:r>
+          <a:r>
+            <a:rPr kumimoji="1" lang="ja-JP" altLang="en-US" sz="1600" kern="1200" dirty="0"/>
+            <a:t>する</a:t>
           </a:r>
           <a:endParaRPr lang="ja-JP" altLang="en-US" sz="1600" kern="1200" dirty="0"/>
         </a:p>
       </dsp:txBody>
       <dsp:txXfrm>
-        <a:off x="4047030" y="2296292"/>
-        <a:ext cx="1711871" cy="596273"/>
+        <a:off x="4215699" y="2286657"/>
+        <a:ext cx="1704687" cy="593771"/>
       </dsp:txXfrm>
     </dsp:sp>
     <dsp:sp modelId="{28B82B69-8787-4B37-8C7F-13B72EADFB61}">
@@ -2307,8 +2424,8 @@
       </dsp:nvSpPr>
       <dsp:spPr>
         <a:xfrm>
-          <a:off x="5374987" y="2327051"/>
-          <a:ext cx="686607" cy="534087"/>
+          <a:off x="5538084" y="2317287"/>
+          <a:ext cx="683726" cy="531846"/>
         </a:xfrm>
         <a:prstGeom prst="rect">
           <a:avLst/>
@@ -2339,8 +2456,8 @@
       </dsp:nvSpPr>
       <dsp:spPr>
         <a:xfrm rot="5400000">
-          <a:off x="5671412" y="3627974"/>
-          <a:ext cx="560791" cy="638441"/>
+          <a:off x="5856814" y="3612751"/>
+          <a:ext cx="558438" cy="635762"/>
         </a:xfrm>
         <a:prstGeom prst="bentUpArrow">
           <a:avLst>
@@ -2389,8 +2506,8 @@
       </dsp:nvSpPr>
       <dsp:spPr>
         <a:xfrm>
-          <a:off x="5112215" y="3006325"/>
-          <a:ext cx="1765285" cy="660799"/>
+          <a:off x="5299964" y="2993711"/>
+          <a:ext cx="1757878" cy="658027"/>
         </a:xfrm>
         <a:prstGeom prst="roundRect">
           <a:avLst>
@@ -2480,14 +2597,26 @@
           </a:pPr>
           <a:r>
             <a:rPr kumimoji="1" lang="ja-JP" altLang="en-US" sz="1600" kern="1200" dirty="0"/>
-            <a:t>対策を実施する</a:t>
+            <a:t>対策を</a:t>
+          </a:r>
+          <a:r>
+            <a:rPr kumimoji="1" lang="ja-JP" altLang="en-US" sz="1600" kern="1200" dirty="0">
+              <a:solidFill>
+                <a:srgbClr val="FF0000"/>
+              </a:solidFill>
+            </a:rPr>
+            <a:t>実施</a:t>
+          </a:r>
+          <a:r>
+            <a:rPr kumimoji="1" lang="ja-JP" altLang="en-US" sz="1600" kern="1200" dirty="0"/>
+            <a:t>する</a:t>
           </a:r>
           <a:endParaRPr lang="ja-JP" altLang="en-US" sz="1600" kern="1200" dirty="0"/>
         </a:p>
       </dsp:txBody>
       <dsp:txXfrm>
-        <a:off x="5144478" y="3038588"/>
-        <a:ext cx="1700759" cy="596273"/>
+        <a:off x="5332092" y="3025839"/>
+        <a:ext cx="1693622" cy="593771"/>
       </dsp:txXfrm>
     </dsp:sp>
     <dsp:sp modelId="{92EB7673-4F89-440B-B409-F2AD365DA097}">
@@ -2497,8 +2626,8 @@
       </dsp:nvSpPr>
       <dsp:spPr>
         <a:xfrm>
-          <a:off x="6466879" y="3069347"/>
-          <a:ext cx="686607" cy="534087"/>
+          <a:off x="6648944" y="3056468"/>
+          <a:ext cx="683726" cy="531846"/>
         </a:xfrm>
         <a:prstGeom prst="rect">
           <a:avLst/>
@@ -2529,8 +2658,8 @@
       </dsp:nvSpPr>
       <dsp:spPr>
         <a:xfrm rot="5400000">
-          <a:off x="6709951" y="4370270"/>
-          <a:ext cx="560791" cy="638441"/>
+          <a:off x="6914546" y="4351933"/>
+          <a:ext cx="558438" cy="635762"/>
         </a:xfrm>
         <a:prstGeom prst="bentUpArrow">
           <a:avLst>
@@ -2579,8 +2708,8 @@
       </dsp:nvSpPr>
       <dsp:spPr>
         <a:xfrm>
-          <a:off x="6209663" y="3748621"/>
-          <a:ext cx="1647469" cy="660799"/>
+          <a:off x="6416356" y="3732892"/>
+          <a:ext cx="1640556" cy="658027"/>
         </a:xfrm>
         <a:prstGeom prst="roundRect">
           <a:avLst>
@@ -2670,14 +2799,26 @@
           </a:pPr>
           <a:r>
             <a:rPr kumimoji="1" lang="ja-JP" altLang="en-US" sz="1600" kern="1200" dirty="0"/>
-            <a:t>結果を評価する</a:t>
+            <a:t>結果を</a:t>
+          </a:r>
+          <a:r>
+            <a:rPr kumimoji="1" lang="ja-JP" altLang="en-US" sz="1600" kern="1200" dirty="0">
+              <a:solidFill>
+                <a:srgbClr val="FF0000"/>
+              </a:solidFill>
+            </a:rPr>
+            <a:t>評価</a:t>
+          </a:r>
+          <a:r>
+            <a:rPr kumimoji="1" lang="ja-JP" altLang="en-US" sz="1600" kern="1200" dirty="0"/>
+            <a:t>する</a:t>
           </a:r>
           <a:endParaRPr lang="ja-JP" altLang="en-US" sz="1600" kern="1200" dirty="0"/>
         </a:p>
       </dsp:txBody>
       <dsp:txXfrm>
-        <a:off x="6241926" y="3780884"/>
-        <a:ext cx="1582943" cy="596273"/>
+        <a:off x="6448484" y="3765020"/>
+        <a:ext cx="1576300" cy="593771"/>
       </dsp:txXfrm>
     </dsp:sp>
     <dsp:sp modelId="{2F5908C1-F520-4ED6-A614-4C646FE6AEA9}">
@@ -2687,8 +2828,8 @@
       </dsp:nvSpPr>
       <dsp:spPr>
         <a:xfrm>
-          <a:off x="7505419" y="3811643"/>
-          <a:ext cx="686607" cy="534087"/>
+          <a:off x="7706675" y="3795650"/>
+          <a:ext cx="683726" cy="531846"/>
         </a:xfrm>
         <a:prstGeom prst="rect">
           <a:avLst/>
@@ -2719,8 +2860,8 @@
       </dsp:nvSpPr>
       <dsp:spPr>
         <a:xfrm>
-          <a:off x="7307111" y="4490917"/>
-          <a:ext cx="1575561" cy="660799"/>
+          <a:off x="7532748" y="4472074"/>
+          <a:ext cx="1596447" cy="658027"/>
         </a:xfrm>
         <a:prstGeom prst="roundRect">
           <a:avLst>
@@ -2809,15 +2950,23 @@
             <a:buNone/>
           </a:pPr>
           <a:r>
+            <a:rPr kumimoji="1" lang="ja-JP" altLang="en-US" sz="1600" kern="1200" dirty="0">
+              <a:solidFill>
+                <a:srgbClr val="FF0000"/>
+              </a:solidFill>
+            </a:rPr>
+            <a:t>標準化</a:t>
+          </a:r>
+          <a:r>
             <a:rPr kumimoji="1" lang="ja-JP" altLang="en-US" sz="1600" kern="1200" dirty="0"/>
-            <a:t>標準化する</a:t>
+            <a:t>する</a:t>
           </a:r>
           <a:endParaRPr lang="ja-JP" altLang="en-US" sz="1600" kern="1200" dirty="0"/>
         </a:p>
       </dsp:txBody>
       <dsp:txXfrm>
-        <a:off x="7339374" y="4523180"/>
-        <a:ext cx="1511035" cy="596273"/>
+        <a:off x="7564876" y="4504202"/>
+        <a:ext cx="1532191" cy="593771"/>
       </dsp:txXfrm>
     </dsp:sp>
     <dsp:sp modelId="{7972C692-3065-4957-A82C-67DC0E8D9CDC}">
@@ -2827,8 +2976,8 @@
       </dsp:nvSpPr>
       <dsp:spPr>
         <a:xfrm>
-          <a:off x="8991092" y="4575714"/>
-          <a:ext cx="1091362" cy="534087"/>
+          <a:off x="9104174" y="4556515"/>
+          <a:ext cx="1323400" cy="531846"/>
         </a:xfrm>
         <a:prstGeom prst="rect">
           <a:avLst/>
@@ -2852,12 +3001,12 @@
         <a:fontRef idx="minor"/>
       </dsp:style>
       <dsp:txBody>
-        <a:bodyPr spcFirstLastPara="0" vert="horz" wrap="square" lIns="34290" tIns="34290" rIns="34290" bIns="34290" numCol="1" spcCol="1270" anchor="ctr" anchorCtr="0">
+        <a:bodyPr spcFirstLastPara="0" vert="horz" wrap="square" lIns="45720" tIns="45720" rIns="45720" bIns="45720" numCol="1" spcCol="1270" anchor="ctr" anchorCtr="0">
           <a:noAutofit/>
         </a:bodyPr>
         <a:lstStyle/>
         <a:p>
-          <a:pPr marL="57150" lvl="1" indent="-57150" algn="l" defTabSz="400050">
+          <a:pPr marL="114300" lvl="1" indent="-114300" algn="l" defTabSz="533400">
             <a:lnSpc>
               <a:spcPct val="90000"/>
             </a:lnSpc>
@@ -2870,14 +3019,14 @@
             <a:buChar char="•"/>
           </a:pPr>
           <a:r>
-            <a:rPr lang="ja-JP" altLang="en-US" sz="900" kern="1200" dirty="0"/>
+            <a:rPr lang="ja-JP" altLang="en-US" sz="1200" kern="1200" dirty="0"/>
             <a:t>ドキュメント化、習慣化を行う</a:t>
           </a:r>
         </a:p>
       </dsp:txBody>
       <dsp:txXfrm>
-        <a:off x="8991092" y="4575714"/>
-        <a:ext cx="1091362" cy="534087"/>
+        <a:off x="9104174" y="4556515"/>
+        <a:ext cx="1323400" cy="531846"/>
       </dsp:txXfrm>
     </dsp:sp>
   </dsp:spTree>
@@ -5448,7 +5597,7 @@
             <a:fld id="{9334D819-9F07-4261-B09B-9E467E5D9002}" type="datetimeFigureOut">
               <a:rPr lang="en-US" dirty="0"/>
               <a:pPr/>
-              <a:t>2/22/2018</a:t>
+              <a:t>2/23/2018</a:t>
             </a:fld>
             <a:endParaRPr lang="en-US" dirty="0"/>
           </a:p>
@@ -5714,7 +5863,7 @@
           <a:p>
             <a:fld id="{9334D819-9F07-4261-B09B-9E467E5D9002}" type="datetimeFigureOut">
               <a:rPr lang="en-US" dirty="0"/>
-              <a:t>2/22/2018</a:t>
+              <a:t>2/23/2018</a:t>
             </a:fld>
             <a:endParaRPr lang="en-US" dirty="0"/>
           </a:p>
@@ -5921,7 +6070,7 @@
           <a:p>
             <a:fld id="{9334D819-9F07-4261-B09B-9E467E5D9002}" type="datetimeFigureOut">
               <a:rPr lang="en-US" dirty="0"/>
-              <a:t>2/22/2018</a:t>
+              <a:t>2/23/2018</a:t>
             </a:fld>
             <a:endParaRPr lang="en-US" dirty="0"/>
           </a:p>
@@ -6118,7 +6267,7 @@
           <a:p>
             <a:fld id="{9334D819-9F07-4261-B09B-9E467E5D9002}" type="datetimeFigureOut">
               <a:rPr lang="en-US" dirty="0"/>
-              <a:t>2/22/2018</a:t>
+              <a:t>2/23/2018</a:t>
             </a:fld>
             <a:endParaRPr lang="en-US" dirty="0"/>
           </a:p>
@@ -6390,7 +6539,7 @@
             <a:fld id="{9334D819-9F07-4261-B09B-9E467E5D9002}" type="datetimeFigureOut">
               <a:rPr lang="en-US" dirty="0"/>
               <a:pPr/>
-              <a:t>2/22/2018</a:t>
+              <a:t>2/23/2018</a:t>
             </a:fld>
             <a:endParaRPr lang="en-US" dirty="0"/>
           </a:p>
@@ -7651,7 +7800,7 @@
           <a:p>
             <a:fld id="{9334D819-9F07-4261-B09B-9E467E5D9002}" type="datetimeFigureOut">
               <a:rPr lang="en-US" dirty="0"/>
-              <a:t>2/22/2018</a:t>
+              <a:t>2/23/2018</a:t>
             </a:fld>
             <a:endParaRPr lang="en-US" dirty="0"/>
           </a:p>
@@ -8100,7 +8249,7 @@
           <a:p>
             <a:fld id="{9334D819-9F07-4261-B09B-9E467E5D9002}" type="datetimeFigureOut">
               <a:rPr lang="en-US" dirty="0"/>
-              <a:t>2/22/2018</a:t>
+              <a:t>2/23/2018</a:t>
             </a:fld>
             <a:endParaRPr lang="en-US" dirty="0"/>
           </a:p>
@@ -8218,7 +8367,7 @@
           <a:p>
             <a:fld id="{9334D819-9F07-4261-B09B-9E467E5D9002}" type="datetimeFigureOut">
               <a:rPr lang="en-US" dirty="0"/>
-              <a:t>2/22/2018</a:t>
+              <a:t>2/23/2018</a:t>
             </a:fld>
             <a:endParaRPr lang="en-US" dirty="0"/>
           </a:p>
@@ -8308,7 +8457,7 @@
           <a:p>
             <a:fld id="{9334D819-9F07-4261-B09B-9E467E5D9002}" type="datetimeFigureOut">
               <a:rPr lang="en-US" dirty="0"/>
-              <a:t>2/22/2018</a:t>
+              <a:t>2/23/2018</a:t>
             </a:fld>
             <a:endParaRPr lang="en-US" dirty="0"/>
           </a:p>
@@ -9098,7 +9247,7 @@
           <a:p>
             <a:fld id="{9334D819-9F07-4261-B09B-9E467E5D9002}" type="datetimeFigureOut">
               <a:rPr lang="en-US" dirty="0"/>
-              <a:t>2/22/2018</a:t>
+              <a:t>2/23/2018</a:t>
             </a:fld>
             <a:endParaRPr lang="en-US" dirty="0"/>
           </a:p>
@@ -9933,7 +10082,7 @@
           <a:p>
             <a:fld id="{9334D819-9F07-4261-B09B-9E467E5D9002}" type="datetimeFigureOut">
               <a:rPr lang="en-US" dirty="0"/>
-              <a:t>2/22/2018</a:t>
+              <a:t>2/23/2018</a:t>
             </a:fld>
             <a:endParaRPr lang="en-US" dirty="0"/>
           </a:p>
@@ -10188,7 +10337,7 @@
             <a:fld id="{9334D819-9F07-4261-B09B-9E467E5D9002}" type="datetimeFigureOut">
               <a:rPr lang="en-US" dirty="0"/>
               <a:pPr/>
-              <a:t>2/22/2018</a:t>
+              <a:t>2/23/2018</a:t>
             </a:fld>
             <a:endParaRPr lang="en-US" dirty="0"/>
           </a:p>
@@ -11266,6 +11415,45 @@
           </a:p>
         </p:txBody>
       </p:sp>
+      <p:sp>
+        <p:nvSpPr>
+          <p:cNvPr id="4" name="テキスト ボックス 3"/>
+          <p:cNvSpPr txBox="1"/>
+          <p:nvPr/>
+        </p:nvSpPr>
+        <p:spPr>
+          <a:xfrm>
+            <a:off x="4615331" y="670812"/>
+            <a:ext cx="3244799" cy="369332"/>
+          </a:xfrm>
+          <a:prstGeom prst="rect">
+            <a:avLst/>
+          </a:prstGeom>
+          <a:noFill/>
+        </p:spPr>
+        <p:txBody>
+          <a:bodyPr wrap="none" rtlCol="0">
+            <a:spAutoFit/>
+          </a:bodyPr>
+          <a:lstStyle/>
+          <a:p>
+            <a:r>
+              <a:rPr kumimoji="1" lang="en-US" altLang="ja-JP" dirty="0">
+                <a:latin typeface="Berlin Sans FB Demi" panose="020E0802020502020306" pitchFamily="34" charset="0"/>
+                <a:ea typeface="ＤＦＰ綜藝体W5" panose="040B0500000000000000" pitchFamily="50" charset="-128"/>
+              </a:rPr>
+              <a:t>Happy Engineer</a:t>
+            </a:r>
+            <a:r>
+              <a:rPr kumimoji="1" lang="ja-JP" altLang="en-US" dirty="0">
+                <a:latin typeface="Berlin Sans FB Demi" panose="020E0802020502020306" pitchFamily="34" charset="0"/>
+                <a:ea typeface="ＤＦＰ綜藝体W5" panose="040B0500000000000000" pitchFamily="50" charset="-128"/>
+              </a:rPr>
+              <a:t>になるために</a:t>
+            </a:r>
+          </a:p>
+        </p:txBody>
+      </p:sp>
     </p:spTree>
     <p:extLst>
       <p:ext uri="{BB962C8B-B14F-4D97-AF65-F5344CB8AC3E}">
@@ -11429,25 +11617,35 @@
           <a:p>
             <a:pPr algn="ctr"/>
             <a:r>
+              <a:rPr kumimoji="1" lang="en-US" altLang="ja-JP" dirty="0">
+                <a:latin typeface="ＤＦＧ綜藝体W5" panose="040B0500000000000000" pitchFamily="50" charset="-128"/>
+                <a:ea typeface="ＤＦＧ綜藝体W5" panose="040B0500000000000000" pitchFamily="50" charset="-128"/>
+              </a:rPr>
+              <a:t>step-7</a:t>
+            </a:r>
+            <a:r>
               <a:rPr kumimoji="1" lang="ja-JP" altLang="en-US" dirty="0">
                 <a:latin typeface="ＤＦＧ綜藝体W5" panose="040B0500000000000000" pitchFamily="50" charset="-128"/>
                 <a:ea typeface="ＤＦＧ綜藝体W5" panose="040B0500000000000000" pitchFamily="50" charset="-128"/>
               </a:rPr>
-              <a:t>ステップ</a:t>
-            </a:r>
-            <a:r>
-              <a:rPr kumimoji="1" lang="en-US" altLang="ja-JP" dirty="0">
+              <a:t>　</a:t>
+            </a:r>
+            <a:r>
+              <a:rPr kumimoji="1" lang="ja-JP" altLang="en-US" dirty="0">
+                <a:solidFill>
+                  <a:srgbClr val="FF0000"/>
+                </a:solidFill>
                 <a:latin typeface="ＤＦＧ綜藝体W5" panose="040B0500000000000000" pitchFamily="50" charset="-128"/>
                 <a:ea typeface="ＤＦＧ綜藝体W5" panose="040B0500000000000000" pitchFamily="50" charset="-128"/>
               </a:rPr>
-              <a:t>7</a:t>
+              <a:t>標準化</a:t>
             </a:r>
             <a:r>
               <a:rPr kumimoji="1" lang="ja-JP" altLang="en-US" dirty="0">
                 <a:latin typeface="ＤＦＧ綜藝体W5" panose="040B0500000000000000" pitchFamily="50" charset="-128"/>
                 <a:ea typeface="ＤＦＧ綜藝体W5" panose="040B0500000000000000" pitchFamily="50" charset="-128"/>
               </a:rPr>
-              <a:t>　標準化する</a:t>
+              <a:t>する</a:t>
             </a:r>
           </a:p>
         </p:txBody>
@@ -12093,8 +12291,8 @@
         </p:nvSpPr>
         <p:spPr>
           <a:xfrm>
-            <a:off x="6764538" y="2514597"/>
-            <a:ext cx="4176665" cy="3084286"/>
+            <a:off x="6764538" y="2514596"/>
+            <a:ext cx="4273710" cy="3581403"/>
           </a:xfrm>
           <a:prstGeom prst="rect">
             <a:avLst/>
@@ -12102,7 +12300,7 @@
         </p:spPr>
         <p:txBody>
           <a:bodyPr vert="horz" lIns="91440" tIns="45720" rIns="91440" bIns="45720" rtlCol="0">
-            <a:normAutofit fontScale="85000" lnSpcReduction="20000"/>
+            <a:normAutofit fontScale="92500" lnSpcReduction="20000"/>
           </a:bodyPr>
           <a:lstStyle>
             <a:lvl1pPr marL="228600" indent="-228600" algn="l" defTabSz="914400" rtl="0" eaLnBrk="1" latinLnBrk="0" hangingPunct="1">
@@ -12351,7 +12549,7 @@
               <a:buChar char="ü"/>
             </a:pPr>
             <a:r>
-              <a:rPr lang="ja-JP" altLang="en-US" sz="1900" dirty="0">
+              <a:rPr lang="ja-JP" altLang="en-US" sz="2100" dirty="0">
                 <a:solidFill>
                   <a:srgbClr val="FF0000"/>
                 </a:solidFill>
@@ -12360,7 +12558,7 @@
               </a:rPr>
               <a:t>ドキュメント化して共有スペースに公開する</a:t>
             </a:r>
-            <a:endParaRPr lang="en-US" altLang="ja-JP" sz="1900" dirty="0">
+            <a:endParaRPr lang="en-US" altLang="ja-JP" sz="2100" dirty="0">
               <a:solidFill>
                 <a:srgbClr val="FF0000"/>
               </a:solidFill>
@@ -12410,7 +12608,7 @@
               <a:buChar char="ü"/>
             </a:pPr>
             <a:r>
-              <a:rPr lang="ja-JP" altLang="en-US" sz="1900" dirty="0">
+              <a:rPr lang="ja-JP" altLang="en-US" sz="2100" dirty="0">
                 <a:solidFill>
                   <a:srgbClr val="FF0000"/>
                 </a:solidFill>
@@ -12419,7 +12617,7 @@
               </a:rPr>
               <a:t>勉強会で発表する</a:t>
             </a:r>
-            <a:endParaRPr lang="en-US" altLang="ja-JP" sz="1900" dirty="0">
+            <a:endParaRPr lang="en-US" altLang="ja-JP" sz="2100" dirty="0">
               <a:solidFill>
                 <a:srgbClr val="FF0000"/>
               </a:solidFill>
@@ -12469,7 +12667,7 @@
               <a:buChar char="ü"/>
             </a:pPr>
             <a:r>
-              <a:rPr lang="ja-JP" altLang="en-US" sz="1900" dirty="0">
+              <a:rPr lang="ja-JP" altLang="en-US" sz="2100" dirty="0">
                 <a:solidFill>
                   <a:srgbClr val="FF0000"/>
                 </a:solidFill>
@@ -12478,7 +12676,7 @@
               </a:rPr>
               <a:t>絶え間ない改善を社訓にする</a:t>
             </a:r>
-            <a:endParaRPr lang="en-US" altLang="ja-JP" sz="1900" dirty="0">
+            <a:endParaRPr lang="en-US" altLang="ja-JP" sz="2100" dirty="0">
               <a:solidFill>
                 <a:srgbClr val="FF0000"/>
               </a:solidFill>
@@ -13363,39 +13561,48 @@
             <p:ph type="title"/>
           </p:nvPr>
         </p:nvSpPr>
-        <p:spPr/>
+        <p:spPr>
+          <a:xfrm>
+            <a:off x="1251678" y="382385"/>
+            <a:ext cx="10178322" cy="873101"/>
+          </a:xfrm>
+        </p:spPr>
         <p:txBody>
           <a:bodyPr/>
           <a:lstStyle/>
           <a:p>
             <a:r>
               <a:rPr kumimoji="1" lang="ja-JP" altLang="en-US" dirty="0">
-                <a:latin typeface="ＤＦＧ綜藝体W5" panose="040B0500000000000000" pitchFamily="50" charset="-128"/>
-                <a:ea typeface="ＤＦＧ綜藝体W5" panose="040B0500000000000000" pitchFamily="50" charset="-128"/>
+                <a:latin typeface="ＤＦＧ麗雅宋" panose="02020900000000000000" pitchFamily="18" charset="-128"/>
+                <a:ea typeface="ＤＦＧ麗雅宋" panose="02020900000000000000" pitchFamily="18" charset="-128"/>
               </a:rPr>
               <a:t>問題解決の</a:t>
             </a:r>
             <a:r>
+              <a:rPr lang="ja-JP" altLang="en-US" dirty="0">
+                <a:latin typeface="ＤＦＧ麗雅宋" panose="02020900000000000000" pitchFamily="18" charset="-128"/>
+                <a:ea typeface="ＤＦＧ麗雅宋" panose="02020900000000000000" pitchFamily="18" charset="-128"/>
+              </a:rPr>
+              <a:t>ための</a:t>
+            </a:r>
+            <a:r>
+              <a:rPr kumimoji="1" lang="ja-JP" altLang="en-US" dirty="0">
+                <a:latin typeface="ＤＦＧ麗雅宋" panose="02020900000000000000" pitchFamily="18" charset="-128"/>
+                <a:ea typeface="ＤＦＧ麗雅宋" panose="02020900000000000000" pitchFamily="18" charset="-128"/>
+              </a:rPr>
+              <a:t>７つの</a:t>
+            </a:r>
+            <a:r>
               <a:rPr kumimoji="1" lang="en-US" altLang="ja-JP" dirty="0">
-                <a:latin typeface="ＤＦＧ綜藝体W5" panose="040B0500000000000000" pitchFamily="50" charset="-128"/>
-                <a:ea typeface="ＤＦＧ綜藝体W5" panose="040B0500000000000000" pitchFamily="50" charset="-128"/>
+                <a:latin typeface="ＤＦＧ麗雅宋" panose="02020900000000000000" pitchFamily="18" charset="-128"/>
+                <a:ea typeface="ＤＦＧ麗雅宋" panose="02020900000000000000" pitchFamily="18" charset="-128"/>
               </a:rPr>
-              <a:t>7</a:t>
-            </a:r>
-            <a:r>
-              <a:rPr kumimoji="1" lang="ja-JP" altLang="en-US" dirty="0" err="1">
-                <a:latin typeface="ＤＦＧ綜藝体W5" panose="040B0500000000000000" pitchFamily="50" charset="-128"/>
-                <a:ea typeface="ＤＦＧ綜藝体W5" panose="040B0500000000000000" pitchFamily="50" charset="-128"/>
-              </a:rPr>
-              <a:t>つの</a:t>
-            </a:r>
-            <a:r>
-              <a:rPr kumimoji="1" lang="ja-JP" altLang="en-US" dirty="0">
-                <a:latin typeface="ＤＦＧ綜藝体W5" panose="040B0500000000000000" pitchFamily="50" charset="-128"/>
-                <a:ea typeface="ＤＦＧ綜藝体W5" panose="040B0500000000000000" pitchFamily="50" charset="-128"/>
-              </a:rPr>
-              <a:t>ステップ</a:t>
-            </a:r>
+              <a:t>STEP</a:t>
+            </a:r>
+            <a:endParaRPr kumimoji="1" lang="ja-JP" altLang="en-US" dirty="0">
+              <a:latin typeface="ＤＦＧ麗雅宋" panose="02020900000000000000" pitchFamily="18" charset="-128"/>
+              <a:ea typeface="ＤＦＧ麗雅宋" panose="02020900000000000000" pitchFamily="18" charset="-128"/>
+            </a:endParaRPr>
           </a:p>
         </p:txBody>
       </p:sp>
@@ -13409,14 +13616,14 @@
             <p:ph idx="1"/>
             <p:extLst>
               <p:ext uri="{D42A27DB-BD31-4B8C-83A1-F6EECF244321}">
-                <p14:modId xmlns:p14="http://schemas.microsoft.com/office/powerpoint/2010/main" val="840448987"/>
+                <p14:modId xmlns:p14="http://schemas.microsoft.com/office/powerpoint/2010/main" val="2744802921"/>
               </p:ext>
             </p:extLst>
           </p:nvPr>
         </p:nvGraphicFramePr>
         <p:xfrm>
-          <a:off x="1251678" y="1545771"/>
-          <a:ext cx="10178322" cy="5188858"/>
+          <a:off x="1175657" y="1531257"/>
+          <a:ext cx="10638972" cy="5167086"/>
         </p:xfrm>
         <a:graphic>
           <a:graphicData uri="http://schemas.openxmlformats.org/drawingml/2006/diagram">
@@ -13424,6 +13631,328 @@
           </a:graphicData>
         </a:graphic>
       </p:graphicFrame>
+      <p:sp>
+        <p:nvSpPr>
+          <p:cNvPr id="3" name="テキスト ボックス 2"/>
+          <p:cNvSpPr txBox="1"/>
+          <p:nvPr/>
+        </p:nvSpPr>
+        <p:spPr>
+          <a:xfrm>
+            <a:off x="2518228" y="1531257"/>
+            <a:ext cx="663964" cy="276999"/>
+          </a:xfrm>
+          <a:prstGeom prst="rect">
+            <a:avLst/>
+          </a:prstGeom>
+          <a:noFill/>
+        </p:spPr>
+        <p:txBody>
+          <a:bodyPr wrap="none" rtlCol="0">
+            <a:spAutoFit/>
+          </a:bodyPr>
+          <a:lstStyle/>
+          <a:p>
+            <a:r>
+              <a:rPr kumimoji="1" lang="en-US" altLang="ja-JP" sz="1200" dirty="0">
+                <a:solidFill>
+                  <a:schemeClr val="accent2">
+                    <a:lumMod val="20000"/>
+                    <a:lumOff val="80000"/>
+                  </a:schemeClr>
+                </a:solidFill>
+                <a:latin typeface="+mn-ea"/>
+              </a:rPr>
+              <a:t>step-1</a:t>
+            </a:r>
+            <a:endParaRPr kumimoji="1" lang="ja-JP" altLang="en-US" sz="1200" dirty="0">
+              <a:solidFill>
+                <a:schemeClr val="accent2">
+                  <a:lumMod val="20000"/>
+                  <a:lumOff val="80000"/>
+                </a:schemeClr>
+              </a:solidFill>
+              <a:latin typeface="+mn-ea"/>
+            </a:endParaRPr>
+          </a:p>
+        </p:txBody>
+      </p:sp>
+      <p:sp>
+        <p:nvSpPr>
+          <p:cNvPr id="5" name="テキスト ボックス 4"/>
+          <p:cNvSpPr txBox="1"/>
+          <p:nvPr/>
+        </p:nvSpPr>
+        <p:spPr>
+          <a:xfrm>
+            <a:off x="3679371" y="2278743"/>
+            <a:ext cx="663964" cy="276999"/>
+          </a:xfrm>
+          <a:prstGeom prst="rect">
+            <a:avLst/>
+          </a:prstGeom>
+          <a:noFill/>
+        </p:spPr>
+        <p:txBody>
+          <a:bodyPr wrap="none" rtlCol="0">
+            <a:spAutoFit/>
+          </a:bodyPr>
+          <a:lstStyle/>
+          <a:p>
+            <a:r>
+              <a:rPr kumimoji="1" lang="en-US" altLang="ja-JP" sz="1200" dirty="0">
+                <a:solidFill>
+                  <a:schemeClr val="accent2">
+                    <a:lumMod val="20000"/>
+                    <a:lumOff val="80000"/>
+                  </a:schemeClr>
+                </a:solidFill>
+                <a:latin typeface="+mn-ea"/>
+              </a:rPr>
+              <a:t>step-2</a:t>
+            </a:r>
+            <a:endParaRPr kumimoji="1" lang="ja-JP" altLang="en-US" sz="1200" dirty="0">
+              <a:solidFill>
+                <a:schemeClr val="accent2">
+                  <a:lumMod val="20000"/>
+                  <a:lumOff val="80000"/>
+                </a:schemeClr>
+              </a:solidFill>
+              <a:latin typeface="+mn-ea"/>
+            </a:endParaRPr>
+          </a:p>
+        </p:txBody>
+      </p:sp>
+      <p:sp>
+        <p:nvSpPr>
+          <p:cNvPr id="6" name="テキスト ボックス 5"/>
+          <p:cNvSpPr txBox="1"/>
+          <p:nvPr/>
+        </p:nvSpPr>
+        <p:spPr>
+          <a:xfrm>
+            <a:off x="4905828" y="3011714"/>
+            <a:ext cx="663964" cy="276999"/>
+          </a:xfrm>
+          <a:prstGeom prst="rect">
+            <a:avLst/>
+          </a:prstGeom>
+          <a:noFill/>
+        </p:spPr>
+        <p:txBody>
+          <a:bodyPr wrap="none" rtlCol="0">
+            <a:spAutoFit/>
+          </a:bodyPr>
+          <a:lstStyle/>
+          <a:p>
+            <a:r>
+              <a:rPr kumimoji="1" lang="en-US" altLang="ja-JP" sz="1200" dirty="0">
+                <a:solidFill>
+                  <a:schemeClr val="accent2">
+                    <a:lumMod val="20000"/>
+                    <a:lumOff val="80000"/>
+                  </a:schemeClr>
+                </a:solidFill>
+                <a:latin typeface="+mn-ea"/>
+              </a:rPr>
+              <a:t>step-3</a:t>
+            </a:r>
+            <a:endParaRPr kumimoji="1" lang="ja-JP" altLang="en-US" sz="1200" dirty="0">
+              <a:solidFill>
+                <a:schemeClr val="accent2">
+                  <a:lumMod val="20000"/>
+                  <a:lumOff val="80000"/>
+                </a:schemeClr>
+              </a:solidFill>
+              <a:latin typeface="+mn-ea"/>
+            </a:endParaRPr>
+          </a:p>
+        </p:txBody>
+      </p:sp>
+      <p:sp>
+        <p:nvSpPr>
+          <p:cNvPr id="7" name="テキスト ボックス 6"/>
+          <p:cNvSpPr txBox="1"/>
+          <p:nvPr/>
+        </p:nvSpPr>
+        <p:spPr>
+          <a:xfrm>
+            <a:off x="5892745" y="3737428"/>
+            <a:ext cx="663964" cy="276999"/>
+          </a:xfrm>
+          <a:prstGeom prst="rect">
+            <a:avLst/>
+          </a:prstGeom>
+          <a:noFill/>
+        </p:spPr>
+        <p:txBody>
+          <a:bodyPr wrap="none" rtlCol="0">
+            <a:spAutoFit/>
+          </a:bodyPr>
+          <a:lstStyle/>
+          <a:p>
+            <a:r>
+              <a:rPr kumimoji="1" lang="en-US" altLang="ja-JP" sz="1200" dirty="0">
+                <a:solidFill>
+                  <a:schemeClr val="accent2">
+                    <a:lumMod val="20000"/>
+                    <a:lumOff val="80000"/>
+                  </a:schemeClr>
+                </a:solidFill>
+                <a:latin typeface="+mn-ea"/>
+              </a:rPr>
+              <a:t>step-4</a:t>
+            </a:r>
+            <a:endParaRPr kumimoji="1" lang="ja-JP" altLang="en-US" sz="1200" dirty="0">
+              <a:solidFill>
+                <a:schemeClr val="accent2">
+                  <a:lumMod val="20000"/>
+                  <a:lumOff val="80000"/>
+                </a:schemeClr>
+              </a:solidFill>
+              <a:latin typeface="+mn-ea"/>
+            </a:endParaRPr>
+          </a:p>
+        </p:txBody>
+      </p:sp>
+      <p:sp>
+        <p:nvSpPr>
+          <p:cNvPr id="8" name="テキスト ボックス 7"/>
+          <p:cNvSpPr txBox="1"/>
+          <p:nvPr/>
+        </p:nvSpPr>
+        <p:spPr>
+          <a:xfrm>
+            <a:off x="7061199" y="4492171"/>
+            <a:ext cx="663964" cy="276999"/>
+          </a:xfrm>
+          <a:prstGeom prst="rect">
+            <a:avLst/>
+          </a:prstGeom>
+          <a:noFill/>
+        </p:spPr>
+        <p:txBody>
+          <a:bodyPr wrap="none" rtlCol="0">
+            <a:spAutoFit/>
+          </a:bodyPr>
+          <a:lstStyle/>
+          <a:p>
+            <a:r>
+              <a:rPr kumimoji="1" lang="en-US" altLang="ja-JP" sz="1200" dirty="0">
+                <a:solidFill>
+                  <a:schemeClr val="accent2">
+                    <a:lumMod val="20000"/>
+                    <a:lumOff val="80000"/>
+                  </a:schemeClr>
+                </a:solidFill>
+                <a:latin typeface="+mn-ea"/>
+              </a:rPr>
+              <a:t>step-5</a:t>
+            </a:r>
+            <a:endParaRPr kumimoji="1" lang="ja-JP" altLang="en-US" sz="1200" dirty="0">
+              <a:solidFill>
+                <a:schemeClr val="accent2">
+                  <a:lumMod val="20000"/>
+                  <a:lumOff val="80000"/>
+                </a:schemeClr>
+              </a:solidFill>
+              <a:latin typeface="+mn-ea"/>
+            </a:endParaRPr>
+          </a:p>
+        </p:txBody>
+      </p:sp>
+      <p:sp>
+        <p:nvSpPr>
+          <p:cNvPr id="9" name="テキスト ボックス 8"/>
+          <p:cNvSpPr txBox="1"/>
+          <p:nvPr/>
+        </p:nvSpPr>
+        <p:spPr>
+          <a:xfrm>
+            <a:off x="8069942" y="5225142"/>
+            <a:ext cx="663964" cy="276999"/>
+          </a:xfrm>
+          <a:prstGeom prst="rect">
+            <a:avLst/>
+          </a:prstGeom>
+          <a:noFill/>
+        </p:spPr>
+        <p:txBody>
+          <a:bodyPr wrap="none" rtlCol="0">
+            <a:spAutoFit/>
+          </a:bodyPr>
+          <a:lstStyle/>
+          <a:p>
+            <a:r>
+              <a:rPr kumimoji="1" lang="en-US" altLang="ja-JP" sz="1200" dirty="0">
+                <a:solidFill>
+                  <a:schemeClr val="accent2">
+                    <a:lumMod val="20000"/>
+                    <a:lumOff val="80000"/>
+                  </a:schemeClr>
+                </a:solidFill>
+                <a:latin typeface="+mn-ea"/>
+              </a:rPr>
+              <a:t>step-6</a:t>
+            </a:r>
+            <a:endParaRPr kumimoji="1" lang="ja-JP" altLang="en-US" sz="1200" dirty="0">
+              <a:solidFill>
+                <a:schemeClr val="accent2">
+                  <a:lumMod val="20000"/>
+                  <a:lumOff val="80000"/>
+                </a:schemeClr>
+              </a:solidFill>
+              <a:latin typeface="+mn-ea"/>
+            </a:endParaRPr>
+          </a:p>
+        </p:txBody>
+      </p:sp>
+      <p:sp>
+        <p:nvSpPr>
+          <p:cNvPr id="10" name="テキスト ボックス 9"/>
+          <p:cNvSpPr txBox="1"/>
+          <p:nvPr/>
+        </p:nvSpPr>
+        <p:spPr>
+          <a:xfrm>
+            <a:off x="9064171" y="5965371"/>
+            <a:ext cx="663964" cy="276999"/>
+          </a:xfrm>
+          <a:prstGeom prst="rect">
+            <a:avLst/>
+          </a:prstGeom>
+          <a:noFill/>
+        </p:spPr>
+        <p:txBody>
+          <a:bodyPr wrap="none" rtlCol="0">
+            <a:spAutoFit/>
+          </a:bodyPr>
+          <a:lstStyle/>
+          <a:p>
+            <a:r>
+              <a:rPr kumimoji="1" lang="en-US" altLang="ja-JP" sz="1200" dirty="0">
+                <a:solidFill>
+                  <a:schemeClr val="accent2">
+                    <a:lumMod val="20000"/>
+                    <a:lumOff val="80000"/>
+                  </a:schemeClr>
+                </a:solidFill>
+                <a:latin typeface="+mn-ea"/>
+              </a:rPr>
+              <a:t>step-7</a:t>
+            </a:r>
+            <a:endParaRPr kumimoji="1" lang="ja-JP" altLang="en-US" sz="1200" dirty="0">
+              <a:solidFill>
+                <a:schemeClr val="accent2">
+                  <a:lumMod val="20000"/>
+                  <a:lumOff val="80000"/>
+                </a:schemeClr>
+              </a:solidFill>
+              <a:latin typeface="+mn-ea"/>
+            </a:endParaRPr>
+          </a:p>
+        </p:txBody>
+      </p:sp>
     </p:spTree>
     <p:extLst>
       <p:ext uri="{BB962C8B-B14F-4D97-AF65-F5344CB8AC3E}">
@@ -13587,11 +14116,35 @@
           <a:p>
             <a:pPr algn="ctr"/>
             <a:r>
+              <a:rPr kumimoji="1" lang="en-US" altLang="ja-JP" dirty="0">
+                <a:latin typeface="ＤＦＧ綜藝体W5" panose="040B0500000000000000" pitchFamily="50" charset="-128"/>
+                <a:ea typeface="ＤＦＧ綜藝体W5" panose="040B0500000000000000" pitchFamily="50" charset="-128"/>
+              </a:rPr>
+              <a:t>step-1</a:t>
+            </a:r>
+            <a:r>
               <a:rPr kumimoji="1" lang="ja-JP" altLang="en-US" dirty="0">
                 <a:latin typeface="ＤＦＧ綜藝体W5" panose="040B0500000000000000" pitchFamily="50" charset="-128"/>
                 <a:ea typeface="ＤＦＧ綜藝体W5" panose="040B0500000000000000" pitchFamily="50" charset="-128"/>
               </a:rPr>
-              <a:t>ステップ１　問題を認知する</a:t>
+              <a:t>　問題を</a:t>
+            </a:r>
+            <a:r>
+              <a:rPr kumimoji="1" lang="ja-JP" altLang="en-US" dirty="0">
+                <a:solidFill>
+                  <a:srgbClr val="FF0000"/>
+                </a:solidFill>
+                <a:latin typeface="ＤＦＧ綜藝体W5" panose="040B0500000000000000" pitchFamily="50" charset="-128"/>
+                <a:ea typeface="ＤＦＧ綜藝体W5" panose="040B0500000000000000" pitchFamily="50" charset="-128"/>
+              </a:rPr>
+              <a:t>認知</a:t>
+            </a:r>
+            <a:r>
+              <a:rPr kumimoji="1" lang="ja-JP" altLang="en-US" dirty="0">
+                <a:latin typeface="ＤＦＧ綜藝体W5" panose="040B0500000000000000" pitchFamily="50" charset="-128"/>
+                <a:ea typeface="ＤＦＧ綜藝体W5" panose="040B0500000000000000" pitchFamily="50" charset="-128"/>
+              </a:rPr>
+              <a:t>する</a:t>
             </a:r>
           </a:p>
         </p:txBody>
@@ -13672,7 +14225,7 @@
         </p:nvSpPr>
         <p:spPr>
           <a:xfrm>
-            <a:off x="1977086" y="3338286"/>
+            <a:off x="1977086" y="5141399"/>
             <a:ext cx="1869196" cy="461665"/>
           </a:xfrm>
           <a:prstGeom prst="rect">
@@ -13741,7 +14294,7 @@
         </p:nvSpPr>
         <p:spPr>
           <a:xfrm>
-            <a:off x="1977086" y="5099634"/>
+            <a:off x="1977086" y="3296076"/>
             <a:ext cx="1869196" cy="461665"/>
           </a:xfrm>
           <a:prstGeom prst="rect">
@@ -14143,7 +14696,7 @@
         </p:nvSpPr>
         <p:spPr>
           <a:xfrm>
-            <a:off x="6526124" y="3015121"/>
+            <a:off x="6607143" y="5119923"/>
             <a:ext cx="2786742" cy="646331"/>
           </a:xfrm>
           <a:prstGeom prst="rect">
@@ -14212,7 +14765,7 @@
         </p:nvSpPr>
         <p:spPr>
           <a:xfrm>
-            <a:off x="6526124" y="5099634"/>
+            <a:off x="6607143" y="3061183"/>
             <a:ext cx="2786742" cy="646331"/>
           </a:xfrm>
           <a:prstGeom prst="rect">
@@ -14291,7 +14844,7 @@
         </p:nvSpPr>
         <p:spPr>
           <a:xfrm>
-            <a:off x="7677179" y="3772467"/>
+            <a:off x="7758198" y="3805642"/>
             <a:ext cx="484632" cy="1216152"/>
           </a:xfrm>
           <a:prstGeom prst="upDownArrow">
@@ -14331,7 +14884,7 @@
         </p:nvSpPr>
         <p:spPr>
           <a:xfrm>
-            <a:off x="8222343" y="4054585"/>
+            <a:off x="8242830" y="4090553"/>
             <a:ext cx="3178628" cy="646331"/>
           </a:xfrm>
           <a:prstGeom prst="rect">
@@ -14528,18 +15081,11 @@
           <a:p>
             <a:pPr algn="ctr"/>
             <a:r>
-              <a:rPr kumimoji="1" lang="ja-JP" altLang="en-US" dirty="0">
-                <a:latin typeface="ＤＦＧ綜藝体W5" panose="040B0500000000000000" pitchFamily="50" charset="-128"/>
-                <a:ea typeface="ＤＦＧ綜藝体W5" panose="040B0500000000000000" pitchFamily="50" charset="-128"/>
-              </a:rPr>
-              <a:t>ステップ</a:t>
-            </a:r>
-            <a:r>
               <a:rPr kumimoji="1" lang="en-US" altLang="ja-JP" dirty="0">
                 <a:latin typeface="ＤＦＧ綜藝体W5" panose="040B0500000000000000" pitchFamily="50" charset="-128"/>
                 <a:ea typeface="ＤＦＧ綜藝体W5" panose="040B0500000000000000" pitchFamily="50" charset="-128"/>
               </a:rPr>
-              <a:t>2</a:t>
+              <a:t>step-2</a:t>
             </a:r>
             <a:r>
               <a:rPr kumimoji="1" lang="ja-JP" altLang="en-US" dirty="0">
@@ -14550,10 +15096,20 @@
             </a:r>
             <a:r>
               <a:rPr lang="ja-JP" altLang="en-US" dirty="0">
+                <a:solidFill>
+                  <a:srgbClr val="FF0000"/>
+                </a:solidFill>
                 <a:latin typeface="ＤＦＧ綜藝体W5" panose="040B0500000000000000" pitchFamily="50" charset="-128"/>
                 <a:ea typeface="ＤＦＧ綜藝体W5" panose="040B0500000000000000" pitchFamily="50" charset="-128"/>
               </a:rPr>
-              <a:t>目標を設定する</a:t>
+              <a:t>目標</a:t>
+            </a:r>
+            <a:r>
+              <a:rPr lang="ja-JP" altLang="en-US" dirty="0">
+                <a:latin typeface="ＤＦＧ綜藝体W5" panose="040B0500000000000000" pitchFamily="50" charset="-128"/>
+                <a:ea typeface="ＤＦＧ綜藝体W5" panose="040B0500000000000000" pitchFamily="50" charset="-128"/>
+              </a:rPr>
+              <a:t>を設定する</a:t>
             </a:r>
             <a:endParaRPr kumimoji="1" lang="ja-JP" altLang="en-US" dirty="0">
               <a:latin typeface="ＤＦＧ綜藝体W5" panose="040B0500000000000000" pitchFamily="50" charset="-128"/>
@@ -15195,13 +15751,22 @@
               <a:t>0.9</a:t>
             </a:r>
             <a:r>
-              <a:rPr lang="ja-JP" altLang="en-US" dirty="0">
+              <a:rPr lang="ja-JP" altLang="en-US">
                 <a:solidFill>
                   <a:schemeClr val="bg1"/>
                 </a:solidFill>
                 <a:latin typeface="Roboto"/>
               </a:rPr>
-              <a:t>件以内にする。</a:t>
+              <a:t>件以上に</a:t>
+            </a:r>
+            <a:r>
+              <a:rPr lang="ja-JP" altLang="en-US" dirty="0">
+                <a:solidFill>
+                  <a:schemeClr val="bg1"/>
+                </a:solidFill>
+                <a:latin typeface="Roboto"/>
+              </a:rPr>
+              <a:t>する。</a:t>
             </a:r>
             <a:endParaRPr lang="ja-JP" altLang="en-US" dirty="0">
               <a:solidFill>
@@ -15391,7 +15956,7 @@
         </p:nvSpPr>
         <p:spPr>
           <a:xfrm>
-            <a:off x="6322648" y="1473199"/>
+            <a:off x="6322648" y="1422400"/>
             <a:ext cx="5107352" cy="5152572"/>
           </a:xfrm>
           <a:prstGeom prst="roundRect">
@@ -15439,7 +16004,7 @@
         </p:nvSpPr>
         <p:spPr>
           <a:xfrm>
-            <a:off x="1213617" y="1473200"/>
+            <a:off x="1213617" y="1422401"/>
             <a:ext cx="4630057" cy="5152571"/>
           </a:xfrm>
           <a:prstGeom prst="roundRect">
@@ -15516,25 +16081,35 @@
           <a:p>
             <a:pPr algn="ctr"/>
             <a:r>
+              <a:rPr lang="en-US" altLang="ja-JP" dirty="0">
+                <a:latin typeface="ＤＦＧ綜藝体W5" panose="040B0500000000000000" pitchFamily="50" charset="-128"/>
+                <a:ea typeface="ＤＦＧ綜藝体W5" panose="040B0500000000000000" pitchFamily="50" charset="-128"/>
+              </a:rPr>
+              <a:t>step-3</a:t>
+            </a:r>
+            <a:r>
               <a:rPr lang="ja-JP" altLang="en-US" dirty="0">
                 <a:latin typeface="ＤＦＧ綜藝体W5" panose="040B0500000000000000" pitchFamily="50" charset="-128"/>
                 <a:ea typeface="ＤＦＧ綜藝体W5" panose="040B0500000000000000" pitchFamily="50" charset="-128"/>
               </a:rPr>
-              <a:t>ステップ</a:t>
-            </a:r>
-            <a:r>
-              <a:rPr lang="en-US" altLang="ja-JP" dirty="0">
+              <a:t>　</a:t>
+            </a:r>
+            <a:r>
+              <a:rPr lang="ja-JP" altLang="en-US" dirty="0">
+                <a:solidFill>
+                  <a:srgbClr val="FF0000"/>
+                </a:solidFill>
                 <a:latin typeface="ＤＦＧ綜藝体W5" panose="040B0500000000000000" pitchFamily="50" charset="-128"/>
                 <a:ea typeface="ＤＦＧ綜藝体W5" panose="040B0500000000000000" pitchFamily="50" charset="-128"/>
               </a:rPr>
-              <a:t>3</a:t>
+              <a:t>原因</a:t>
             </a:r>
             <a:r>
               <a:rPr lang="ja-JP" altLang="en-US" dirty="0">
                 <a:latin typeface="ＤＦＧ綜藝体W5" panose="040B0500000000000000" pitchFamily="50" charset="-128"/>
                 <a:ea typeface="ＤＦＧ綜藝体W5" panose="040B0500000000000000" pitchFamily="50" charset="-128"/>
               </a:rPr>
-              <a:t>　原因を特定する</a:t>
+              <a:t>を特定する</a:t>
             </a:r>
             <a:endParaRPr kumimoji="1" lang="ja-JP" altLang="en-US" dirty="0">
               <a:latin typeface="ＤＦＧ綜藝体W5" panose="040B0500000000000000" pitchFamily="50" charset="-128"/>
@@ -15610,7 +16185,7 @@
         </p:nvSpPr>
         <p:spPr>
           <a:xfrm>
-            <a:off x="6690947" y="1563550"/>
+            <a:off x="6690947" y="1512751"/>
             <a:ext cx="4370753" cy="339997"/>
           </a:xfrm>
           <a:prstGeom prst="rect">
@@ -16786,8 +17361,8 @@
         </p:nvSpPr>
         <p:spPr>
           <a:xfrm>
-            <a:off x="6942952" y="1902460"/>
-            <a:ext cx="4046039" cy="2197826"/>
+            <a:off x="6770914" y="1866174"/>
+            <a:ext cx="4593772" cy="2321194"/>
           </a:xfrm>
           <a:prstGeom prst="rect">
             <a:avLst/>
@@ -16795,7 +17370,7 @@
         </p:spPr>
         <p:txBody>
           <a:bodyPr vert="horz" lIns="91440" tIns="45720" rIns="91440" bIns="45720" rtlCol="0">
-            <a:normAutofit fontScale="70000" lnSpcReduction="20000"/>
+            <a:normAutofit fontScale="62500" lnSpcReduction="20000"/>
           </a:bodyPr>
           <a:lstStyle>
             <a:lvl1pPr marL="228600" indent="-228600" algn="l" defTabSz="914400" rtl="0" eaLnBrk="1" latinLnBrk="0" hangingPunct="1">
@@ -17021,7 +17596,7 @@
               <a:buChar char="ü"/>
             </a:pPr>
             <a:r>
-              <a:rPr lang="ja-JP" altLang="en-US" dirty="0">
+              <a:rPr lang="ja-JP" altLang="en-US" sz="1700" dirty="0">
                 <a:solidFill>
                   <a:schemeClr val="accent4">
                     <a:lumMod val="75000"/>
@@ -17030,7 +17605,7 @@
               </a:rPr>
               <a:t>技術</a:t>
             </a:r>
-            <a:endParaRPr lang="en-US" altLang="ja-JP" dirty="0">
+            <a:endParaRPr lang="en-US" altLang="ja-JP" sz="1700" dirty="0">
               <a:solidFill>
                 <a:schemeClr val="accent4">
                   <a:lumMod val="75000"/>
@@ -17044,14 +17619,14 @@
               <a:buChar char="Ø"/>
             </a:pPr>
             <a:r>
-              <a:rPr lang="ja-JP" altLang="en-US" b="1" dirty="0">
+              <a:rPr lang="ja-JP" altLang="en-US" sz="2500" b="1" dirty="0">
                 <a:solidFill>
                   <a:srgbClr val="0070C0"/>
                 </a:solidFill>
               </a:rPr>
               <a:t>デバッグやテストが困難な開発環境</a:t>
             </a:r>
-            <a:endParaRPr lang="en-US" altLang="ja-JP" b="1" dirty="0">
+            <a:endParaRPr lang="en-US" altLang="ja-JP" sz="2500" b="1" dirty="0">
               <a:solidFill>
                 <a:srgbClr val="0070C0"/>
               </a:solidFill>
@@ -17063,7 +17638,7 @@
               <a:buChar char="ü"/>
             </a:pPr>
             <a:r>
-              <a:rPr lang="ja-JP" altLang="en-US" dirty="0">
+              <a:rPr lang="ja-JP" altLang="en-US" sz="1700" dirty="0">
                 <a:solidFill>
                   <a:schemeClr val="accent4">
                     <a:lumMod val="75000"/>
@@ -17072,7 +17647,7 @@
               </a:rPr>
               <a:t>フレームワーク・マネジメント</a:t>
             </a:r>
-            <a:endParaRPr lang="en-US" altLang="ja-JP" dirty="0">
+            <a:endParaRPr lang="en-US" altLang="ja-JP" sz="1700" dirty="0">
               <a:solidFill>
                 <a:schemeClr val="accent4">
                   <a:lumMod val="75000"/>
@@ -17086,14 +17661,14 @@
               <a:buChar char="Ø"/>
             </a:pPr>
             <a:r>
-              <a:rPr lang="ja-JP" altLang="en-US" b="1" dirty="0">
+              <a:rPr lang="ja-JP" altLang="en-US" sz="2500" b="1" dirty="0">
                 <a:solidFill>
                   <a:srgbClr val="0070C0"/>
                 </a:solidFill>
               </a:rPr>
               <a:t>テストを実施する手順が確立されてない</a:t>
             </a:r>
-            <a:endParaRPr lang="en-US" altLang="ja-JP" b="1" dirty="0">
+            <a:endParaRPr lang="en-US" altLang="ja-JP" sz="2500" b="1" dirty="0">
               <a:solidFill>
                 <a:srgbClr val="0070C0"/>
               </a:solidFill>
@@ -17105,7 +17680,7 @@
               <a:buChar char="ü"/>
             </a:pPr>
             <a:r>
-              <a:rPr lang="ja-JP" altLang="en-US" dirty="0">
+              <a:rPr lang="ja-JP" altLang="en-US" sz="1700" dirty="0">
                 <a:solidFill>
                   <a:schemeClr val="accent4">
                     <a:lumMod val="75000"/>
@@ -17114,7 +17689,7 @@
               </a:rPr>
               <a:t>スキル・適正</a:t>
             </a:r>
-            <a:endParaRPr lang="en-US" altLang="ja-JP" dirty="0">
+            <a:endParaRPr lang="en-US" altLang="ja-JP" sz="1700" dirty="0">
               <a:solidFill>
                 <a:schemeClr val="accent4">
                   <a:lumMod val="75000"/>
@@ -17128,14 +17703,14 @@
               <a:buChar char="Ø"/>
             </a:pPr>
             <a:r>
-              <a:rPr lang="ja-JP" altLang="en-US" b="1" dirty="0">
+              <a:rPr lang="ja-JP" altLang="en-US" sz="2500" b="1" dirty="0">
                 <a:solidFill>
                   <a:srgbClr val="0070C0"/>
                 </a:solidFill>
               </a:rPr>
               <a:t>エンジニアが経験不足</a:t>
             </a:r>
-            <a:endParaRPr lang="en-US" altLang="ja-JP" b="1" dirty="0">
+            <a:endParaRPr lang="en-US" altLang="ja-JP" sz="2500" b="1" dirty="0">
               <a:solidFill>
                 <a:srgbClr val="0070C0"/>
               </a:solidFill>
@@ -17147,7 +17722,7 @@
               <a:buChar char="ü"/>
             </a:pPr>
             <a:r>
-              <a:rPr lang="ja-JP" altLang="en-US" dirty="0">
+              <a:rPr lang="ja-JP" altLang="en-US" sz="1700" dirty="0">
                 <a:solidFill>
                   <a:schemeClr val="accent4">
                     <a:lumMod val="75000"/>
@@ -17156,7 +17731,7 @@
               </a:rPr>
               <a:t>文化、価値観、組織</a:t>
             </a:r>
-            <a:endParaRPr lang="en-US" altLang="ja-JP" dirty="0">
+            <a:endParaRPr lang="en-US" altLang="ja-JP" sz="1700" dirty="0">
               <a:solidFill>
                 <a:schemeClr val="accent4">
                   <a:lumMod val="75000"/>
@@ -17170,13 +17745,18 @@
               <a:buChar char="Ø"/>
             </a:pPr>
             <a:r>
-              <a:rPr lang="ja-JP" altLang="en-US" b="1" dirty="0">
+              <a:rPr lang="ja-JP" altLang="en-US" sz="2500" b="1" dirty="0">
                 <a:solidFill>
                   <a:srgbClr val="0070C0"/>
                 </a:solidFill>
               </a:rPr>
               <a:t>問題解決に消極的な組織にいる</a:t>
             </a:r>
+            <a:endParaRPr lang="ja-JP" altLang="en-US" b="1" dirty="0">
+              <a:solidFill>
+                <a:srgbClr val="0070C0"/>
+              </a:solidFill>
+            </a:endParaRPr>
           </a:p>
         </p:txBody>
       </p:sp>
@@ -17190,8 +17770,8 @@
         </p:nvSpPr>
         <p:spPr>
           <a:xfrm>
-            <a:off x="6942951" y="4223654"/>
-            <a:ext cx="4046039" cy="2423886"/>
+            <a:off x="6770914" y="4122057"/>
+            <a:ext cx="4593771" cy="2634346"/>
           </a:xfrm>
           <a:prstGeom prst="rect">
             <a:avLst/>
@@ -17199,7 +17779,7 @@
         </p:spPr>
         <p:txBody>
           <a:bodyPr vert="horz" lIns="91440" tIns="45720" rIns="91440" bIns="45720" rtlCol="0">
-            <a:normAutofit fontScale="70000" lnSpcReduction="20000"/>
+            <a:normAutofit fontScale="85000" lnSpcReduction="20000"/>
           </a:bodyPr>
           <a:lstStyle>
             <a:lvl1pPr marL="228600" indent="-228600" algn="l" defTabSz="914400" rtl="0" eaLnBrk="1" latinLnBrk="0" hangingPunct="1">
@@ -17425,7 +18005,7 @@
               <a:buChar char="Ø"/>
             </a:pPr>
             <a:r>
-              <a:rPr lang="ja-JP" altLang="en-US" dirty="0">
+              <a:rPr lang="ja-JP" altLang="en-US" sz="1500" dirty="0">
                 <a:solidFill>
                   <a:schemeClr val="accent5">
                     <a:lumMod val="75000"/>
@@ -17434,7 +18014,7 @@
               </a:rPr>
               <a:t>なぜ発生したか？</a:t>
             </a:r>
-            <a:endParaRPr lang="en-US" altLang="ja-JP" dirty="0">
+            <a:endParaRPr lang="en-US" altLang="ja-JP" sz="1500" dirty="0">
               <a:solidFill>
                 <a:schemeClr val="accent5">
                   <a:lumMod val="75000"/>
@@ -17467,7 +18047,7 @@
               <a:buChar char="Ø"/>
             </a:pPr>
             <a:r>
-              <a:rPr lang="ja-JP" altLang="en-US" dirty="0">
+              <a:rPr lang="ja-JP" altLang="en-US" sz="1500" dirty="0">
                 <a:solidFill>
                   <a:schemeClr val="accent5">
                     <a:lumMod val="75000"/>
@@ -17476,7 +18056,7 @@
               </a:rPr>
               <a:t>なぜ問題が成立するか？</a:t>
             </a:r>
-            <a:endParaRPr lang="en-US" altLang="ja-JP" dirty="0">
+            <a:endParaRPr lang="en-US" altLang="ja-JP" sz="1500" dirty="0">
               <a:solidFill>
                 <a:schemeClr val="accent5">
                   <a:lumMod val="75000"/>
@@ -17509,7 +18089,7 @@
               <a:buChar char="Ø"/>
             </a:pPr>
             <a:r>
-              <a:rPr lang="ja-JP" altLang="en-US" dirty="0">
+              <a:rPr lang="ja-JP" altLang="en-US" sz="1500" dirty="0">
                 <a:solidFill>
                   <a:schemeClr val="accent5">
                     <a:lumMod val="75000"/>
@@ -17518,7 +18098,7 @@
               </a:rPr>
               <a:t>関連する要素は何か？</a:t>
             </a:r>
-            <a:endParaRPr lang="en-US" altLang="ja-JP" dirty="0">
+            <a:endParaRPr lang="en-US" altLang="ja-JP" sz="1500" dirty="0">
               <a:solidFill>
                 <a:schemeClr val="accent5">
                   <a:lumMod val="75000"/>
@@ -17551,7 +18131,7 @@
               <a:buChar char="Ø"/>
             </a:pPr>
             <a:r>
-              <a:rPr lang="ja-JP" altLang="en-US" dirty="0">
+              <a:rPr lang="ja-JP" altLang="en-US" sz="1500" dirty="0">
                 <a:solidFill>
                   <a:schemeClr val="accent5">
                     <a:lumMod val="75000"/>
@@ -17560,7 +18140,7 @@
               </a:rPr>
               <a:t>問題の成立条件を阻害することはできるか？</a:t>
             </a:r>
-            <a:endParaRPr lang="en-US" altLang="ja-JP" dirty="0">
+            <a:endParaRPr lang="en-US" altLang="ja-JP" sz="1500" dirty="0">
               <a:solidFill>
                 <a:schemeClr val="accent5">
                   <a:lumMod val="75000"/>
@@ -17752,25 +18332,35 @@
           <a:p>
             <a:pPr algn="ctr"/>
             <a:r>
+              <a:rPr kumimoji="1" lang="en-US" altLang="ja-JP" dirty="0">
+                <a:latin typeface="ＤＦＧ綜藝体W5" panose="040B0500000000000000" pitchFamily="50" charset="-128"/>
+                <a:ea typeface="ＤＦＧ綜藝体W5" panose="040B0500000000000000" pitchFamily="50" charset="-128"/>
+              </a:rPr>
+              <a:t>step-4</a:t>
+            </a:r>
+            <a:r>
               <a:rPr kumimoji="1" lang="ja-JP" altLang="en-US" dirty="0">
                 <a:latin typeface="ＤＦＧ綜藝体W5" panose="040B0500000000000000" pitchFamily="50" charset="-128"/>
                 <a:ea typeface="ＤＦＧ綜藝体W5" panose="040B0500000000000000" pitchFamily="50" charset="-128"/>
               </a:rPr>
-              <a:t>ステップ</a:t>
-            </a:r>
-            <a:r>
-              <a:rPr kumimoji="1" lang="en-US" altLang="ja-JP" dirty="0">
+              <a:t>　対策を</a:t>
+            </a:r>
+            <a:r>
+              <a:rPr kumimoji="1" lang="ja-JP" altLang="en-US" dirty="0">
+                <a:solidFill>
+                  <a:srgbClr val="FF0000"/>
+                </a:solidFill>
                 <a:latin typeface="ＤＦＧ綜藝体W5" panose="040B0500000000000000" pitchFamily="50" charset="-128"/>
                 <a:ea typeface="ＤＦＧ綜藝体W5" panose="040B0500000000000000" pitchFamily="50" charset="-128"/>
               </a:rPr>
-              <a:t>4</a:t>
+              <a:t>立案</a:t>
             </a:r>
             <a:r>
               <a:rPr kumimoji="1" lang="ja-JP" altLang="en-US" dirty="0">
                 <a:latin typeface="ＤＦＧ綜藝体W5" panose="040B0500000000000000" pitchFamily="50" charset="-128"/>
                 <a:ea typeface="ＤＦＧ綜藝体W5" panose="040B0500000000000000" pitchFamily="50" charset="-128"/>
               </a:rPr>
-              <a:t>　対策を立案する</a:t>
+              <a:t>する</a:t>
             </a:r>
           </a:p>
         </p:txBody>
@@ -18870,8 +19460,8 @@
         </p:nvSpPr>
         <p:spPr>
           <a:xfrm>
-            <a:off x="6299196" y="1494970"/>
-            <a:ext cx="5107352" cy="5152572"/>
+            <a:off x="6299196" y="1342571"/>
+            <a:ext cx="5107352" cy="5304971"/>
           </a:xfrm>
           <a:prstGeom prst="roundRect">
             <a:avLst/>
@@ -18918,8 +19508,8 @@
         </p:nvSpPr>
         <p:spPr>
           <a:xfrm>
-            <a:off x="1146622" y="1480455"/>
-            <a:ext cx="4630057" cy="5152571"/>
+            <a:off x="1146622" y="1357675"/>
+            <a:ext cx="4630057" cy="5275352"/>
           </a:xfrm>
           <a:prstGeom prst="roundRect">
             <a:avLst/>
@@ -18995,18 +19585,11 @@
           <a:p>
             <a:pPr algn="ctr"/>
             <a:r>
-              <a:rPr kumimoji="1" lang="ja-JP" altLang="en-US" dirty="0">
-                <a:latin typeface="ＤＦＧ綜藝体W5" panose="040B0500000000000000" pitchFamily="50" charset="-128"/>
-                <a:ea typeface="ＤＦＧ綜藝体W5" panose="040B0500000000000000" pitchFamily="50" charset="-128"/>
-              </a:rPr>
-              <a:t>ステップ</a:t>
-            </a:r>
-            <a:r>
               <a:rPr kumimoji="1" lang="en-US" altLang="ja-JP" dirty="0">
                 <a:latin typeface="ＤＦＧ綜藝体W5" panose="040B0500000000000000" pitchFamily="50" charset="-128"/>
                 <a:ea typeface="ＤＦＧ綜藝体W5" panose="040B0500000000000000" pitchFamily="50" charset="-128"/>
               </a:rPr>
-              <a:t>5</a:t>
+              <a:t>step-5</a:t>
             </a:r>
             <a:r>
               <a:rPr kumimoji="1" lang="ja-JP" altLang="en-US" dirty="0">
@@ -19017,10 +19600,20 @@
             </a:r>
             <a:r>
               <a:rPr lang="ja-JP" altLang="en-US" dirty="0">
+                <a:solidFill>
+                  <a:srgbClr val="FF0000"/>
+                </a:solidFill>
                 <a:latin typeface="ＤＦＧ綜藝体W5" panose="040B0500000000000000" pitchFamily="50" charset="-128"/>
                 <a:ea typeface="ＤＦＧ綜藝体W5" panose="040B0500000000000000" pitchFamily="50" charset="-128"/>
               </a:rPr>
-              <a:t>実施する</a:t>
+              <a:t>実施</a:t>
+            </a:r>
+            <a:r>
+              <a:rPr lang="ja-JP" altLang="en-US" dirty="0">
+                <a:latin typeface="ＤＦＧ綜藝体W5" panose="040B0500000000000000" pitchFamily="50" charset="-128"/>
+                <a:ea typeface="ＤＦＧ綜藝体W5" panose="040B0500000000000000" pitchFamily="50" charset="-128"/>
+              </a:rPr>
+              <a:t>する</a:t>
             </a:r>
             <a:endParaRPr kumimoji="1" lang="ja-JP" altLang="en-US" dirty="0">
               <a:latin typeface="ＤＦＧ綜藝体W5" panose="040B0500000000000000" pitchFamily="50" charset="-128"/>
@@ -19080,7 +19673,7 @@
         </p:nvSpPr>
         <p:spPr>
           <a:xfrm>
-            <a:off x="6667495" y="1585321"/>
+            <a:off x="6667495" y="1357674"/>
             <a:ext cx="4370753" cy="339997"/>
           </a:xfrm>
           <a:prstGeom prst="rect">
@@ -19773,8 +20366,8 @@
         </p:nvSpPr>
         <p:spPr>
           <a:xfrm>
-            <a:off x="6764538" y="2015669"/>
-            <a:ext cx="4642010" cy="4435930"/>
+            <a:off x="6501557" y="1851028"/>
+            <a:ext cx="4702628" cy="5234218"/>
           </a:xfrm>
           <a:prstGeom prst="rect">
             <a:avLst/>
@@ -20008,7 +20601,7 @@
               <a:buAutoNum type="arabicPeriod"/>
             </a:pPr>
             <a:r>
-              <a:rPr lang="en-US" altLang="ja-JP" sz="1600" dirty="0">
+              <a:rPr lang="en-US" altLang="ja-JP" sz="1400" dirty="0">
                 <a:solidFill>
                   <a:schemeClr val="tx1"/>
                 </a:solidFill>
@@ -20018,7 +20611,7 @@
               <a:t>Why</a:t>
             </a:r>
             <a:r>
-              <a:rPr lang="ja-JP" altLang="en-US" sz="1600" dirty="0">
+              <a:rPr lang="ja-JP" altLang="en-US" sz="1400" dirty="0">
                 <a:solidFill>
                   <a:schemeClr val="tx1"/>
                 </a:solidFill>
@@ -20027,7 +20620,7 @@
               </a:rPr>
               <a:t>（目的・狙い）・・・何のために</a:t>
             </a:r>
-            <a:endParaRPr lang="en-US" altLang="ja-JP" sz="1600" dirty="0">
+            <a:endParaRPr lang="en-US" altLang="ja-JP" sz="1400" dirty="0">
               <a:solidFill>
                 <a:schemeClr val="tx1"/>
               </a:solidFill>
@@ -20041,7 +20634,7 @@
               <a:buChar char="ü"/>
             </a:pPr>
             <a:r>
-              <a:rPr lang="ja-JP" altLang="en-US" sz="1400" dirty="0">
+              <a:rPr lang="ja-JP" altLang="en-US" dirty="0">
                 <a:solidFill>
                   <a:srgbClr val="FF0000"/>
                 </a:solidFill>
@@ -20050,7 +20643,7 @@
               </a:rPr>
               <a:t>エンバグを減らし、不具合件数を収束させるため</a:t>
             </a:r>
-            <a:endParaRPr lang="en-US" altLang="ja-JP" sz="1400" dirty="0">
+            <a:endParaRPr lang="en-US" altLang="ja-JP" dirty="0">
               <a:solidFill>
                 <a:srgbClr val="FF0000"/>
               </a:solidFill>
@@ -20064,7 +20657,7 @@
               <a:buAutoNum type="arabicPeriod"/>
             </a:pPr>
             <a:r>
-              <a:rPr lang="en-US" altLang="ja-JP" sz="1600" dirty="0">
+              <a:rPr lang="en-US" altLang="ja-JP" sz="1400" dirty="0">
                 <a:solidFill>
                   <a:schemeClr val="tx1"/>
                 </a:solidFill>
@@ -20074,7 +20667,7 @@
               <a:t>What</a:t>
             </a:r>
             <a:r>
-              <a:rPr lang="ja-JP" altLang="en-US" sz="1600" dirty="0">
+              <a:rPr lang="ja-JP" altLang="en-US" sz="1400" dirty="0">
                 <a:solidFill>
                   <a:schemeClr val="tx1"/>
                 </a:solidFill>
@@ -20083,7 +20676,7 @@
               </a:rPr>
               <a:t>（課題）・・・何をどの程度</a:t>
             </a:r>
-            <a:endParaRPr lang="en-US" altLang="ja-JP" sz="1600" dirty="0">
+            <a:endParaRPr lang="en-US" altLang="ja-JP" sz="1400" dirty="0">
               <a:solidFill>
                 <a:schemeClr val="tx1"/>
               </a:solidFill>
@@ -20097,7 +20690,7 @@
               <a:buChar char="ü"/>
             </a:pPr>
             <a:r>
-              <a:rPr lang="ja-JP" altLang="en-US" sz="1400" dirty="0">
+              <a:rPr lang="ja-JP" altLang="en-US" dirty="0">
                 <a:solidFill>
                   <a:srgbClr val="FF0000"/>
                 </a:solidFill>
@@ -20106,7 +20699,7 @@
               </a:rPr>
               <a:t>エンバグ発生率を１０％以下にする</a:t>
             </a:r>
-            <a:endParaRPr lang="en-US" altLang="ja-JP" sz="1400" dirty="0">
+            <a:endParaRPr lang="en-US" altLang="ja-JP" dirty="0">
               <a:solidFill>
                 <a:srgbClr val="FF0000"/>
               </a:solidFill>
@@ -20120,7 +20713,7 @@
               <a:buAutoNum type="arabicPeriod"/>
             </a:pPr>
             <a:r>
-              <a:rPr lang="en-US" altLang="ja-JP" sz="1600" dirty="0">
+              <a:rPr lang="en-US" altLang="ja-JP" sz="1400" dirty="0">
                 <a:solidFill>
                   <a:schemeClr val="tx1"/>
                 </a:solidFill>
@@ -20130,7 +20723,7 @@
               <a:t>Where</a:t>
             </a:r>
             <a:r>
-              <a:rPr lang="ja-JP" altLang="en-US" sz="1600" dirty="0">
+              <a:rPr lang="ja-JP" altLang="en-US" sz="1400" dirty="0">
                 <a:solidFill>
                   <a:schemeClr val="tx1"/>
                 </a:solidFill>
@@ -20139,7 +20732,7 @@
               </a:rPr>
               <a:t>（対象範囲）・・・どこを対象に</a:t>
             </a:r>
-            <a:endParaRPr lang="en-US" altLang="ja-JP" sz="1600" dirty="0">
+            <a:endParaRPr lang="en-US" altLang="ja-JP" sz="1400" dirty="0">
               <a:solidFill>
                 <a:schemeClr val="tx1"/>
               </a:solidFill>
@@ -20153,7 +20746,7 @@
               <a:buChar char="ü"/>
             </a:pPr>
             <a:r>
-              <a:rPr lang="ja-JP" altLang="en-US" sz="1400" dirty="0">
+              <a:rPr lang="ja-JP" altLang="en-US" dirty="0">
                 <a:solidFill>
                   <a:srgbClr val="FF0000"/>
                 </a:solidFill>
@@ -20162,7 +20755,7 @@
               </a:rPr>
               <a:t>自動テストが可能な個所すべて</a:t>
             </a:r>
-            <a:endParaRPr lang="en-US" altLang="ja-JP" sz="1400" dirty="0">
+            <a:endParaRPr lang="en-US" altLang="ja-JP" dirty="0">
               <a:solidFill>
                 <a:srgbClr val="FF0000"/>
               </a:solidFill>
@@ -20176,7 +20769,7 @@
               <a:buAutoNum type="arabicPeriod"/>
             </a:pPr>
             <a:r>
-              <a:rPr lang="en-US" altLang="ja-JP" sz="1600" dirty="0">
+              <a:rPr lang="en-US" altLang="ja-JP" sz="1400" dirty="0">
                 <a:solidFill>
                   <a:schemeClr val="tx1"/>
                 </a:solidFill>
@@ -20186,7 +20779,7 @@
               <a:t>How</a:t>
             </a:r>
             <a:r>
-              <a:rPr lang="ja-JP" altLang="en-US" sz="1600" dirty="0">
+              <a:rPr lang="ja-JP" altLang="en-US" sz="1400" dirty="0">
                 <a:solidFill>
                   <a:schemeClr val="tx1"/>
                 </a:solidFill>
@@ -20195,7 +20788,7 @@
               </a:rPr>
               <a:t>（手段）・・・どのようにして</a:t>
             </a:r>
-            <a:endParaRPr lang="en-US" altLang="ja-JP" sz="1600" dirty="0">
+            <a:endParaRPr lang="en-US" altLang="ja-JP" sz="1400" dirty="0">
               <a:solidFill>
                 <a:schemeClr val="tx1"/>
               </a:solidFill>
@@ -20209,7 +20802,7 @@
               <a:buChar char="ü"/>
             </a:pPr>
             <a:r>
-              <a:rPr lang="ja-JP" altLang="en-US" sz="1400" dirty="0">
+              <a:rPr lang="ja-JP" altLang="en-US" dirty="0">
                 <a:solidFill>
                   <a:srgbClr val="FF0000"/>
                 </a:solidFill>
@@ -20218,7 +20811,7 @@
               </a:rPr>
               <a:t>自動テストとコミットルールの徹底</a:t>
             </a:r>
-            <a:endParaRPr lang="en-US" altLang="ja-JP" sz="1400" dirty="0">
+            <a:endParaRPr lang="en-US" altLang="ja-JP" dirty="0">
               <a:solidFill>
                 <a:srgbClr val="FF0000"/>
               </a:solidFill>
@@ -20232,7 +20825,7 @@
               <a:buAutoNum type="arabicPeriod"/>
             </a:pPr>
             <a:r>
-              <a:rPr lang="en-US" altLang="ja-JP" sz="1600" dirty="0">
+              <a:rPr lang="en-US" altLang="ja-JP" sz="1400" dirty="0">
                 <a:solidFill>
                   <a:schemeClr val="tx1"/>
                 </a:solidFill>
@@ -20242,7 +20835,7 @@
               <a:t>When</a:t>
             </a:r>
             <a:r>
-              <a:rPr lang="ja-JP" altLang="en-US" sz="1600" dirty="0">
+              <a:rPr lang="ja-JP" altLang="en-US" sz="1400" dirty="0">
                 <a:solidFill>
                   <a:schemeClr val="tx1"/>
                 </a:solidFill>
@@ -20251,7 +20844,7 @@
               </a:rPr>
               <a:t>（時期）・・・いつから</a:t>
             </a:r>
-            <a:endParaRPr lang="en-US" altLang="ja-JP" sz="1600" dirty="0">
+            <a:endParaRPr lang="en-US" altLang="ja-JP" sz="1800" dirty="0">
               <a:solidFill>
                 <a:schemeClr val="tx1"/>
               </a:solidFill>
@@ -20265,7 +20858,7 @@
               <a:buChar char="ü"/>
             </a:pPr>
             <a:r>
-              <a:rPr lang="ja-JP" altLang="en-US" sz="1400" dirty="0">
+              <a:rPr lang="ja-JP" altLang="en-US" dirty="0">
                 <a:solidFill>
                   <a:srgbClr val="FF0000"/>
                 </a:solidFill>
@@ -20274,7 +20867,7 @@
               </a:rPr>
               <a:t>明日から</a:t>
             </a:r>
-            <a:endParaRPr lang="en-US" altLang="ja-JP" sz="1400" dirty="0">
+            <a:endParaRPr lang="en-US" altLang="ja-JP" dirty="0">
               <a:solidFill>
                 <a:srgbClr val="FF0000"/>
               </a:solidFill>
@@ -20288,7 +20881,7 @@
               <a:buAutoNum type="arabicPeriod"/>
             </a:pPr>
             <a:r>
-              <a:rPr lang="en-US" altLang="ja-JP" sz="1600" dirty="0">
+              <a:rPr lang="en-US" altLang="ja-JP" sz="1400" dirty="0">
                 <a:solidFill>
                   <a:schemeClr val="tx1"/>
                 </a:solidFill>
@@ -20298,7 +20891,7 @@
               <a:t>Who</a:t>
             </a:r>
             <a:r>
-              <a:rPr lang="ja-JP" altLang="en-US" sz="1600" dirty="0">
+              <a:rPr lang="ja-JP" altLang="en-US" sz="1400" dirty="0">
                 <a:solidFill>
                   <a:schemeClr val="tx1"/>
                 </a:solidFill>
@@ -20307,7 +20900,7 @@
               </a:rPr>
               <a:t>（体制）・・・誰が</a:t>
             </a:r>
-            <a:endParaRPr lang="en-US" altLang="ja-JP" sz="1600" dirty="0">
+            <a:endParaRPr lang="en-US" altLang="ja-JP" sz="1400" dirty="0">
               <a:solidFill>
                 <a:schemeClr val="tx1"/>
               </a:solidFill>
@@ -20321,7 +20914,7 @@
               <a:buChar char="ü"/>
             </a:pPr>
             <a:r>
-              <a:rPr lang="ja-JP" altLang="en-US" sz="1400" dirty="0">
+              <a:rPr lang="ja-JP" altLang="en-US" dirty="0">
                 <a:solidFill>
                   <a:srgbClr val="FF0000"/>
                 </a:solidFill>
@@ -20330,7 +20923,7 @@
               </a:rPr>
               <a:t>プログラマ全員</a:t>
             </a:r>
-            <a:endParaRPr lang="en-US" altLang="ja-JP" sz="1400" dirty="0">
+            <a:endParaRPr lang="en-US" altLang="ja-JP" dirty="0">
               <a:solidFill>
                 <a:srgbClr val="FF0000"/>
               </a:solidFill>
@@ -20503,25 +21096,35 @@
           <a:p>
             <a:pPr algn="ctr"/>
             <a:r>
+              <a:rPr lang="en-US" altLang="ja-JP" dirty="0">
+                <a:latin typeface="ＤＦＧ綜藝体W5" panose="040B0500000000000000" pitchFamily="50" charset="-128"/>
+                <a:ea typeface="ＤＦＧ綜藝体W5" panose="040B0500000000000000" pitchFamily="50" charset="-128"/>
+              </a:rPr>
+              <a:t>step-6</a:t>
+            </a:r>
+            <a:r>
               <a:rPr kumimoji="1" lang="ja-JP" altLang="en-US" dirty="0">
                 <a:latin typeface="ＤＦＧ綜藝体W5" panose="040B0500000000000000" pitchFamily="50" charset="-128"/>
                 <a:ea typeface="ＤＦＧ綜藝体W5" panose="040B0500000000000000" pitchFamily="50" charset="-128"/>
               </a:rPr>
-              <a:t>ステップ</a:t>
-            </a:r>
-            <a:r>
-              <a:rPr kumimoji="1" lang="en-US" altLang="ja-JP" dirty="0">
+              <a:t>　結果を</a:t>
+            </a:r>
+            <a:r>
+              <a:rPr kumimoji="1" lang="ja-JP" altLang="en-US" dirty="0">
+                <a:solidFill>
+                  <a:srgbClr val="FF0000"/>
+                </a:solidFill>
                 <a:latin typeface="ＤＦＧ綜藝体W5" panose="040B0500000000000000" pitchFamily="50" charset="-128"/>
                 <a:ea typeface="ＤＦＧ綜藝体W5" panose="040B0500000000000000" pitchFamily="50" charset="-128"/>
               </a:rPr>
-              <a:t>6</a:t>
+              <a:t>評価</a:t>
             </a:r>
             <a:r>
               <a:rPr kumimoji="1" lang="ja-JP" altLang="en-US" dirty="0">
                 <a:latin typeface="ＤＦＧ綜藝体W5" panose="040B0500000000000000" pitchFamily="50" charset="-128"/>
                 <a:ea typeface="ＤＦＧ綜藝体W5" panose="040B0500000000000000" pitchFamily="50" charset="-128"/>
               </a:rPr>
-              <a:t>　結果を評価する</a:t>
+              <a:t>する</a:t>
             </a:r>
           </a:p>
         </p:txBody>
@@ -21079,7 +21682,7 @@
               <a:buAutoNum type="arabicPeriod"/>
             </a:pPr>
             <a:r>
-              <a:rPr lang="ja-JP" altLang="en-US" sz="1800" dirty="0">
+              <a:rPr lang="ja-JP" altLang="en-US" sz="2400" dirty="0">
                 <a:solidFill>
                   <a:schemeClr val="tx1"/>
                 </a:solidFill>
@@ -21088,7 +21691,7 @@
               </a:rPr>
               <a:t>問題は改善したか？</a:t>
             </a:r>
-            <a:endParaRPr lang="en-US" altLang="ja-JP" sz="1800" dirty="0">
+            <a:endParaRPr lang="en-US" altLang="ja-JP" sz="2400" dirty="0">
               <a:solidFill>
                 <a:schemeClr val="tx1"/>
               </a:solidFill>
@@ -21101,17 +21704,7 @@
               <a:buFont typeface="+mj-lt"/>
               <a:buAutoNum type="arabicPeriod"/>
             </a:pPr>
-            <a:r>
-              <a:rPr lang="ja-JP" altLang="en-US" sz="1800" dirty="0">
-                <a:solidFill>
-                  <a:schemeClr val="tx1"/>
-                </a:solidFill>
-                <a:latin typeface="ＤＦＧ麗雅宋" panose="02020900000000000000" pitchFamily="18" charset="-128"/>
-                <a:ea typeface="ＤＦＧ麗雅宋" panose="02020900000000000000" pitchFamily="18" charset="-128"/>
-              </a:rPr>
-              <a:t>目標までの達成率は？</a:t>
-            </a:r>
-            <a:endParaRPr lang="en-US" altLang="ja-JP" sz="1800" dirty="0">
+            <a:endParaRPr lang="en-US" altLang="ja-JP" sz="2400" dirty="0">
               <a:solidFill>
                 <a:schemeClr val="tx1"/>
               </a:solidFill>
@@ -21125,7 +21718,43 @@
               <a:buAutoNum type="arabicPeriod"/>
             </a:pPr>
             <a:r>
-              <a:rPr lang="ja-JP" altLang="en-US" sz="1800" dirty="0">
+              <a:rPr lang="ja-JP" altLang="en-US" sz="2400" dirty="0">
+                <a:solidFill>
+                  <a:schemeClr val="tx1"/>
+                </a:solidFill>
+                <a:latin typeface="ＤＦＧ麗雅宋" panose="02020900000000000000" pitchFamily="18" charset="-128"/>
+                <a:ea typeface="ＤＦＧ麗雅宋" panose="02020900000000000000" pitchFamily="18" charset="-128"/>
+              </a:rPr>
+              <a:t>目標までの達成率は？</a:t>
+            </a:r>
+            <a:endParaRPr lang="en-US" altLang="ja-JP" sz="2400" dirty="0">
+              <a:solidFill>
+                <a:schemeClr val="tx1"/>
+              </a:solidFill>
+              <a:latin typeface="ＤＦＧ麗雅宋" panose="02020900000000000000" pitchFamily="18" charset="-128"/>
+              <a:ea typeface="ＤＦＧ麗雅宋" panose="02020900000000000000" pitchFamily="18" charset="-128"/>
+            </a:endParaRPr>
+          </a:p>
+          <a:p>
+            <a:pPr marL="457200" indent="-457200">
+              <a:buFont typeface="+mj-lt"/>
+              <a:buAutoNum type="arabicPeriod"/>
+            </a:pPr>
+            <a:endParaRPr lang="en-US" altLang="ja-JP" sz="2400" dirty="0">
+              <a:solidFill>
+                <a:schemeClr val="tx1"/>
+              </a:solidFill>
+              <a:latin typeface="ＤＦＧ麗雅宋" panose="02020900000000000000" pitchFamily="18" charset="-128"/>
+              <a:ea typeface="ＤＦＧ麗雅宋" panose="02020900000000000000" pitchFamily="18" charset="-128"/>
+            </a:endParaRPr>
+          </a:p>
+          <a:p>
+            <a:pPr marL="457200" indent="-457200">
+              <a:buFont typeface="+mj-lt"/>
+              <a:buAutoNum type="arabicPeriod"/>
+            </a:pPr>
+            <a:r>
+              <a:rPr lang="ja-JP" altLang="en-US" sz="2400" dirty="0">
                 <a:solidFill>
                   <a:schemeClr val="tx1"/>
                 </a:solidFill>
@@ -21134,7 +21763,7 @@
               </a:rPr>
               <a:t>弊害はないか？</a:t>
             </a:r>
-            <a:endParaRPr lang="en-US" altLang="ja-JP" sz="1800" dirty="0">
+            <a:endParaRPr lang="en-US" altLang="ja-JP" sz="2400" dirty="0">
               <a:solidFill>
                 <a:schemeClr val="tx1"/>
               </a:solidFill>
@@ -21154,8 +21783,8 @@
         </p:nvSpPr>
         <p:spPr>
           <a:xfrm>
-            <a:off x="6764538" y="2308040"/>
-            <a:ext cx="4176665" cy="3084286"/>
+            <a:off x="6604000" y="2308040"/>
+            <a:ext cx="4717143" cy="3758933"/>
           </a:xfrm>
           <a:prstGeom prst="rect">
             <a:avLst/>
@@ -21389,7 +22018,7 @@
               <a:buAutoNum type="arabicPeriod"/>
             </a:pPr>
             <a:r>
-              <a:rPr lang="ja-JP" altLang="en-US" sz="1800" dirty="0">
+              <a:rPr lang="ja-JP" altLang="en-US" dirty="0">
                 <a:solidFill>
                   <a:schemeClr val="tx1"/>
                 </a:solidFill>
@@ -21398,7 +22027,7 @@
               </a:rPr>
               <a:t>問題は改善したか？</a:t>
             </a:r>
-            <a:endParaRPr lang="en-US" altLang="ja-JP" sz="1800" dirty="0">
+            <a:endParaRPr lang="en-US" altLang="ja-JP" dirty="0">
               <a:solidFill>
                 <a:schemeClr val="tx1"/>
               </a:solidFill>
@@ -21412,7 +22041,7 @@
               <a:buChar char="ü"/>
             </a:pPr>
             <a:r>
-              <a:rPr lang="ja-JP" altLang="en-US" sz="1600" dirty="0">
+              <a:rPr lang="ja-JP" altLang="en-US" dirty="0">
                 <a:solidFill>
                   <a:srgbClr val="FF0000"/>
                 </a:solidFill>
@@ -21421,7 +22050,7 @@
               </a:rPr>
               <a:t>エンバグがほとんどなくなった</a:t>
             </a:r>
-            <a:endParaRPr lang="en-US" altLang="ja-JP" sz="1600" dirty="0">
+            <a:endParaRPr lang="en-US" altLang="ja-JP" dirty="0">
               <a:solidFill>
                 <a:srgbClr val="FF0000"/>
               </a:solidFill>
@@ -21430,12 +22059,25 @@
             </a:endParaRPr>
           </a:p>
           <a:p>
+            <a:pPr lvl="1">
+              <a:buFont typeface="Wingdings" panose="05000000000000000000" pitchFamily="2" charset="2"/>
+              <a:buChar char="ü"/>
+            </a:pPr>
+            <a:endParaRPr lang="en-US" altLang="ja-JP" dirty="0">
+              <a:solidFill>
+                <a:srgbClr val="FF0000"/>
+              </a:solidFill>
+              <a:latin typeface="ＤＦＧ麗雅宋" panose="02020900000000000000" pitchFamily="18" charset="-128"/>
+              <a:ea typeface="ＤＦＧ麗雅宋" panose="02020900000000000000" pitchFamily="18" charset="-128"/>
+            </a:endParaRPr>
+          </a:p>
+          <a:p>
             <a:pPr marL="457200" indent="-457200">
               <a:buFont typeface="+mj-lt"/>
               <a:buAutoNum type="arabicPeriod"/>
             </a:pPr>
             <a:r>
-              <a:rPr lang="ja-JP" altLang="en-US" sz="1800" dirty="0">
+              <a:rPr lang="ja-JP" altLang="en-US" dirty="0">
                 <a:solidFill>
                   <a:schemeClr val="tx1"/>
                 </a:solidFill>
@@ -21444,7 +22086,7 @@
               </a:rPr>
               <a:t>目標までの達成率は？</a:t>
             </a:r>
-            <a:endParaRPr lang="en-US" altLang="ja-JP" sz="1800" dirty="0">
+            <a:endParaRPr lang="en-US" altLang="ja-JP" dirty="0">
               <a:solidFill>
                 <a:schemeClr val="tx1"/>
               </a:solidFill>
@@ -21458,7 +22100,7 @@
               <a:buChar char="ü"/>
             </a:pPr>
             <a:r>
-              <a:rPr lang="ja-JP" altLang="en-US" sz="1600" dirty="0">
+              <a:rPr lang="ja-JP" altLang="en-US" dirty="0">
                 <a:solidFill>
                   <a:srgbClr val="FF0000"/>
                 </a:solidFill>
@@ -21467,7 +22109,7 @@
               </a:rPr>
               <a:t>エンバグの発生率は５％以下になった</a:t>
             </a:r>
-            <a:endParaRPr lang="en-US" altLang="ja-JP" sz="1600" dirty="0">
+            <a:endParaRPr lang="en-US" altLang="ja-JP" dirty="0">
               <a:solidFill>
                 <a:srgbClr val="FF0000"/>
               </a:solidFill>
@@ -21476,12 +22118,25 @@
             </a:endParaRPr>
           </a:p>
           <a:p>
+            <a:pPr lvl="1">
+              <a:buFont typeface="Wingdings" panose="05000000000000000000" pitchFamily="2" charset="2"/>
+              <a:buChar char="ü"/>
+            </a:pPr>
+            <a:endParaRPr lang="en-US" altLang="ja-JP" dirty="0">
+              <a:solidFill>
+                <a:srgbClr val="FF0000"/>
+              </a:solidFill>
+              <a:latin typeface="ＤＦＧ麗雅宋" panose="02020900000000000000" pitchFamily="18" charset="-128"/>
+              <a:ea typeface="ＤＦＧ麗雅宋" panose="02020900000000000000" pitchFamily="18" charset="-128"/>
+            </a:endParaRPr>
+          </a:p>
+          <a:p>
             <a:pPr marL="457200" indent="-457200">
               <a:buFont typeface="+mj-lt"/>
               <a:buAutoNum type="arabicPeriod"/>
             </a:pPr>
             <a:r>
-              <a:rPr lang="ja-JP" altLang="en-US" sz="1800" dirty="0">
+              <a:rPr lang="ja-JP" altLang="en-US" dirty="0">
                 <a:solidFill>
                   <a:schemeClr val="tx1"/>
                 </a:solidFill>
@@ -21490,7 +22145,7 @@
               </a:rPr>
               <a:t>弊害はないか？</a:t>
             </a:r>
-            <a:endParaRPr lang="en-US" altLang="ja-JP" sz="1800" dirty="0">
+            <a:endParaRPr lang="en-US" altLang="ja-JP" dirty="0">
               <a:solidFill>
                 <a:schemeClr val="tx1"/>
               </a:solidFill>
@@ -21504,7 +22159,7 @@
               <a:buChar char="ü"/>
             </a:pPr>
             <a:r>
-              <a:rPr lang="ja-JP" altLang="en-US" sz="1600" dirty="0">
+              <a:rPr lang="ja-JP" altLang="en-US" dirty="0">
                 <a:solidFill>
                   <a:srgbClr val="FF0000"/>
                 </a:solidFill>
@@ -21513,7 +22168,7 @@
               </a:rPr>
               <a:t>テストコードを書くコストが増えた</a:t>
             </a:r>
-            <a:endParaRPr lang="en-US" altLang="ja-JP" sz="1600" dirty="0">
+            <a:endParaRPr lang="en-US" altLang="ja-JP" dirty="0">
               <a:solidFill>
                 <a:srgbClr val="FF0000"/>
               </a:solidFill>

--- a/ProblemSolvingForEngineer.pptx
+++ b/ProblemSolvingForEngineer.pptx
@@ -6,16 +6,17 @@
   </p:sldMasterIdLst>
   <p:sldIdLst>
     <p:sldId id="256" r:id="rId2"/>
-    <p:sldId id="257" r:id="rId3"/>
-    <p:sldId id="258" r:id="rId4"/>
-    <p:sldId id="259" r:id="rId5"/>
-    <p:sldId id="260" r:id="rId6"/>
-    <p:sldId id="262" r:id="rId7"/>
-    <p:sldId id="261" r:id="rId8"/>
-    <p:sldId id="263" r:id="rId9"/>
-    <p:sldId id="264" r:id="rId10"/>
-    <p:sldId id="265" r:id="rId11"/>
-    <p:sldId id="266" r:id="rId12"/>
+    <p:sldId id="267" r:id="rId3"/>
+    <p:sldId id="257" r:id="rId4"/>
+    <p:sldId id="258" r:id="rId5"/>
+    <p:sldId id="259" r:id="rId6"/>
+    <p:sldId id="260" r:id="rId7"/>
+    <p:sldId id="262" r:id="rId8"/>
+    <p:sldId id="261" r:id="rId9"/>
+    <p:sldId id="263" r:id="rId10"/>
+    <p:sldId id="264" r:id="rId11"/>
+    <p:sldId id="265" r:id="rId12"/>
+    <p:sldId id="266" r:id="rId13"/>
   </p:sldIdLst>
   <p:sldSz cx="12192000" cy="6858000"/>
   <p:notesSz cx="6858000" cy="9144000"/>
@@ -11342,13 +11343,37 @@
             <p:ph type="ctrTitle"/>
           </p:nvPr>
         </p:nvSpPr>
-        <p:spPr/>
+        <p:spPr>
+          <a:xfrm>
+            <a:off x="645885" y="4129314"/>
+            <a:ext cx="11197771" cy="1037489"/>
+          </a:xfrm>
+        </p:spPr>
         <p:txBody>
           <a:bodyPr/>
           <a:lstStyle/>
           <a:p>
             <a:r>
-              <a:rPr kumimoji="1" lang="ja-JP" altLang="en-US" sz="8800" dirty="0">
+              <a:rPr kumimoji="1" lang="ja-JP" altLang="en-US" sz="5400" b="1" cap="none" spc="0" dirty="0">
+                <a:ln w="9525">
+                  <a:solidFill>
+                    <a:schemeClr val="bg1"/>
+                  </a:solidFill>
+                  <a:prstDash val="solid"/>
+                </a:ln>
+                <a:solidFill>
+                  <a:schemeClr val="tx1">
+                    <a:lumMod val="85000"/>
+                    <a:lumOff val="15000"/>
+                  </a:schemeClr>
+                </a:solidFill>
+                <a:effectLst>
+                  <a:outerShdw blurRad="50800" dist="38100" dir="2700000" algn="tl" rotWithShape="0">
+                    <a:prstClr val="black">
+                      <a:alpha val="40000"/>
+                    </a:prstClr>
+                  </a:outerShdw>
+                </a:effectLst>
                 <a:latin typeface="ＤＦＧ綜藝体W5" panose="040B0500000000000000" pitchFamily="50" charset="-128"/>
                 <a:ea typeface="ＤＦＧ綜藝体W5" panose="040B0500000000000000" pitchFamily="50" charset="-128"/>
               </a:rPr>
@@ -11367,10 +11392,15 @@
             <p:ph type="subTitle" idx="1"/>
           </p:nvPr>
         </p:nvSpPr>
-        <p:spPr/>
+        <p:spPr>
+          <a:xfrm>
+            <a:off x="1866702" y="5942239"/>
+            <a:ext cx="8765012" cy="915761"/>
+          </a:xfrm>
+        </p:spPr>
         <p:txBody>
           <a:bodyPr>
-            <a:normAutofit lnSpcReduction="10000"/>
+            <a:normAutofit fontScale="92500" lnSpcReduction="20000"/>
           </a:bodyPr>
           <a:lstStyle/>
           <a:p>
@@ -11408,7 +11438,20 @@
               </a:rPr>
               <a:t>池田公平</a:t>
             </a:r>
-            <a:endParaRPr kumimoji="1" lang="ja-JP" altLang="en-US" dirty="0">
+            <a:endParaRPr lang="en-US" altLang="ja-JP" dirty="0">
+              <a:latin typeface="ＤＦＧ綜藝体W5" panose="040B0500000000000000" pitchFamily="50" charset="-128"/>
+              <a:ea typeface="ＤＦＧ綜藝体W5" panose="040B0500000000000000" pitchFamily="50" charset="-128"/>
+            </a:endParaRPr>
+          </a:p>
+          <a:p>
+            <a:r>
+              <a:rPr kumimoji="1" lang="en-US" altLang="ja-JP" sz="1300" dirty="0">
+                <a:latin typeface="ＤＦＧ綜藝体W5" panose="040B0500000000000000" pitchFamily="50" charset="-128"/>
+                <a:ea typeface="ＤＦＧ綜藝体W5" panose="040B0500000000000000" pitchFamily="50" charset="-128"/>
+              </a:rPr>
+              <a:t>2018/2/23</a:t>
+            </a:r>
+            <a:endParaRPr kumimoji="1" lang="ja-JP" altLang="en-US" sz="1300" dirty="0">
               <a:latin typeface="ＤＦＧ綜藝体W5" panose="040B0500000000000000" pitchFamily="50" charset="-128"/>
               <a:ea typeface="ＤＦＧ綜藝体W5" panose="040B0500000000000000" pitchFamily="50" charset="-128"/>
             </a:endParaRPr>
@@ -11423,8 +11466,8 @@
         </p:nvSpPr>
         <p:spPr>
           <a:xfrm>
-            <a:off x="4615331" y="670812"/>
-            <a:ext cx="3244799" cy="369332"/>
+            <a:off x="3615058" y="736127"/>
+            <a:ext cx="5262979" cy="3139321"/>
           </a:xfrm>
           <a:prstGeom prst="rect">
             <a:avLst/>
@@ -11437,15 +11480,47 @@
           </a:bodyPr>
           <a:lstStyle/>
           <a:p>
-            <a:r>
-              <a:rPr kumimoji="1" lang="en-US" altLang="ja-JP" dirty="0">
+            <a:pPr algn="ctr"/>
+            <a:r>
+              <a:rPr kumimoji="1" lang="en-US" altLang="ja-JP" sz="6600" dirty="0">
+                <a:solidFill>
+                  <a:schemeClr val="tx1">
+                    <a:lumMod val="65000"/>
+                    <a:lumOff val="35000"/>
+                  </a:schemeClr>
+                </a:solidFill>
                 <a:latin typeface="Berlin Sans FB Demi" panose="020E0802020502020306" pitchFamily="34" charset="0"/>
                 <a:ea typeface="ＤＦＰ綜藝体W5" panose="040B0500000000000000" pitchFamily="50" charset="-128"/>
               </a:rPr>
-              <a:t>Happy Engineer</a:t>
-            </a:r>
-            <a:r>
-              <a:rPr kumimoji="1" lang="ja-JP" altLang="en-US" dirty="0">
+              <a:t>HAPPY</a:t>
+            </a:r>
+          </a:p>
+          <a:p>
+            <a:pPr algn="ctr"/>
+            <a:r>
+              <a:rPr kumimoji="1" lang="en-US" altLang="ja-JP" sz="6600" dirty="0">
+                <a:solidFill>
+                  <a:schemeClr val="tx1">
+                    <a:lumMod val="65000"/>
+                    <a:lumOff val="35000"/>
+                  </a:schemeClr>
+                </a:solidFill>
+                <a:latin typeface="Berlin Sans FB Demi" panose="020E0802020502020306" pitchFamily="34" charset="0"/>
+                <a:ea typeface="ＤＦＰ綜藝体W5" panose="040B0500000000000000" pitchFamily="50" charset="-128"/>
+              </a:rPr>
+              <a:t>ENGINEER</a:t>
+            </a:r>
+          </a:p>
+          <a:p>
+            <a:pPr algn="ctr"/>
+            <a:r>
+              <a:rPr kumimoji="1" lang="ja-JP" altLang="en-US" sz="6600" dirty="0">
+                <a:solidFill>
+                  <a:schemeClr val="tx1">
+                    <a:lumMod val="65000"/>
+                    <a:lumOff val="35000"/>
+                  </a:schemeClr>
+                </a:solidFill>
                 <a:latin typeface="Berlin Sans FB Demi" panose="020E0802020502020306" pitchFamily="34" charset="0"/>
                 <a:ea typeface="ＤＦＰ綜藝体W5" panose="040B0500000000000000" pitchFamily="50" charset="-128"/>
               </a:rPr>
@@ -11617,18 +11692,18 @@
           <a:p>
             <a:pPr algn="ctr"/>
             <a:r>
-              <a:rPr kumimoji="1" lang="en-US" altLang="ja-JP" dirty="0">
+              <a:rPr lang="en-US" altLang="ja-JP" dirty="0">
                 <a:latin typeface="ＤＦＧ綜藝体W5" panose="040B0500000000000000" pitchFamily="50" charset="-128"/>
                 <a:ea typeface="ＤＦＧ綜藝体W5" panose="040B0500000000000000" pitchFamily="50" charset="-128"/>
               </a:rPr>
-              <a:t>step-7</a:t>
+              <a:t>step-6</a:t>
             </a:r>
             <a:r>
               <a:rPr kumimoji="1" lang="ja-JP" altLang="en-US" dirty="0">
                 <a:latin typeface="ＤＦＧ綜藝体W5" panose="040B0500000000000000" pitchFamily="50" charset="-128"/>
                 <a:ea typeface="ＤＦＧ綜藝体W5" panose="040B0500000000000000" pitchFamily="50" charset="-128"/>
               </a:rPr>
-              <a:t>　</a:t>
+              <a:t>　結果を</a:t>
             </a:r>
             <a:r>
               <a:rPr kumimoji="1" lang="ja-JP" altLang="en-US" dirty="0">
@@ -11638,7 +11713,7 @@
                 <a:latin typeface="ＤＦＧ綜藝体W5" panose="040B0500000000000000" pitchFamily="50" charset="-128"/>
                 <a:ea typeface="ＤＦＧ綜藝体W5" panose="040B0500000000000000" pitchFamily="50" charset="-128"/>
               </a:rPr>
-              <a:t>標準化</a:t>
+              <a:t>評価</a:t>
             </a:r>
             <a:r>
               <a:rPr kumimoji="1" lang="ja-JP" altLang="en-US" dirty="0">
@@ -11668,7 +11743,7 @@
         </p:spPr>
         <p:txBody>
           <a:bodyPr>
-            <a:normAutofit/>
+            <a:normAutofit fontScale="92500" lnSpcReduction="20000"/>
           </a:bodyPr>
           <a:lstStyle/>
           <a:p>
@@ -11681,13 +11756,26 @@
                   <a:schemeClr val="tx1"/>
                 </a:solidFill>
               </a:rPr>
-              <a:t>似たような問題の再発を防ぐために、今回行った対策を標準化・フレームワーク化を行います。</a:t>
-            </a:r>
-            <a:endParaRPr kumimoji="1" lang="ja-JP" altLang="en-US" dirty="0">
+              <a:t>結果を確認します。</a:t>
+            </a:r>
+            <a:endParaRPr lang="en-US" altLang="ja-JP" dirty="0">
               <a:solidFill>
                 <a:schemeClr val="tx1"/>
               </a:solidFill>
             </a:endParaRPr>
+          </a:p>
+          <a:p>
+            <a:pPr marL="0" indent="0">
+              <a:buNone/>
+            </a:pPr>
+            <a:r>
+              <a:rPr kumimoji="1" lang="ja-JP" altLang="en-US" dirty="0">
+                <a:solidFill>
+                  <a:schemeClr val="tx1"/>
+                </a:solidFill>
+              </a:rPr>
+              <a:t>改善が不十分な場合や、予期せぬ弊害がある場合、解決策の見直しや改善を図ります。</a:t>
+            </a:r>
           </a:p>
         </p:txBody>
       </p:sp>
@@ -12190,6 +12278,1238 @@
               <a:buAutoNum type="arabicPeriod"/>
             </a:pPr>
             <a:r>
+              <a:rPr lang="ja-JP" altLang="en-US" sz="2400" dirty="0">
+                <a:solidFill>
+                  <a:schemeClr val="tx1"/>
+                </a:solidFill>
+                <a:latin typeface="ＤＦＧ麗雅宋" panose="02020900000000000000" pitchFamily="18" charset="-128"/>
+                <a:ea typeface="ＤＦＧ麗雅宋" panose="02020900000000000000" pitchFamily="18" charset="-128"/>
+              </a:rPr>
+              <a:t>問題は改善したか？</a:t>
+            </a:r>
+            <a:endParaRPr lang="en-US" altLang="ja-JP" sz="2400" dirty="0">
+              <a:solidFill>
+                <a:schemeClr val="tx1"/>
+              </a:solidFill>
+              <a:latin typeface="ＤＦＧ麗雅宋" panose="02020900000000000000" pitchFamily="18" charset="-128"/>
+              <a:ea typeface="ＤＦＧ麗雅宋" panose="02020900000000000000" pitchFamily="18" charset="-128"/>
+            </a:endParaRPr>
+          </a:p>
+          <a:p>
+            <a:pPr marL="457200" indent="-457200">
+              <a:buFont typeface="+mj-lt"/>
+              <a:buAutoNum type="arabicPeriod"/>
+            </a:pPr>
+            <a:endParaRPr lang="en-US" altLang="ja-JP" sz="2400" dirty="0">
+              <a:solidFill>
+                <a:schemeClr val="tx1"/>
+              </a:solidFill>
+              <a:latin typeface="ＤＦＧ麗雅宋" panose="02020900000000000000" pitchFamily="18" charset="-128"/>
+              <a:ea typeface="ＤＦＧ麗雅宋" panose="02020900000000000000" pitchFamily="18" charset="-128"/>
+            </a:endParaRPr>
+          </a:p>
+          <a:p>
+            <a:pPr marL="457200" indent="-457200">
+              <a:buFont typeface="+mj-lt"/>
+              <a:buAutoNum type="arabicPeriod"/>
+            </a:pPr>
+            <a:r>
+              <a:rPr lang="ja-JP" altLang="en-US" sz="2400" dirty="0">
+                <a:solidFill>
+                  <a:schemeClr val="tx1"/>
+                </a:solidFill>
+                <a:latin typeface="ＤＦＧ麗雅宋" panose="02020900000000000000" pitchFamily="18" charset="-128"/>
+                <a:ea typeface="ＤＦＧ麗雅宋" panose="02020900000000000000" pitchFamily="18" charset="-128"/>
+              </a:rPr>
+              <a:t>目標までの達成率は？</a:t>
+            </a:r>
+            <a:endParaRPr lang="en-US" altLang="ja-JP" sz="2400" dirty="0">
+              <a:solidFill>
+                <a:schemeClr val="tx1"/>
+              </a:solidFill>
+              <a:latin typeface="ＤＦＧ麗雅宋" panose="02020900000000000000" pitchFamily="18" charset="-128"/>
+              <a:ea typeface="ＤＦＧ麗雅宋" panose="02020900000000000000" pitchFamily="18" charset="-128"/>
+            </a:endParaRPr>
+          </a:p>
+          <a:p>
+            <a:pPr marL="457200" indent="-457200">
+              <a:buFont typeface="+mj-lt"/>
+              <a:buAutoNum type="arabicPeriod"/>
+            </a:pPr>
+            <a:endParaRPr lang="en-US" altLang="ja-JP" sz="2400" dirty="0">
+              <a:solidFill>
+                <a:schemeClr val="tx1"/>
+              </a:solidFill>
+              <a:latin typeface="ＤＦＧ麗雅宋" panose="02020900000000000000" pitchFamily="18" charset="-128"/>
+              <a:ea typeface="ＤＦＧ麗雅宋" panose="02020900000000000000" pitchFamily="18" charset="-128"/>
+            </a:endParaRPr>
+          </a:p>
+          <a:p>
+            <a:pPr marL="457200" indent="-457200">
+              <a:buFont typeface="+mj-lt"/>
+              <a:buAutoNum type="arabicPeriod"/>
+            </a:pPr>
+            <a:r>
+              <a:rPr lang="ja-JP" altLang="en-US" sz="2400" dirty="0">
+                <a:solidFill>
+                  <a:schemeClr val="tx1"/>
+                </a:solidFill>
+                <a:latin typeface="ＤＦＧ麗雅宋" panose="02020900000000000000" pitchFamily="18" charset="-128"/>
+                <a:ea typeface="ＤＦＧ麗雅宋" panose="02020900000000000000" pitchFamily="18" charset="-128"/>
+              </a:rPr>
+              <a:t>弊害はないか？</a:t>
+            </a:r>
+            <a:endParaRPr lang="en-US" altLang="ja-JP" sz="2400" dirty="0">
+              <a:solidFill>
+                <a:schemeClr val="tx1"/>
+              </a:solidFill>
+              <a:latin typeface="ＤＦＧ麗雅宋" panose="02020900000000000000" pitchFamily="18" charset="-128"/>
+              <a:ea typeface="ＤＦＧ麗雅宋" panose="02020900000000000000" pitchFamily="18" charset="-128"/>
+            </a:endParaRPr>
+          </a:p>
+        </p:txBody>
+      </p:sp>
+      <p:sp>
+        <p:nvSpPr>
+          <p:cNvPr id="10" name="コンテンツ プレースホルダー 2"/>
+          <p:cNvSpPr txBox="1">
+            <a:spLocks/>
+          </p:cNvSpPr>
+          <p:nvPr/>
+        </p:nvSpPr>
+        <p:spPr>
+          <a:xfrm>
+            <a:off x="6604000" y="2308040"/>
+            <a:ext cx="4717143" cy="3758933"/>
+          </a:xfrm>
+          <a:prstGeom prst="rect">
+            <a:avLst/>
+          </a:prstGeom>
+        </p:spPr>
+        <p:txBody>
+          <a:bodyPr vert="horz" lIns="91440" tIns="45720" rIns="91440" bIns="45720" rtlCol="0">
+            <a:normAutofit/>
+          </a:bodyPr>
+          <a:lstStyle>
+            <a:lvl1pPr marL="228600" indent="-228600" algn="l" defTabSz="914400" rtl="0" eaLnBrk="1" latinLnBrk="0" hangingPunct="1">
+              <a:lnSpc>
+                <a:spcPct val="110000"/>
+              </a:lnSpc>
+              <a:spcBef>
+                <a:spcPts val="700"/>
+              </a:spcBef>
+              <a:buClr>
+                <a:schemeClr val="tx2"/>
+              </a:buClr>
+              <a:buFont typeface="Arial" panose="020B0604020202020204" pitchFamily="34" charset="0"/>
+              <a:buChar char="•"/>
+              <a:defRPr kumimoji="1" sz="2000" kern="1200">
+                <a:solidFill>
+                  <a:schemeClr val="tx1">
+                    <a:lumMod val="65000"/>
+                    <a:lumOff val="35000"/>
+                  </a:schemeClr>
+                </a:solidFill>
+                <a:latin typeface="+mn-lt"/>
+                <a:ea typeface="+mn-ea"/>
+                <a:cs typeface="+mn-cs"/>
+              </a:defRPr>
+            </a:lvl1pPr>
+            <a:lvl2pPr marL="685800" indent="-228600" algn="l" defTabSz="914400" rtl="0" eaLnBrk="1" latinLnBrk="0" hangingPunct="1">
+              <a:lnSpc>
+                <a:spcPct val="110000"/>
+              </a:lnSpc>
+              <a:spcBef>
+                <a:spcPts val="700"/>
+              </a:spcBef>
+              <a:buClr>
+                <a:schemeClr val="tx2"/>
+              </a:buClr>
+              <a:buFont typeface="Gill Sans MT" panose="020B0502020104020203" pitchFamily="34" charset="0"/>
+              <a:buChar char="–"/>
+              <a:defRPr kumimoji="1" sz="1800" kern="1200">
+                <a:solidFill>
+                  <a:schemeClr val="tx1">
+                    <a:lumMod val="65000"/>
+                    <a:lumOff val="35000"/>
+                  </a:schemeClr>
+                </a:solidFill>
+                <a:latin typeface="+mn-lt"/>
+                <a:ea typeface="+mn-ea"/>
+                <a:cs typeface="+mn-cs"/>
+              </a:defRPr>
+            </a:lvl2pPr>
+            <a:lvl3pPr marL="1143000" indent="-228600" algn="l" defTabSz="914400" rtl="0" eaLnBrk="1" latinLnBrk="0" hangingPunct="1">
+              <a:lnSpc>
+                <a:spcPct val="110000"/>
+              </a:lnSpc>
+              <a:spcBef>
+                <a:spcPts val="700"/>
+              </a:spcBef>
+              <a:buClr>
+                <a:schemeClr val="tx2"/>
+              </a:buClr>
+              <a:buFont typeface="Arial" panose="020B0604020202020204" pitchFamily="34" charset="0"/>
+              <a:buChar char="•"/>
+              <a:defRPr kumimoji="1" sz="1600" kern="1200">
+                <a:solidFill>
+                  <a:schemeClr val="tx1">
+                    <a:lumMod val="65000"/>
+                    <a:lumOff val="35000"/>
+                  </a:schemeClr>
+                </a:solidFill>
+                <a:latin typeface="+mn-lt"/>
+                <a:ea typeface="+mn-ea"/>
+                <a:cs typeface="+mn-cs"/>
+              </a:defRPr>
+            </a:lvl3pPr>
+            <a:lvl4pPr marL="1600200" indent="-228600" algn="l" defTabSz="914400" rtl="0" eaLnBrk="1" latinLnBrk="0" hangingPunct="1">
+              <a:lnSpc>
+                <a:spcPct val="110000"/>
+              </a:lnSpc>
+              <a:spcBef>
+                <a:spcPts val="700"/>
+              </a:spcBef>
+              <a:buClr>
+                <a:schemeClr val="tx2"/>
+              </a:buClr>
+              <a:buFont typeface="Gill Sans MT" panose="020B0502020104020203" pitchFamily="34" charset="0"/>
+              <a:buChar char="–"/>
+              <a:defRPr kumimoji="1" sz="1400" kern="1200">
+                <a:solidFill>
+                  <a:schemeClr val="tx1">
+                    <a:lumMod val="65000"/>
+                    <a:lumOff val="35000"/>
+                  </a:schemeClr>
+                </a:solidFill>
+                <a:latin typeface="+mn-lt"/>
+                <a:ea typeface="+mn-ea"/>
+                <a:cs typeface="+mn-cs"/>
+              </a:defRPr>
+            </a:lvl4pPr>
+            <a:lvl5pPr marL="2057400" indent="-228600" algn="l" defTabSz="914400" rtl="0" eaLnBrk="1" latinLnBrk="0" hangingPunct="1">
+              <a:lnSpc>
+                <a:spcPct val="110000"/>
+              </a:lnSpc>
+              <a:spcBef>
+                <a:spcPts val="700"/>
+              </a:spcBef>
+              <a:buClr>
+                <a:schemeClr val="tx2"/>
+              </a:buClr>
+              <a:buFont typeface="Arial" panose="020B0604020202020204" pitchFamily="34" charset="0"/>
+              <a:buChar char="•"/>
+              <a:defRPr kumimoji="1" sz="1400" kern="1200">
+                <a:solidFill>
+                  <a:schemeClr val="tx1">
+                    <a:lumMod val="65000"/>
+                    <a:lumOff val="35000"/>
+                  </a:schemeClr>
+                </a:solidFill>
+                <a:latin typeface="+mn-lt"/>
+                <a:ea typeface="+mn-ea"/>
+                <a:cs typeface="+mn-cs"/>
+              </a:defRPr>
+            </a:lvl5pPr>
+            <a:lvl6pPr marL="2514600" indent="-228600" algn="l" defTabSz="914400" rtl="0" eaLnBrk="1" latinLnBrk="0" hangingPunct="1">
+              <a:lnSpc>
+                <a:spcPct val="110000"/>
+              </a:lnSpc>
+              <a:spcBef>
+                <a:spcPts val="700"/>
+              </a:spcBef>
+              <a:buClr>
+                <a:schemeClr val="tx2"/>
+              </a:buClr>
+              <a:buFont typeface="Gill Sans MT" panose="020B0502020104020203" pitchFamily="34" charset="0"/>
+              <a:buChar char="–"/>
+              <a:defRPr kumimoji="1" sz="1400" kern="1200">
+                <a:solidFill>
+                  <a:schemeClr val="tx1">
+                    <a:lumMod val="65000"/>
+                    <a:lumOff val="35000"/>
+                  </a:schemeClr>
+                </a:solidFill>
+                <a:latin typeface="+mn-lt"/>
+                <a:ea typeface="+mn-ea"/>
+                <a:cs typeface="+mn-cs"/>
+              </a:defRPr>
+            </a:lvl6pPr>
+            <a:lvl7pPr marL="2971800" indent="-228600" algn="l" defTabSz="914400" rtl="0" eaLnBrk="1" latinLnBrk="0" hangingPunct="1">
+              <a:lnSpc>
+                <a:spcPct val="110000"/>
+              </a:lnSpc>
+              <a:spcBef>
+                <a:spcPts val="700"/>
+              </a:spcBef>
+              <a:buClr>
+                <a:schemeClr val="tx2"/>
+              </a:buClr>
+              <a:buFont typeface="Arial" panose="020B0604020202020204" pitchFamily="34" charset="0"/>
+              <a:buChar char="•"/>
+              <a:defRPr kumimoji="1" sz="1400" kern="1200">
+                <a:solidFill>
+                  <a:schemeClr val="tx1">
+                    <a:lumMod val="65000"/>
+                    <a:lumOff val="35000"/>
+                  </a:schemeClr>
+                </a:solidFill>
+                <a:latin typeface="+mn-lt"/>
+                <a:ea typeface="+mn-ea"/>
+                <a:cs typeface="+mn-cs"/>
+              </a:defRPr>
+            </a:lvl7pPr>
+            <a:lvl8pPr marL="3429000" indent="-228600" algn="l" defTabSz="914400" rtl="0" eaLnBrk="1" latinLnBrk="0" hangingPunct="1">
+              <a:lnSpc>
+                <a:spcPct val="110000"/>
+              </a:lnSpc>
+              <a:spcBef>
+                <a:spcPts val="700"/>
+              </a:spcBef>
+              <a:buClr>
+                <a:schemeClr val="tx2"/>
+              </a:buClr>
+              <a:buFont typeface="Gill Sans MT" panose="020B0502020104020203" pitchFamily="34" charset="0"/>
+              <a:buChar char="–"/>
+              <a:defRPr kumimoji="1" sz="1400" kern="1200" baseline="0">
+                <a:solidFill>
+                  <a:schemeClr val="tx1">
+                    <a:lumMod val="65000"/>
+                    <a:lumOff val="35000"/>
+                  </a:schemeClr>
+                </a:solidFill>
+                <a:latin typeface="+mn-lt"/>
+                <a:ea typeface="+mn-ea"/>
+                <a:cs typeface="+mn-cs"/>
+              </a:defRPr>
+            </a:lvl8pPr>
+            <a:lvl9pPr marL="3886200" indent="-228600" algn="l" defTabSz="914400" rtl="0" eaLnBrk="1" latinLnBrk="0" hangingPunct="1">
+              <a:lnSpc>
+                <a:spcPct val="110000"/>
+              </a:lnSpc>
+              <a:spcBef>
+                <a:spcPts val="700"/>
+              </a:spcBef>
+              <a:buClr>
+                <a:schemeClr val="tx2"/>
+              </a:buClr>
+              <a:buFont typeface="Arial" panose="020B0604020202020204" pitchFamily="34" charset="0"/>
+              <a:buChar char="•"/>
+              <a:defRPr kumimoji="1" sz="1400" kern="1200" baseline="0">
+                <a:solidFill>
+                  <a:schemeClr val="tx1">
+                    <a:lumMod val="65000"/>
+                    <a:lumOff val="35000"/>
+                  </a:schemeClr>
+                </a:solidFill>
+                <a:latin typeface="+mn-lt"/>
+                <a:ea typeface="+mn-ea"/>
+                <a:cs typeface="+mn-cs"/>
+              </a:defRPr>
+            </a:lvl9pPr>
+          </a:lstStyle>
+          <a:p>
+            <a:pPr marL="457200" indent="-457200">
+              <a:buFont typeface="+mj-lt"/>
+              <a:buAutoNum type="arabicPeriod"/>
+            </a:pPr>
+            <a:r>
+              <a:rPr lang="ja-JP" altLang="en-US" dirty="0">
+                <a:solidFill>
+                  <a:schemeClr val="tx1"/>
+                </a:solidFill>
+                <a:latin typeface="ＤＦＧ麗雅宋" panose="02020900000000000000" pitchFamily="18" charset="-128"/>
+                <a:ea typeface="ＤＦＧ麗雅宋" panose="02020900000000000000" pitchFamily="18" charset="-128"/>
+              </a:rPr>
+              <a:t>問題は改善したか？</a:t>
+            </a:r>
+            <a:endParaRPr lang="en-US" altLang="ja-JP" dirty="0">
+              <a:solidFill>
+                <a:schemeClr val="tx1"/>
+              </a:solidFill>
+              <a:latin typeface="ＤＦＧ麗雅宋" panose="02020900000000000000" pitchFamily="18" charset="-128"/>
+              <a:ea typeface="ＤＦＧ麗雅宋" panose="02020900000000000000" pitchFamily="18" charset="-128"/>
+            </a:endParaRPr>
+          </a:p>
+          <a:p>
+            <a:pPr lvl="1">
+              <a:buFont typeface="Wingdings" panose="05000000000000000000" pitchFamily="2" charset="2"/>
+              <a:buChar char="ü"/>
+            </a:pPr>
+            <a:r>
+              <a:rPr lang="ja-JP" altLang="en-US" dirty="0">
+                <a:solidFill>
+                  <a:srgbClr val="FF0000"/>
+                </a:solidFill>
+                <a:latin typeface="ＤＦＧ麗雅宋" panose="02020900000000000000" pitchFamily="18" charset="-128"/>
+                <a:ea typeface="ＤＦＧ麗雅宋" panose="02020900000000000000" pitchFamily="18" charset="-128"/>
+              </a:rPr>
+              <a:t>エンバグがほとんどなくなった</a:t>
+            </a:r>
+            <a:endParaRPr lang="en-US" altLang="ja-JP" dirty="0">
+              <a:solidFill>
+                <a:srgbClr val="FF0000"/>
+              </a:solidFill>
+              <a:latin typeface="ＤＦＧ麗雅宋" panose="02020900000000000000" pitchFamily="18" charset="-128"/>
+              <a:ea typeface="ＤＦＧ麗雅宋" panose="02020900000000000000" pitchFamily="18" charset="-128"/>
+            </a:endParaRPr>
+          </a:p>
+          <a:p>
+            <a:pPr lvl="1">
+              <a:buFont typeface="Wingdings" panose="05000000000000000000" pitchFamily="2" charset="2"/>
+              <a:buChar char="ü"/>
+            </a:pPr>
+            <a:endParaRPr lang="en-US" altLang="ja-JP" dirty="0">
+              <a:solidFill>
+                <a:srgbClr val="FF0000"/>
+              </a:solidFill>
+              <a:latin typeface="ＤＦＧ麗雅宋" panose="02020900000000000000" pitchFamily="18" charset="-128"/>
+              <a:ea typeface="ＤＦＧ麗雅宋" panose="02020900000000000000" pitchFamily="18" charset="-128"/>
+            </a:endParaRPr>
+          </a:p>
+          <a:p>
+            <a:pPr marL="457200" indent="-457200">
+              <a:buFont typeface="+mj-lt"/>
+              <a:buAutoNum type="arabicPeriod"/>
+            </a:pPr>
+            <a:r>
+              <a:rPr lang="ja-JP" altLang="en-US" dirty="0">
+                <a:solidFill>
+                  <a:schemeClr val="tx1"/>
+                </a:solidFill>
+                <a:latin typeface="ＤＦＧ麗雅宋" panose="02020900000000000000" pitchFamily="18" charset="-128"/>
+                <a:ea typeface="ＤＦＧ麗雅宋" panose="02020900000000000000" pitchFamily="18" charset="-128"/>
+              </a:rPr>
+              <a:t>目標までの達成率は？</a:t>
+            </a:r>
+            <a:endParaRPr lang="en-US" altLang="ja-JP" dirty="0">
+              <a:solidFill>
+                <a:schemeClr val="tx1"/>
+              </a:solidFill>
+              <a:latin typeface="ＤＦＧ麗雅宋" panose="02020900000000000000" pitchFamily="18" charset="-128"/>
+              <a:ea typeface="ＤＦＧ麗雅宋" panose="02020900000000000000" pitchFamily="18" charset="-128"/>
+            </a:endParaRPr>
+          </a:p>
+          <a:p>
+            <a:pPr lvl="1">
+              <a:buFont typeface="Wingdings" panose="05000000000000000000" pitchFamily="2" charset="2"/>
+              <a:buChar char="ü"/>
+            </a:pPr>
+            <a:r>
+              <a:rPr lang="ja-JP" altLang="en-US" dirty="0">
+                <a:solidFill>
+                  <a:srgbClr val="FF0000"/>
+                </a:solidFill>
+                <a:latin typeface="ＤＦＧ麗雅宋" panose="02020900000000000000" pitchFamily="18" charset="-128"/>
+                <a:ea typeface="ＤＦＧ麗雅宋" panose="02020900000000000000" pitchFamily="18" charset="-128"/>
+              </a:rPr>
+              <a:t>エンバグの発生率は５％以下になった</a:t>
+            </a:r>
+            <a:endParaRPr lang="en-US" altLang="ja-JP" dirty="0">
+              <a:solidFill>
+                <a:srgbClr val="FF0000"/>
+              </a:solidFill>
+              <a:latin typeface="ＤＦＧ麗雅宋" panose="02020900000000000000" pitchFamily="18" charset="-128"/>
+              <a:ea typeface="ＤＦＧ麗雅宋" panose="02020900000000000000" pitchFamily="18" charset="-128"/>
+            </a:endParaRPr>
+          </a:p>
+          <a:p>
+            <a:pPr lvl="1">
+              <a:buFont typeface="Wingdings" panose="05000000000000000000" pitchFamily="2" charset="2"/>
+              <a:buChar char="ü"/>
+            </a:pPr>
+            <a:endParaRPr lang="en-US" altLang="ja-JP" dirty="0">
+              <a:solidFill>
+                <a:srgbClr val="FF0000"/>
+              </a:solidFill>
+              <a:latin typeface="ＤＦＧ麗雅宋" panose="02020900000000000000" pitchFamily="18" charset="-128"/>
+              <a:ea typeface="ＤＦＧ麗雅宋" panose="02020900000000000000" pitchFamily="18" charset="-128"/>
+            </a:endParaRPr>
+          </a:p>
+          <a:p>
+            <a:pPr marL="457200" indent="-457200">
+              <a:buFont typeface="+mj-lt"/>
+              <a:buAutoNum type="arabicPeriod"/>
+            </a:pPr>
+            <a:r>
+              <a:rPr lang="ja-JP" altLang="en-US" dirty="0">
+                <a:solidFill>
+                  <a:schemeClr val="tx1"/>
+                </a:solidFill>
+                <a:latin typeface="ＤＦＧ麗雅宋" panose="02020900000000000000" pitchFamily="18" charset="-128"/>
+                <a:ea typeface="ＤＦＧ麗雅宋" panose="02020900000000000000" pitchFamily="18" charset="-128"/>
+              </a:rPr>
+              <a:t>弊害はないか？</a:t>
+            </a:r>
+            <a:endParaRPr lang="en-US" altLang="ja-JP" dirty="0">
+              <a:solidFill>
+                <a:schemeClr val="tx1"/>
+              </a:solidFill>
+              <a:latin typeface="ＤＦＧ麗雅宋" panose="02020900000000000000" pitchFamily="18" charset="-128"/>
+              <a:ea typeface="ＤＦＧ麗雅宋" panose="02020900000000000000" pitchFamily="18" charset="-128"/>
+            </a:endParaRPr>
+          </a:p>
+          <a:p>
+            <a:pPr lvl="1">
+              <a:buFont typeface="Wingdings" panose="05000000000000000000" pitchFamily="2" charset="2"/>
+              <a:buChar char="ü"/>
+            </a:pPr>
+            <a:r>
+              <a:rPr lang="ja-JP" altLang="en-US" dirty="0">
+                <a:solidFill>
+                  <a:srgbClr val="FF0000"/>
+                </a:solidFill>
+                <a:latin typeface="ＤＦＧ麗雅宋" panose="02020900000000000000" pitchFamily="18" charset="-128"/>
+                <a:ea typeface="ＤＦＧ麗雅宋" panose="02020900000000000000" pitchFamily="18" charset="-128"/>
+              </a:rPr>
+              <a:t>テストコードを書くコストが増えた</a:t>
+            </a:r>
+            <a:endParaRPr lang="en-US" altLang="ja-JP" dirty="0">
+              <a:solidFill>
+                <a:srgbClr val="FF0000"/>
+              </a:solidFill>
+              <a:latin typeface="ＤＦＧ麗雅宋" panose="02020900000000000000" pitchFamily="18" charset="-128"/>
+              <a:ea typeface="ＤＦＧ麗雅宋" panose="02020900000000000000" pitchFamily="18" charset="-128"/>
+            </a:endParaRPr>
+          </a:p>
+        </p:txBody>
+      </p:sp>
+    </p:spTree>
+    <p:extLst>
+      <p:ext uri="{BB962C8B-B14F-4D97-AF65-F5344CB8AC3E}">
+        <p14:creationId xmlns:p14="http://schemas.microsoft.com/office/powerpoint/2010/main" val="1506147434"/>
+      </p:ext>
+    </p:extLst>
+  </p:cSld>
+  <p:clrMapOvr>
+    <a:masterClrMapping/>
+  </p:clrMapOvr>
+</p:sld>
+</file>
+
+<file path=ppt/slides/slide11.xml><?xml version="1.0" encoding="utf-8"?>
+<p:sld xmlns:a="http://schemas.openxmlformats.org/drawingml/2006/main" xmlns:r="http://schemas.openxmlformats.org/officeDocument/2006/relationships" xmlns:p="http://schemas.openxmlformats.org/presentationml/2006/main">
+  <p:cSld>
+    <p:spTree>
+      <p:nvGrpSpPr>
+        <p:cNvPr id="1" name=""/>
+        <p:cNvGrpSpPr/>
+        <p:nvPr/>
+      </p:nvGrpSpPr>
+      <p:grpSpPr>
+        <a:xfrm>
+          <a:off x="0" y="0"/>
+          <a:ext cx="0" cy="0"/>
+          <a:chOff x="0" y="0"/>
+          <a:chExt cx="0" cy="0"/>
+        </a:xfrm>
+      </p:grpSpPr>
+      <p:sp>
+        <p:nvSpPr>
+          <p:cNvPr id="15" name="四角形: 角を丸くする 14"/>
+          <p:cNvSpPr/>
+          <p:nvPr/>
+        </p:nvSpPr>
+        <p:spPr>
+          <a:xfrm>
+            <a:off x="6299196" y="1458685"/>
+            <a:ext cx="5107352" cy="5152572"/>
+          </a:xfrm>
+          <a:prstGeom prst="roundRect">
+            <a:avLst/>
+          </a:prstGeom>
+          <a:noFill/>
+          <a:ln w="9525" cap="flat" cmpd="sng" algn="ctr">
+            <a:solidFill>
+              <a:schemeClr val="accent2"/>
+            </a:solidFill>
+            <a:prstDash val="solid"/>
+            <a:round/>
+            <a:headEnd type="none" w="med" len="med"/>
+            <a:tailEnd type="none" w="med" len="med"/>
+          </a:ln>
+        </p:spPr>
+        <p:style>
+          <a:lnRef idx="0">
+            <a:scrgbClr r="0" g="0" b="0"/>
+          </a:lnRef>
+          <a:fillRef idx="0">
+            <a:scrgbClr r="0" g="0" b="0"/>
+          </a:fillRef>
+          <a:effectRef idx="0">
+            <a:scrgbClr r="0" g="0" b="0"/>
+          </a:effectRef>
+          <a:fontRef idx="minor">
+            <a:schemeClr val="accent2"/>
+          </a:fontRef>
+        </p:style>
+        <p:txBody>
+          <a:bodyPr rtlCol="0" anchor="ctr"/>
+          <a:lstStyle/>
+          <a:p>
+            <a:pPr algn="ctr"/>
+            <a:endParaRPr kumimoji="1" lang="ja-JP" altLang="en-US"/>
+          </a:p>
+        </p:txBody>
+      </p:sp>
+      <p:sp>
+        <p:nvSpPr>
+          <p:cNvPr id="14" name="四角形: 角を丸くする 13"/>
+          <p:cNvSpPr/>
+          <p:nvPr/>
+        </p:nvSpPr>
+        <p:spPr>
+          <a:xfrm>
+            <a:off x="1146622" y="1480455"/>
+            <a:ext cx="4630057" cy="5152571"/>
+          </a:xfrm>
+          <a:prstGeom prst="roundRect">
+            <a:avLst/>
+          </a:prstGeom>
+          <a:solidFill>
+            <a:schemeClr val="accent1">
+              <a:alpha val="50000"/>
+            </a:schemeClr>
+          </a:solidFill>
+          <a:ln>
+            <a:noFill/>
+          </a:ln>
+        </p:spPr>
+        <p:style>
+          <a:lnRef idx="0">
+            <a:scrgbClr r="0" g="0" b="0"/>
+          </a:lnRef>
+          <a:fillRef idx="0">
+            <a:scrgbClr r="0" g="0" b="0"/>
+          </a:fillRef>
+          <a:effectRef idx="0">
+            <a:scrgbClr r="0" g="0" b="0"/>
+          </a:effectRef>
+          <a:fontRef idx="minor">
+            <a:schemeClr val="lt1"/>
+          </a:fontRef>
+        </p:style>
+        <p:txBody>
+          <a:bodyPr rtlCol="0" anchor="ctr"/>
+          <a:lstStyle/>
+          <a:p>
+            <a:pPr algn="ctr"/>
+            <a:endParaRPr kumimoji="1" lang="ja-JP" altLang="en-US" dirty="0"/>
+          </a:p>
+        </p:txBody>
+      </p:sp>
+      <p:sp>
+        <p:nvSpPr>
+          <p:cNvPr id="2" name="タイトル 1"/>
+          <p:cNvSpPr>
+            <a:spLocks noGrp="1"/>
+          </p:cNvSpPr>
+          <p:nvPr>
+            <p:ph type="title"/>
+          </p:nvPr>
+        </p:nvSpPr>
+        <p:spPr>
+          <a:xfrm>
+            <a:off x="1251678" y="271486"/>
+            <a:ext cx="10178322" cy="768192"/>
+          </a:xfrm>
+          <a:ln/>
+        </p:spPr>
+        <p:style>
+          <a:lnRef idx="1">
+            <a:schemeClr val="accent5"/>
+          </a:lnRef>
+          <a:fillRef idx="2">
+            <a:schemeClr val="accent5"/>
+          </a:fillRef>
+          <a:effectRef idx="1">
+            <a:schemeClr val="accent5"/>
+          </a:effectRef>
+          <a:fontRef idx="minor">
+            <a:schemeClr val="dk1"/>
+          </a:fontRef>
+        </p:style>
+        <p:txBody>
+          <a:bodyPr anchor="ctr">
+            <a:normAutofit fontScale="90000"/>
+          </a:bodyPr>
+          <a:lstStyle/>
+          <a:p>
+            <a:pPr algn="ctr"/>
+            <a:r>
+              <a:rPr kumimoji="1" lang="en-US" altLang="ja-JP" dirty="0">
+                <a:latin typeface="ＤＦＧ綜藝体W5" panose="040B0500000000000000" pitchFamily="50" charset="-128"/>
+                <a:ea typeface="ＤＦＧ綜藝体W5" panose="040B0500000000000000" pitchFamily="50" charset="-128"/>
+              </a:rPr>
+              <a:t>step-7</a:t>
+            </a:r>
+            <a:r>
+              <a:rPr kumimoji="1" lang="ja-JP" altLang="en-US" dirty="0">
+                <a:latin typeface="ＤＦＧ綜藝体W5" panose="040B0500000000000000" pitchFamily="50" charset="-128"/>
+                <a:ea typeface="ＤＦＧ綜藝体W5" panose="040B0500000000000000" pitchFamily="50" charset="-128"/>
+              </a:rPr>
+              <a:t>　</a:t>
+            </a:r>
+            <a:r>
+              <a:rPr kumimoji="1" lang="ja-JP" altLang="en-US" dirty="0">
+                <a:solidFill>
+                  <a:srgbClr val="FF0000"/>
+                </a:solidFill>
+                <a:latin typeface="ＤＦＧ綜藝体W5" panose="040B0500000000000000" pitchFamily="50" charset="-128"/>
+                <a:ea typeface="ＤＦＧ綜藝体W5" panose="040B0500000000000000" pitchFamily="50" charset="-128"/>
+              </a:rPr>
+              <a:t>標準化</a:t>
+            </a:r>
+            <a:r>
+              <a:rPr kumimoji="1" lang="ja-JP" altLang="en-US" dirty="0">
+                <a:latin typeface="ＤＦＧ綜藝体W5" panose="040B0500000000000000" pitchFamily="50" charset="-128"/>
+                <a:ea typeface="ＤＦＧ綜藝体W5" panose="040B0500000000000000" pitchFamily="50" charset="-128"/>
+              </a:rPr>
+              <a:t>する</a:t>
+            </a:r>
+          </a:p>
+        </p:txBody>
+      </p:sp>
+      <p:sp>
+        <p:nvSpPr>
+          <p:cNvPr id="3" name="コンテンツ プレースホルダー 2"/>
+          <p:cNvSpPr>
+            <a:spLocks noGrp="1"/>
+          </p:cNvSpPr>
+          <p:nvPr>
+            <p:ph idx="1"/>
+          </p:nvPr>
+        </p:nvSpPr>
+        <p:spPr>
+          <a:xfrm>
+            <a:off x="1600014" y="1851028"/>
+            <a:ext cx="4046039" cy="1240515"/>
+          </a:xfrm>
+        </p:spPr>
+        <p:txBody>
+          <a:bodyPr>
+            <a:normAutofit/>
+          </a:bodyPr>
+          <a:lstStyle/>
+          <a:p>
+            <a:pPr marL="0" indent="0">
+              <a:buNone/>
+            </a:pPr>
+            <a:r>
+              <a:rPr lang="ja-JP" altLang="en-US" dirty="0">
+                <a:solidFill>
+                  <a:schemeClr val="tx1"/>
+                </a:solidFill>
+              </a:rPr>
+              <a:t>似たような問題の再発を防ぐために、今回行った対策を標準化・フレームワーク化を行います。</a:t>
+            </a:r>
+            <a:endParaRPr kumimoji="1" lang="ja-JP" altLang="en-US" dirty="0">
+              <a:solidFill>
+                <a:schemeClr val="tx1"/>
+              </a:solidFill>
+            </a:endParaRPr>
+          </a:p>
+        </p:txBody>
+      </p:sp>
+      <p:sp>
+        <p:nvSpPr>
+          <p:cNvPr id="8" name="コンテンツ プレースホルダー 2"/>
+          <p:cNvSpPr txBox="1">
+            <a:spLocks/>
+          </p:cNvSpPr>
+          <p:nvPr/>
+        </p:nvSpPr>
+        <p:spPr>
+          <a:xfrm>
+            <a:off x="6667495" y="1549036"/>
+            <a:ext cx="4370753" cy="339997"/>
+          </a:xfrm>
+          <a:prstGeom prst="rect">
+            <a:avLst/>
+          </a:prstGeom>
+        </p:spPr>
+        <p:txBody>
+          <a:bodyPr vert="horz" lIns="91440" tIns="45720" rIns="91440" bIns="45720" rtlCol="0">
+            <a:normAutofit fontScale="85000" lnSpcReduction="20000"/>
+          </a:bodyPr>
+          <a:lstStyle>
+            <a:lvl1pPr marL="228600" indent="-228600" algn="l" defTabSz="914400" rtl="0" eaLnBrk="1" latinLnBrk="0" hangingPunct="1">
+              <a:lnSpc>
+                <a:spcPct val="110000"/>
+              </a:lnSpc>
+              <a:spcBef>
+                <a:spcPts val="700"/>
+              </a:spcBef>
+              <a:buClr>
+                <a:schemeClr val="tx2"/>
+              </a:buClr>
+              <a:buFont typeface="Arial" panose="020B0604020202020204" pitchFamily="34" charset="0"/>
+              <a:buChar char="•"/>
+              <a:defRPr kumimoji="1" sz="2000" kern="1200">
+                <a:solidFill>
+                  <a:schemeClr val="tx1">
+                    <a:lumMod val="65000"/>
+                    <a:lumOff val="35000"/>
+                  </a:schemeClr>
+                </a:solidFill>
+                <a:latin typeface="+mn-lt"/>
+                <a:ea typeface="+mn-ea"/>
+                <a:cs typeface="+mn-cs"/>
+              </a:defRPr>
+            </a:lvl1pPr>
+            <a:lvl2pPr marL="685800" indent="-228600" algn="l" defTabSz="914400" rtl="0" eaLnBrk="1" latinLnBrk="0" hangingPunct="1">
+              <a:lnSpc>
+                <a:spcPct val="110000"/>
+              </a:lnSpc>
+              <a:spcBef>
+                <a:spcPts val="700"/>
+              </a:spcBef>
+              <a:buClr>
+                <a:schemeClr val="tx2"/>
+              </a:buClr>
+              <a:buFont typeface="Gill Sans MT" panose="020B0502020104020203" pitchFamily="34" charset="0"/>
+              <a:buChar char="–"/>
+              <a:defRPr kumimoji="1" sz="1800" kern="1200">
+                <a:solidFill>
+                  <a:schemeClr val="tx1">
+                    <a:lumMod val="65000"/>
+                    <a:lumOff val="35000"/>
+                  </a:schemeClr>
+                </a:solidFill>
+                <a:latin typeface="+mn-lt"/>
+                <a:ea typeface="+mn-ea"/>
+                <a:cs typeface="+mn-cs"/>
+              </a:defRPr>
+            </a:lvl2pPr>
+            <a:lvl3pPr marL="1143000" indent="-228600" algn="l" defTabSz="914400" rtl="0" eaLnBrk="1" latinLnBrk="0" hangingPunct="1">
+              <a:lnSpc>
+                <a:spcPct val="110000"/>
+              </a:lnSpc>
+              <a:spcBef>
+                <a:spcPts val="700"/>
+              </a:spcBef>
+              <a:buClr>
+                <a:schemeClr val="tx2"/>
+              </a:buClr>
+              <a:buFont typeface="Arial" panose="020B0604020202020204" pitchFamily="34" charset="0"/>
+              <a:buChar char="•"/>
+              <a:defRPr kumimoji="1" sz="1600" kern="1200">
+                <a:solidFill>
+                  <a:schemeClr val="tx1">
+                    <a:lumMod val="65000"/>
+                    <a:lumOff val="35000"/>
+                  </a:schemeClr>
+                </a:solidFill>
+                <a:latin typeface="+mn-lt"/>
+                <a:ea typeface="+mn-ea"/>
+                <a:cs typeface="+mn-cs"/>
+              </a:defRPr>
+            </a:lvl3pPr>
+            <a:lvl4pPr marL="1600200" indent="-228600" algn="l" defTabSz="914400" rtl="0" eaLnBrk="1" latinLnBrk="0" hangingPunct="1">
+              <a:lnSpc>
+                <a:spcPct val="110000"/>
+              </a:lnSpc>
+              <a:spcBef>
+                <a:spcPts val="700"/>
+              </a:spcBef>
+              <a:buClr>
+                <a:schemeClr val="tx2"/>
+              </a:buClr>
+              <a:buFont typeface="Gill Sans MT" panose="020B0502020104020203" pitchFamily="34" charset="0"/>
+              <a:buChar char="–"/>
+              <a:defRPr kumimoji="1" sz="1400" kern="1200">
+                <a:solidFill>
+                  <a:schemeClr val="tx1">
+                    <a:lumMod val="65000"/>
+                    <a:lumOff val="35000"/>
+                  </a:schemeClr>
+                </a:solidFill>
+                <a:latin typeface="+mn-lt"/>
+                <a:ea typeface="+mn-ea"/>
+                <a:cs typeface="+mn-cs"/>
+              </a:defRPr>
+            </a:lvl4pPr>
+            <a:lvl5pPr marL="2057400" indent="-228600" algn="l" defTabSz="914400" rtl="0" eaLnBrk="1" latinLnBrk="0" hangingPunct="1">
+              <a:lnSpc>
+                <a:spcPct val="110000"/>
+              </a:lnSpc>
+              <a:spcBef>
+                <a:spcPts val="700"/>
+              </a:spcBef>
+              <a:buClr>
+                <a:schemeClr val="tx2"/>
+              </a:buClr>
+              <a:buFont typeface="Arial" panose="020B0604020202020204" pitchFamily="34" charset="0"/>
+              <a:buChar char="•"/>
+              <a:defRPr kumimoji="1" sz="1400" kern="1200">
+                <a:solidFill>
+                  <a:schemeClr val="tx1">
+                    <a:lumMod val="65000"/>
+                    <a:lumOff val="35000"/>
+                  </a:schemeClr>
+                </a:solidFill>
+                <a:latin typeface="+mn-lt"/>
+                <a:ea typeface="+mn-ea"/>
+                <a:cs typeface="+mn-cs"/>
+              </a:defRPr>
+            </a:lvl5pPr>
+            <a:lvl6pPr marL="2514600" indent="-228600" algn="l" defTabSz="914400" rtl="0" eaLnBrk="1" latinLnBrk="0" hangingPunct="1">
+              <a:lnSpc>
+                <a:spcPct val="110000"/>
+              </a:lnSpc>
+              <a:spcBef>
+                <a:spcPts val="700"/>
+              </a:spcBef>
+              <a:buClr>
+                <a:schemeClr val="tx2"/>
+              </a:buClr>
+              <a:buFont typeface="Gill Sans MT" panose="020B0502020104020203" pitchFamily="34" charset="0"/>
+              <a:buChar char="–"/>
+              <a:defRPr kumimoji="1" sz="1400" kern="1200">
+                <a:solidFill>
+                  <a:schemeClr val="tx1">
+                    <a:lumMod val="65000"/>
+                    <a:lumOff val="35000"/>
+                  </a:schemeClr>
+                </a:solidFill>
+                <a:latin typeface="+mn-lt"/>
+                <a:ea typeface="+mn-ea"/>
+                <a:cs typeface="+mn-cs"/>
+              </a:defRPr>
+            </a:lvl6pPr>
+            <a:lvl7pPr marL="2971800" indent="-228600" algn="l" defTabSz="914400" rtl="0" eaLnBrk="1" latinLnBrk="0" hangingPunct="1">
+              <a:lnSpc>
+                <a:spcPct val="110000"/>
+              </a:lnSpc>
+              <a:spcBef>
+                <a:spcPts val="700"/>
+              </a:spcBef>
+              <a:buClr>
+                <a:schemeClr val="tx2"/>
+              </a:buClr>
+              <a:buFont typeface="Arial" panose="020B0604020202020204" pitchFamily="34" charset="0"/>
+              <a:buChar char="•"/>
+              <a:defRPr kumimoji="1" sz="1400" kern="1200">
+                <a:solidFill>
+                  <a:schemeClr val="tx1">
+                    <a:lumMod val="65000"/>
+                    <a:lumOff val="35000"/>
+                  </a:schemeClr>
+                </a:solidFill>
+                <a:latin typeface="+mn-lt"/>
+                <a:ea typeface="+mn-ea"/>
+                <a:cs typeface="+mn-cs"/>
+              </a:defRPr>
+            </a:lvl7pPr>
+            <a:lvl8pPr marL="3429000" indent="-228600" algn="l" defTabSz="914400" rtl="0" eaLnBrk="1" latinLnBrk="0" hangingPunct="1">
+              <a:lnSpc>
+                <a:spcPct val="110000"/>
+              </a:lnSpc>
+              <a:spcBef>
+                <a:spcPts val="700"/>
+              </a:spcBef>
+              <a:buClr>
+                <a:schemeClr val="tx2"/>
+              </a:buClr>
+              <a:buFont typeface="Gill Sans MT" panose="020B0502020104020203" pitchFamily="34" charset="0"/>
+              <a:buChar char="–"/>
+              <a:defRPr kumimoji="1" sz="1400" kern="1200" baseline="0">
+                <a:solidFill>
+                  <a:schemeClr val="tx1">
+                    <a:lumMod val="65000"/>
+                    <a:lumOff val="35000"/>
+                  </a:schemeClr>
+                </a:solidFill>
+                <a:latin typeface="+mn-lt"/>
+                <a:ea typeface="+mn-ea"/>
+                <a:cs typeface="+mn-cs"/>
+              </a:defRPr>
+            </a:lvl8pPr>
+            <a:lvl9pPr marL="3886200" indent="-228600" algn="l" defTabSz="914400" rtl="0" eaLnBrk="1" latinLnBrk="0" hangingPunct="1">
+              <a:lnSpc>
+                <a:spcPct val="110000"/>
+              </a:lnSpc>
+              <a:spcBef>
+                <a:spcPts val="700"/>
+              </a:spcBef>
+              <a:buClr>
+                <a:schemeClr val="tx2"/>
+              </a:buClr>
+              <a:buFont typeface="Arial" panose="020B0604020202020204" pitchFamily="34" charset="0"/>
+              <a:buChar char="•"/>
+              <a:defRPr kumimoji="1" sz="1400" kern="1200" baseline="0">
+                <a:solidFill>
+                  <a:schemeClr val="tx1">
+                    <a:lumMod val="65000"/>
+                    <a:lumOff val="35000"/>
+                  </a:schemeClr>
+                </a:solidFill>
+                <a:latin typeface="+mn-lt"/>
+                <a:ea typeface="+mn-ea"/>
+                <a:cs typeface="+mn-cs"/>
+              </a:defRPr>
+            </a:lvl9pPr>
+          </a:lstStyle>
+          <a:p>
+            <a:pPr marL="0" indent="0" algn="ctr">
+              <a:buNone/>
+            </a:pPr>
+            <a:r>
+              <a:rPr lang="ja-JP" altLang="en-US" dirty="0">
+                <a:solidFill>
+                  <a:schemeClr val="tx1"/>
+                </a:solidFill>
+              </a:rPr>
+              <a:t>「エンバグが多い」という問題の例</a:t>
+            </a:r>
+          </a:p>
+        </p:txBody>
+      </p:sp>
+      <p:sp>
+        <p:nvSpPr>
+          <p:cNvPr id="17" name="コンテンツ プレースホルダー 2"/>
+          <p:cNvSpPr txBox="1">
+            <a:spLocks/>
+          </p:cNvSpPr>
+          <p:nvPr/>
+        </p:nvSpPr>
+        <p:spPr>
+          <a:xfrm>
+            <a:off x="1469388" y="3142343"/>
+            <a:ext cx="4176665" cy="3084286"/>
+          </a:xfrm>
+          <a:prstGeom prst="rect">
+            <a:avLst/>
+          </a:prstGeom>
+        </p:spPr>
+        <p:txBody>
+          <a:bodyPr vert="horz" lIns="91440" tIns="45720" rIns="91440" bIns="45720" rtlCol="0">
+            <a:normAutofit/>
+          </a:bodyPr>
+          <a:lstStyle>
+            <a:lvl1pPr marL="228600" indent="-228600" algn="l" defTabSz="914400" rtl="0" eaLnBrk="1" latinLnBrk="0" hangingPunct="1">
+              <a:lnSpc>
+                <a:spcPct val="110000"/>
+              </a:lnSpc>
+              <a:spcBef>
+                <a:spcPts val="700"/>
+              </a:spcBef>
+              <a:buClr>
+                <a:schemeClr val="tx2"/>
+              </a:buClr>
+              <a:buFont typeface="Arial" panose="020B0604020202020204" pitchFamily="34" charset="0"/>
+              <a:buChar char="•"/>
+              <a:defRPr kumimoji="1" sz="2000" kern="1200">
+                <a:solidFill>
+                  <a:schemeClr val="tx1">
+                    <a:lumMod val="65000"/>
+                    <a:lumOff val="35000"/>
+                  </a:schemeClr>
+                </a:solidFill>
+                <a:latin typeface="+mn-lt"/>
+                <a:ea typeface="+mn-ea"/>
+                <a:cs typeface="+mn-cs"/>
+              </a:defRPr>
+            </a:lvl1pPr>
+            <a:lvl2pPr marL="685800" indent="-228600" algn="l" defTabSz="914400" rtl="0" eaLnBrk="1" latinLnBrk="0" hangingPunct="1">
+              <a:lnSpc>
+                <a:spcPct val="110000"/>
+              </a:lnSpc>
+              <a:spcBef>
+                <a:spcPts val="700"/>
+              </a:spcBef>
+              <a:buClr>
+                <a:schemeClr val="tx2"/>
+              </a:buClr>
+              <a:buFont typeface="Gill Sans MT" panose="020B0502020104020203" pitchFamily="34" charset="0"/>
+              <a:buChar char="–"/>
+              <a:defRPr kumimoji="1" sz="1800" kern="1200">
+                <a:solidFill>
+                  <a:schemeClr val="tx1">
+                    <a:lumMod val="65000"/>
+                    <a:lumOff val="35000"/>
+                  </a:schemeClr>
+                </a:solidFill>
+                <a:latin typeface="+mn-lt"/>
+                <a:ea typeface="+mn-ea"/>
+                <a:cs typeface="+mn-cs"/>
+              </a:defRPr>
+            </a:lvl2pPr>
+            <a:lvl3pPr marL="1143000" indent="-228600" algn="l" defTabSz="914400" rtl="0" eaLnBrk="1" latinLnBrk="0" hangingPunct="1">
+              <a:lnSpc>
+                <a:spcPct val="110000"/>
+              </a:lnSpc>
+              <a:spcBef>
+                <a:spcPts val="700"/>
+              </a:spcBef>
+              <a:buClr>
+                <a:schemeClr val="tx2"/>
+              </a:buClr>
+              <a:buFont typeface="Arial" panose="020B0604020202020204" pitchFamily="34" charset="0"/>
+              <a:buChar char="•"/>
+              <a:defRPr kumimoji="1" sz="1600" kern="1200">
+                <a:solidFill>
+                  <a:schemeClr val="tx1">
+                    <a:lumMod val="65000"/>
+                    <a:lumOff val="35000"/>
+                  </a:schemeClr>
+                </a:solidFill>
+                <a:latin typeface="+mn-lt"/>
+                <a:ea typeface="+mn-ea"/>
+                <a:cs typeface="+mn-cs"/>
+              </a:defRPr>
+            </a:lvl3pPr>
+            <a:lvl4pPr marL="1600200" indent="-228600" algn="l" defTabSz="914400" rtl="0" eaLnBrk="1" latinLnBrk="0" hangingPunct="1">
+              <a:lnSpc>
+                <a:spcPct val="110000"/>
+              </a:lnSpc>
+              <a:spcBef>
+                <a:spcPts val="700"/>
+              </a:spcBef>
+              <a:buClr>
+                <a:schemeClr val="tx2"/>
+              </a:buClr>
+              <a:buFont typeface="Gill Sans MT" panose="020B0502020104020203" pitchFamily="34" charset="0"/>
+              <a:buChar char="–"/>
+              <a:defRPr kumimoji="1" sz="1400" kern="1200">
+                <a:solidFill>
+                  <a:schemeClr val="tx1">
+                    <a:lumMod val="65000"/>
+                    <a:lumOff val="35000"/>
+                  </a:schemeClr>
+                </a:solidFill>
+                <a:latin typeface="+mn-lt"/>
+                <a:ea typeface="+mn-ea"/>
+                <a:cs typeface="+mn-cs"/>
+              </a:defRPr>
+            </a:lvl4pPr>
+            <a:lvl5pPr marL="2057400" indent="-228600" algn="l" defTabSz="914400" rtl="0" eaLnBrk="1" latinLnBrk="0" hangingPunct="1">
+              <a:lnSpc>
+                <a:spcPct val="110000"/>
+              </a:lnSpc>
+              <a:spcBef>
+                <a:spcPts val="700"/>
+              </a:spcBef>
+              <a:buClr>
+                <a:schemeClr val="tx2"/>
+              </a:buClr>
+              <a:buFont typeface="Arial" panose="020B0604020202020204" pitchFamily="34" charset="0"/>
+              <a:buChar char="•"/>
+              <a:defRPr kumimoji="1" sz="1400" kern="1200">
+                <a:solidFill>
+                  <a:schemeClr val="tx1">
+                    <a:lumMod val="65000"/>
+                    <a:lumOff val="35000"/>
+                  </a:schemeClr>
+                </a:solidFill>
+                <a:latin typeface="+mn-lt"/>
+                <a:ea typeface="+mn-ea"/>
+                <a:cs typeface="+mn-cs"/>
+              </a:defRPr>
+            </a:lvl5pPr>
+            <a:lvl6pPr marL="2514600" indent="-228600" algn="l" defTabSz="914400" rtl="0" eaLnBrk="1" latinLnBrk="0" hangingPunct="1">
+              <a:lnSpc>
+                <a:spcPct val="110000"/>
+              </a:lnSpc>
+              <a:spcBef>
+                <a:spcPts val="700"/>
+              </a:spcBef>
+              <a:buClr>
+                <a:schemeClr val="tx2"/>
+              </a:buClr>
+              <a:buFont typeface="Gill Sans MT" panose="020B0502020104020203" pitchFamily="34" charset="0"/>
+              <a:buChar char="–"/>
+              <a:defRPr kumimoji="1" sz="1400" kern="1200">
+                <a:solidFill>
+                  <a:schemeClr val="tx1">
+                    <a:lumMod val="65000"/>
+                    <a:lumOff val="35000"/>
+                  </a:schemeClr>
+                </a:solidFill>
+                <a:latin typeface="+mn-lt"/>
+                <a:ea typeface="+mn-ea"/>
+                <a:cs typeface="+mn-cs"/>
+              </a:defRPr>
+            </a:lvl6pPr>
+            <a:lvl7pPr marL="2971800" indent="-228600" algn="l" defTabSz="914400" rtl="0" eaLnBrk="1" latinLnBrk="0" hangingPunct="1">
+              <a:lnSpc>
+                <a:spcPct val="110000"/>
+              </a:lnSpc>
+              <a:spcBef>
+                <a:spcPts val="700"/>
+              </a:spcBef>
+              <a:buClr>
+                <a:schemeClr val="tx2"/>
+              </a:buClr>
+              <a:buFont typeface="Arial" panose="020B0604020202020204" pitchFamily="34" charset="0"/>
+              <a:buChar char="•"/>
+              <a:defRPr kumimoji="1" sz="1400" kern="1200">
+                <a:solidFill>
+                  <a:schemeClr val="tx1">
+                    <a:lumMod val="65000"/>
+                    <a:lumOff val="35000"/>
+                  </a:schemeClr>
+                </a:solidFill>
+                <a:latin typeface="+mn-lt"/>
+                <a:ea typeface="+mn-ea"/>
+                <a:cs typeface="+mn-cs"/>
+              </a:defRPr>
+            </a:lvl7pPr>
+            <a:lvl8pPr marL="3429000" indent="-228600" algn="l" defTabSz="914400" rtl="0" eaLnBrk="1" latinLnBrk="0" hangingPunct="1">
+              <a:lnSpc>
+                <a:spcPct val="110000"/>
+              </a:lnSpc>
+              <a:spcBef>
+                <a:spcPts val="700"/>
+              </a:spcBef>
+              <a:buClr>
+                <a:schemeClr val="tx2"/>
+              </a:buClr>
+              <a:buFont typeface="Gill Sans MT" panose="020B0502020104020203" pitchFamily="34" charset="0"/>
+              <a:buChar char="–"/>
+              <a:defRPr kumimoji="1" sz="1400" kern="1200" baseline="0">
+                <a:solidFill>
+                  <a:schemeClr val="tx1">
+                    <a:lumMod val="65000"/>
+                    <a:lumOff val="35000"/>
+                  </a:schemeClr>
+                </a:solidFill>
+                <a:latin typeface="+mn-lt"/>
+                <a:ea typeface="+mn-ea"/>
+                <a:cs typeface="+mn-cs"/>
+              </a:defRPr>
+            </a:lvl8pPr>
+            <a:lvl9pPr marL="3886200" indent="-228600" algn="l" defTabSz="914400" rtl="0" eaLnBrk="1" latinLnBrk="0" hangingPunct="1">
+              <a:lnSpc>
+                <a:spcPct val="110000"/>
+              </a:lnSpc>
+              <a:spcBef>
+                <a:spcPts val="700"/>
+              </a:spcBef>
+              <a:buClr>
+                <a:schemeClr val="tx2"/>
+              </a:buClr>
+              <a:buFont typeface="Arial" panose="020B0604020202020204" pitchFamily="34" charset="0"/>
+              <a:buChar char="•"/>
+              <a:defRPr kumimoji="1" sz="1400" kern="1200" baseline="0">
+                <a:solidFill>
+                  <a:schemeClr val="tx1">
+                    <a:lumMod val="65000"/>
+                    <a:lumOff val="35000"/>
+                  </a:schemeClr>
+                </a:solidFill>
+                <a:latin typeface="+mn-lt"/>
+                <a:ea typeface="+mn-ea"/>
+                <a:cs typeface="+mn-cs"/>
+              </a:defRPr>
+            </a:lvl9pPr>
+          </a:lstStyle>
+          <a:p>
+            <a:pPr marL="457200" indent="-457200">
+              <a:buFont typeface="+mj-lt"/>
+              <a:buAutoNum type="arabicPeriod"/>
+            </a:pPr>
+            <a:r>
               <a:rPr lang="ja-JP" altLang="en-US" sz="1800" dirty="0">
                 <a:solidFill>
                   <a:schemeClr val="tx1"/>
@@ -12699,7 +14019,7 @@
 </p:sld>
 </file>
 
-<file path=ppt/slides/slide11.xml><?xml version="1.0" encoding="utf-8"?>
+<file path=ppt/slides/slide12.xml><?xml version="1.0" encoding="utf-8"?>
 <p:sld xmlns:a="http://schemas.openxmlformats.org/drawingml/2006/main" xmlns:r="http://schemas.openxmlformats.org/officeDocument/2006/relationships" xmlns:p="http://schemas.openxmlformats.org/presentationml/2006/main">
   <p:cSld>
     <p:spTree>
@@ -13461,6 +14781,239 @@
           <a:lstStyle/>
           <a:p>
             <a:r>
+              <a:rPr lang="ja-JP" altLang="en-US" dirty="0"/>
+              <a:t>自己紹介</a:t>
+            </a:r>
+            <a:endParaRPr kumimoji="1" lang="ja-JP" altLang="en-US" dirty="0"/>
+          </a:p>
+        </p:txBody>
+      </p:sp>
+      <p:sp>
+        <p:nvSpPr>
+          <p:cNvPr id="3" name="コンテンツ プレースホルダー 2"/>
+          <p:cNvSpPr>
+            <a:spLocks noGrp="1"/>
+          </p:cNvSpPr>
+          <p:nvPr>
+            <p:ph idx="1"/>
+          </p:nvPr>
+        </p:nvSpPr>
+        <p:spPr>
+          <a:xfrm>
+            <a:off x="1251678" y="1536700"/>
+            <a:ext cx="10178322" cy="5067299"/>
+          </a:xfrm>
+        </p:spPr>
+        <p:txBody>
+          <a:bodyPr>
+            <a:normAutofit/>
+          </a:bodyPr>
+          <a:lstStyle/>
+          <a:p>
+            <a:r>
+              <a:rPr lang="ja-JP" altLang="en-US" dirty="0"/>
+              <a:t>名前 池田公平　ペンネーム　五代響</a:t>
+            </a:r>
+            <a:endParaRPr lang="en-US" altLang="ja-JP" dirty="0"/>
+          </a:p>
+          <a:p>
+            <a:r>
+              <a:rPr lang="ja-JP" altLang="en-US" dirty="0"/>
+              <a:t>年齢 </a:t>
+            </a:r>
+            <a:r>
+              <a:rPr lang="en-US" altLang="ja-JP" dirty="0"/>
+              <a:t>29</a:t>
+            </a:r>
+            <a:r>
+              <a:rPr lang="ja-JP" altLang="en-US" dirty="0"/>
+              <a:t>歳と</a:t>
+            </a:r>
+            <a:r>
+              <a:rPr lang="en-US" altLang="ja-JP" dirty="0"/>
+              <a:t>311</a:t>
+            </a:r>
+            <a:r>
+              <a:rPr lang="ja-JP" altLang="en-US" dirty="0"/>
+              <a:t>ヶ月</a:t>
+            </a:r>
+            <a:endParaRPr lang="en-US" altLang="ja-JP" dirty="0"/>
+          </a:p>
+          <a:p>
+            <a:r>
+              <a:rPr lang="ja-JP" altLang="en-US" dirty="0"/>
+              <a:t>職業 ソフトウエアエンジニア </a:t>
+            </a:r>
+            <a:r>
+              <a:rPr lang="en-US" altLang="ja-JP" dirty="0"/>
+              <a:t>(C++</a:t>
+            </a:r>
+            <a:r>
+              <a:rPr lang="ja-JP" altLang="en-US" dirty="0"/>
+              <a:t>とアセンブラが大好き</a:t>
+            </a:r>
+            <a:r>
+              <a:rPr lang="en-US" altLang="ja-JP" dirty="0"/>
+              <a:t>)</a:t>
+            </a:r>
+          </a:p>
+          <a:p>
+            <a:pPr lvl="1"/>
+            <a:r>
+              <a:rPr lang="ja-JP" altLang="en-US" dirty="0"/>
+              <a:t>副業　会社社長、コンサルタント、  </a:t>
+            </a:r>
+            <a:r>
+              <a:rPr lang="en-US" altLang="ja-JP" dirty="0"/>
+              <a:t>GAME MUSIC </a:t>
+            </a:r>
+            <a:r>
+              <a:rPr lang="ja-JP" altLang="en-US" dirty="0"/>
+              <a:t>コンポーサ</a:t>
+            </a:r>
+            <a:endParaRPr lang="en-US" altLang="ja-JP" dirty="0"/>
+          </a:p>
+          <a:p>
+            <a:r>
+              <a:rPr lang="ja-JP" altLang="en-US" dirty="0"/>
+              <a:t>略歴</a:t>
+            </a:r>
+            <a:endParaRPr lang="en-US" altLang="ja-JP" dirty="0"/>
+          </a:p>
+          <a:p>
+            <a:pPr lvl="1"/>
+            <a:r>
+              <a:rPr lang="en-US" altLang="ja-JP" dirty="0"/>
+              <a:t>1977</a:t>
+            </a:r>
+            <a:r>
+              <a:rPr lang="ja-JP" altLang="en-US" dirty="0"/>
+              <a:t>年ごろ、マイクロコンピューターと出会う</a:t>
+            </a:r>
+            <a:endParaRPr lang="en-US" altLang="ja-JP" dirty="0"/>
+          </a:p>
+          <a:p>
+            <a:pPr lvl="1"/>
+            <a:r>
+              <a:rPr lang="en-US" altLang="ja-JP" dirty="0"/>
+              <a:t>1980</a:t>
+            </a:r>
+            <a:r>
+              <a:rPr lang="ja-JP" altLang="en-US" dirty="0"/>
+              <a:t>年ごろ、（株）アスキーで</a:t>
+            </a:r>
+            <a:r>
+              <a:rPr lang="en-US" altLang="ja-JP" dirty="0"/>
+              <a:t>PC6001</a:t>
+            </a:r>
+            <a:r>
+              <a:rPr lang="ja-JP" altLang="en-US" dirty="0"/>
+              <a:t>や</a:t>
+            </a:r>
+            <a:r>
+              <a:rPr lang="en-US" altLang="ja-JP" dirty="0"/>
+              <a:t>MSX</a:t>
+            </a:r>
+            <a:r>
+              <a:rPr lang="ja-JP" altLang="en-US" dirty="0"/>
+              <a:t>用のゲームを製作</a:t>
+            </a:r>
+            <a:endParaRPr lang="en-US" altLang="ja-JP" dirty="0"/>
+          </a:p>
+          <a:p>
+            <a:pPr lvl="1"/>
+            <a:r>
+              <a:rPr lang="en-US" altLang="ja-JP" dirty="0"/>
+              <a:t>1984</a:t>
+            </a:r>
+            <a:r>
+              <a:rPr lang="ja-JP" altLang="en-US" dirty="0"/>
+              <a:t>年、（株）ゲームアーツ設立。テグザー・シルフィードなどを手掛ける</a:t>
+            </a:r>
+            <a:endParaRPr lang="en-US" altLang="ja-JP" dirty="0"/>
+          </a:p>
+          <a:p>
+            <a:pPr lvl="1"/>
+            <a:r>
+              <a:rPr lang="en-US" altLang="ja-JP" dirty="0"/>
+              <a:t>1989</a:t>
+            </a:r>
+            <a:r>
+              <a:rPr lang="ja-JP" altLang="en-US" dirty="0"/>
+              <a:t>年、（有）テクニカルアーツ設立。</a:t>
+            </a:r>
+            <a:endParaRPr lang="en-US" altLang="ja-JP" dirty="0"/>
+          </a:p>
+          <a:p>
+            <a:pPr lvl="1"/>
+            <a:r>
+              <a:rPr lang="en-US" altLang="ja-JP" dirty="0"/>
+              <a:t>2003</a:t>
+            </a:r>
+            <a:r>
+              <a:rPr lang="ja-JP" altLang="en-US" dirty="0"/>
+              <a:t>年、ソフトウエア研究会発足</a:t>
+            </a:r>
+            <a:endParaRPr lang="en-US" altLang="ja-JP" dirty="0"/>
+          </a:p>
+          <a:p>
+            <a:r>
+              <a:rPr lang="ja-JP" altLang="en-US" dirty="0"/>
+              <a:t>好きな事　オートバイレース、スキー、ワイン、写真、鉄道、テニス</a:t>
+            </a:r>
+            <a:endParaRPr lang="en-US" altLang="ja-JP" dirty="0"/>
+          </a:p>
+          <a:p>
+            <a:endParaRPr kumimoji="1" lang="ja-JP" altLang="en-US" dirty="0"/>
+          </a:p>
+        </p:txBody>
+      </p:sp>
+    </p:spTree>
+    <p:extLst>
+      <p:ext uri="{BB962C8B-B14F-4D97-AF65-F5344CB8AC3E}">
+        <p14:creationId xmlns:p14="http://schemas.microsoft.com/office/powerpoint/2010/main" val="186714612"/>
+      </p:ext>
+    </p:extLst>
+  </p:cSld>
+  <p:clrMapOvr>
+    <a:masterClrMapping/>
+  </p:clrMapOvr>
+</p:sld>
+</file>
+
+<file path=ppt/slides/slide3.xml><?xml version="1.0" encoding="utf-8"?>
+<p:sld xmlns:a="http://schemas.openxmlformats.org/drawingml/2006/main" xmlns:r="http://schemas.openxmlformats.org/officeDocument/2006/relationships" xmlns:p="http://schemas.openxmlformats.org/presentationml/2006/main">
+  <p:cSld>
+    <p:spTree>
+      <p:nvGrpSpPr>
+        <p:cNvPr id="1" name=""/>
+        <p:cNvGrpSpPr/>
+        <p:nvPr/>
+      </p:nvGrpSpPr>
+      <p:grpSpPr>
+        <a:xfrm>
+          <a:off x="0" y="0"/>
+          <a:ext cx="0" cy="0"/>
+          <a:chOff x="0" y="0"/>
+          <a:chExt cx="0" cy="0"/>
+        </a:xfrm>
+      </p:grpSpPr>
+      <p:sp>
+        <p:nvSpPr>
+          <p:cNvPr id="2" name="タイトル 1"/>
+          <p:cNvSpPr>
+            <a:spLocks noGrp="1"/>
+          </p:cNvSpPr>
+          <p:nvPr>
+            <p:ph type="title"/>
+          </p:nvPr>
+        </p:nvSpPr>
+        <p:spPr/>
+        <p:txBody>
+          <a:bodyPr/>
+          <a:lstStyle/>
+          <a:p>
+            <a:r>
               <a:rPr kumimoji="1" lang="ja-JP" altLang="en-US" dirty="0">
                 <a:latin typeface="ＤＦＧ綜藝体W5" panose="040B0500000000000000" pitchFamily="50" charset="-128"/>
                 <a:ea typeface="ＤＦＧ綜藝体W5" panose="040B0500000000000000" pitchFamily="50" charset="-128"/>
@@ -13534,7 +15087,7 @@
 </p:sld>
 </file>
 
-<file path=ppt/slides/slide3.xml><?xml version="1.0" encoding="utf-8"?>
+<file path=ppt/slides/slide4.xml><?xml version="1.0" encoding="utf-8"?>
 <p:sld xmlns:a="http://schemas.openxmlformats.org/drawingml/2006/main" xmlns:r="http://schemas.openxmlformats.org/officeDocument/2006/relationships" xmlns:p="http://schemas.openxmlformats.org/presentationml/2006/main">
   <p:cSld>
     <p:spTree>
@@ -13966,7 +15519,7 @@
 </p:sld>
 </file>
 
-<file path=ppt/slides/slide4.xml><?xml version="1.0" encoding="utf-8"?>
+<file path=ppt/slides/slide5.xml><?xml version="1.0" encoding="utf-8"?>
 <p:sld xmlns:a="http://schemas.openxmlformats.org/drawingml/2006/main" xmlns:r="http://schemas.openxmlformats.org/officeDocument/2006/relationships" xmlns:p="http://schemas.openxmlformats.org/presentationml/2006/main">
   <p:cSld>
     <p:spTree>
@@ -14931,7 +16484,7 @@
 </p:sld>
 </file>
 
-<file path=ppt/slides/slide5.xml><?xml version="1.0" encoding="utf-8"?>
+<file path=ppt/slides/slide6.xml><?xml version="1.0" encoding="utf-8"?>
 <p:sld xmlns:a="http://schemas.openxmlformats.org/drawingml/2006/main" xmlns:r="http://schemas.openxmlformats.org/officeDocument/2006/relationships" xmlns:p="http://schemas.openxmlformats.org/presentationml/2006/main">
   <p:cSld>
     <p:spTree>
@@ -15931,7 +17484,7 @@
 </p:sld>
 </file>
 
-<file path=ppt/slides/slide6.xml><?xml version="1.0" encoding="utf-8"?>
+<file path=ppt/slides/slide7.xml><?xml version="1.0" encoding="utf-8"?>
 <p:sld xmlns:a="http://schemas.openxmlformats.org/drawingml/2006/main" xmlns:r="http://schemas.openxmlformats.org/officeDocument/2006/relationships" xmlns:p="http://schemas.openxmlformats.org/presentationml/2006/main">
   <p:cSld>
     <p:spTree>
@@ -18182,7 +19735,7 @@
 </p:sld>
 </file>
 
-<file path=ppt/slides/slide7.xml><?xml version="1.0" encoding="utf-8"?>
+<file path=ppt/slides/slide8.xml><?xml version="1.0" encoding="utf-8"?>
 <p:sld xmlns:a="http://schemas.openxmlformats.org/drawingml/2006/main" xmlns:r="http://schemas.openxmlformats.org/officeDocument/2006/relationships" xmlns:p="http://schemas.openxmlformats.org/presentationml/2006/main">
   <p:cSld>
     <p:spTree>
@@ -19435,7 +20988,7 @@
 </p:sld>
 </file>
 
-<file path=ppt/slides/slide8.xml><?xml version="1.0" encoding="utf-8"?>
+<file path=ppt/slides/slide9.xml><?xml version="1.0" encoding="utf-8"?>
 <p:sld xmlns:a="http://schemas.openxmlformats.org/drawingml/2006/main" xmlns:r="http://schemas.openxmlformats.org/officeDocument/2006/relationships" xmlns:p="http://schemas.openxmlformats.org/presentationml/2006/main">
   <p:cSld>
     <p:spTree>
@@ -20937,1251 +22490,6 @@
     <p:extLst>
       <p:ext uri="{BB962C8B-B14F-4D97-AF65-F5344CB8AC3E}">
         <p14:creationId xmlns:p14="http://schemas.microsoft.com/office/powerpoint/2010/main" val="537598496"/>
-      </p:ext>
-    </p:extLst>
-  </p:cSld>
-  <p:clrMapOvr>
-    <a:masterClrMapping/>
-  </p:clrMapOvr>
-</p:sld>
-</file>
-
-<file path=ppt/slides/slide9.xml><?xml version="1.0" encoding="utf-8"?>
-<p:sld xmlns:a="http://schemas.openxmlformats.org/drawingml/2006/main" xmlns:r="http://schemas.openxmlformats.org/officeDocument/2006/relationships" xmlns:p="http://schemas.openxmlformats.org/presentationml/2006/main">
-  <p:cSld>
-    <p:spTree>
-      <p:nvGrpSpPr>
-        <p:cNvPr id="1" name=""/>
-        <p:cNvGrpSpPr/>
-        <p:nvPr/>
-      </p:nvGrpSpPr>
-      <p:grpSpPr>
-        <a:xfrm>
-          <a:off x="0" y="0"/>
-          <a:ext cx="0" cy="0"/>
-          <a:chOff x="0" y="0"/>
-          <a:chExt cx="0" cy="0"/>
-        </a:xfrm>
-      </p:grpSpPr>
-      <p:sp>
-        <p:nvSpPr>
-          <p:cNvPr id="15" name="四角形: 角を丸くする 14"/>
-          <p:cNvSpPr/>
-          <p:nvPr/>
-        </p:nvSpPr>
-        <p:spPr>
-          <a:xfrm>
-            <a:off x="6299196" y="1458685"/>
-            <a:ext cx="5107352" cy="5152572"/>
-          </a:xfrm>
-          <a:prstGeom prst="roundRect">
-            <a:avLst/>
-          </a:prstGeom>
-          <a:noFill/>
-          <a:ln w="9525" cap="flat" cmpd="sng" algn="ctr">
-            <a:solidFill>
-              <a:schemeClr val="accent2"/>
-            </a:solidFill>
-            <a:prstDash val="solid"/>
-            <a:round/>
-            <a:headEnd type="none" w="med" len="med"/>
-            <a:tailEnd type="none" w="med" len="med"/>
-          </a:ln>
-        </p:spPr>
-        <p:style>
-          <a:lnRef idx="0">
-            <a:scrgbClr r="0" g="0" b="0"/>
-          </a:lnRef>
-          <a:fillRef idx="0">
-            <a:scrgbClr r="0" g="0" b="0"/>
-          </a:fillRef>
-          <a:effectRef idx="0">
-            <a:scrgbClr r="0" g="0" b="0"/>
-          </a:effectRef>
-          <a:fontRef idx="minor">
-            <a:schemeClr val="accent2"/>
-          </a:fontRef>
-        </p:style>
-        <p:txBody>
-          <a:bodyPr rtlCol="0" anchor="ctr"/>
-          <a:lstStyle/>
-          <a:p>
-            <a:pPr algn="ctr"/>
-            <a:endParaRPr kumimoji="1" lang="ja-JP" altLang="en-US"/>
-          </a:p>
-        </p:txBody>
-      </p:sp>
-      <p:sp>
-        <p:nvSpPr>
-          <p:cNvPr id="14" name="四角形: 角を丸くする 13"/>
-          <p:cNvSpPr/>
-          <p:nvPr/>
-        </p:nvSpPr>
-        <p:spPr>
-          <a:xfrm>
-            <a:off x="1146622" y="1480455"/>
-            <a:ext cx="4630057" cy="5152571"/>
-          </a:xfrm>
-          <a:prstGeom prst="roundRect">
-            <a:avLst/>
-          </a:prstGeom>
-          <a:solidFill>
-            <a:schemeClr val="accent1">
-              <a:alpha val="50000"/>
-            </a:schemeClr>
-          </a:solidFill>
-          <a:ln>
-            <a:noFill/>
-          </a:ln>
-        </p:spPr>
-        <p:style>
-          <a:lnRef idx="0">
-            <a:scrgbClr r="0" g="0" b="0"/>
-          </a:lnRef>
-          <a:fillRef idx="0">
-            <a:scrgbClr r="0" g="0" b="0"/>
-          </a:fillRef>
-          <a:effectRef idx="0">
-            <a:scrgbClr r="0" g="0" b="0"/>
-          </a:effectRef>
-          <a:fontRef idx="minor">
-            <a:schemeClr val="lt1"/>
-          </a:fontRef>
-        </p:style>
-        <p:txBody>
-          <a:bodyPr rtlCol="0" anchor="ctr"/>
-          <a:lstStyle/>
-          <a:p>
-            <a:pPr algn="ctr"/>
-            <a:endParaRPr kumimoji="1" lang="ja-JP" altLang="en-US" dirty="0"/>
-          </a:p>
-        </p:txBody>
-      </p:sp>
-      <p:sp>
-        <p:nvSpPr>
-          <p:cNvPr id="2" name="タイトル 1"/>
-          <p:cNvSpPr>
-            <a:spLocks noGrp="1"/>
-          </p:cNvSpPr>
-          <p:nvPr>
-            <p:ph type="title"/>
-          </p:nvPr>
-        </p:nvSpPr>
-        <p:spPr>
-          <a:xfrm>
-            <a:off x="1251678" y="271486"/>
-            <a:ext cx="10178322" cy="768192"/>
-          </a:xfrm>
-          <a:ln/>
-        </p:spPr>
-        <p:style>
-          <a:lnRef idx="1">
-            <a:schemeClr val="accent5"/>
-          </a:lnRef>
-          <a:fillRef idx="2">
-            <a:schemeClr val="accent5"/>
-          </a:fillRef>
-          <a:effectRef idx="1">
-            <a:schemeClr val="accent5"/>
-          </a:effectRef>
-          <a:fontRef idx="minor">
-            <a:schemeClr val="dk1"/>
-          </a:fontRef>
-        </p:style>
-        <p:txBody>
-          <a:bodyPr anchor="ctr">
-            <a:normAutofit fontScale="90000"/>
-          </a:bodyPr>
-          <a:lstStyle/>
-          <a:p>
-            <a:pPr algn="ctr"/>
-            <a:r>
-              <a:rPr lang="en-US" altLang="ja-JP" dirty="0">
-                <a:latin typeface="ＤＦＧ綜藝体W5" panose="040B0500000000000000" pitchFamily="50" charset="-128"/>
-                <a:ea typeface="ＤＦＧ綜藝体W5" panose="040B0500000000000000" pitchFamily="50" charset="-128"/>
-              </a:rPr>
-              <a:t>step-6</a:t>
-            </a:r>
-            <a:r>
-              <a:rPr kumimoji="1" lang="ja-JP" altLang="en-US" dirty="0">
-                <a:latin typeface="ＤＦＧ綜藝体W5" panose="040B0500000000000000" pitchFamily="50" charset="-128"/>
-                <a:ea typeface="ＤＦＧ綜藝体W5" panose="040B0500000000000000" pitchFamily="50" charset="-128"/>
-              </a:rPr>
-              <a:t>　結果を</a:t>
-            </a:r>
-            <a:r>
-              <a:rPr kumimoji="1" lang="ja-JP" altLang="en-US" dirty="0">
-                <a:solidFill>
-                  <a:srgbClr val="FF0000"/>
-                </a:solidFill>
-                <a:latin typeface="ＤＦＧ綜藝体W5" panose="040B0500000000000000" pitchFamily="50" charset="-128"/>
-                <a:ea typeface="ＤＦＧ綜藝体W5" panose="040B0500000000000000" pitchFamily="50" charset="-128"/>
-              </a:rPr>
-              <a:t>評価</a:t>
-            </a:r>
-            <a:r>
-              <a:rPr kumimoji="1" lang="ja-JP" altLang="en-US" dirty="0">
-                <a:latin typeface="ＤＦＧ綜藝体W5" panose="040B0500000000000000" pitchFamily="50" charset="-128"/>
-                <a:ea typeface="ＤＦＧ綜藝体W5" panose="040B0500000000000000" pitchFamily="50" charset="-128"/>
-              </a:rPr>
-              <a:t>する</a:t>
-            </a:r>
-          </a:p>
-        </p:txBody>
-      </p:sp>
-      <p:sp>
-        <p:nvSpPr>
-          <p:cNvPr id="3" name="コンテンツ プレースホルダー 2"/>
-          <p:cNvSpPr>
-            <a:spLocks noGrp="1"/>
-          </p:cNvSpPr>
-          <p:nvPr>
-            <p:ph idx="1"/>
-          </p:nvPr>
-        </p:nvSpPr>
-        <p:spPr>
-          <a:xfrm>
-            <a:off x="1600014" y="1851028"/>
-            <a:ext cx="4046039" cy="1240515"/>
-          </a:xfrm>
-        </p:spPr>
-        <p:txBody>
-          <a:bodyPr>
-            <a:normAutofit fontScale="92500" lnSpcReduction="20000"/>
-          </a:bodyPr>
-          <a:lstStyle/>
-          <a:p>
-            <a:pPr marL="0" indent="0">
-              <a:buNone/>
-            </a:pPr>
-            <a:r>
-              <a:rPr lang="ja-JP" altLang="en-US" dirty="0">
-                <a:solidFill>
-                  <a:schemeClr val="tx1"/>
-                </a:solidFill>
-              </a:rPr>
-              <a:t>結果を確認します。</a:t>
-            </a:r>
-            <a:endParaRPr lang="en-US" altLang="ja-JP" dirty="0">
-              <a:solidFill>
-                <a:schemeClr val="tx1"/>
-              </a:solidFill>
-            </a:endParaRPr>
-          </a:p>
-          <a:p>
-            <a:pPr marL="0" indent="0">
-              <a:buNone/>
-            </a:pPr>
-            <a:r>
-              <a:rPr kumimoji="1" lang="ja-JP" altLang="en-US" dirty="0">
-                <a:solidFill>
-                  <a:schemeClr val="tx1"/>
-                </a:solidFill>
-              </a:rPr>
-              <a:t>改善が不十分な場合や、予期せぬ弊害がある場合、解決策の見直しや改善を図ります。</a:t>
-            </a:r>
-          </a:p>
-        </p:txBody>
-      </p:sp>
-      <p:sp>
-        <p:nvSpPr>
-          <p:cNvPr id="8" name="コンテンツ プレースホルダー 2"/>
-          <p:cNvSpPr txBox="1">
-            <a:spLocks/>
-          </p:cNvSpPr>
-          <p:nvPr/>
-        </p:nvSpPr>
-        <p:spPr>
-          <a:xfrm>
-            <a:off x="6667495" y="1549036"/>
-            <a:ext cx="4370753" cy="339997"/>
-          </a:xfrm>
-          <a:prstGeom prst="rect">
-            <a:avLst/>
-          </a:prstGeom>
-        </p:spPr>
-        <p:txBody>
-          <a:bodyPr vert="horz" lIns="91440" tIns="45720" rIns="91440" bIns="45720" rtlCol="0">
-            <a:normAutofit fontScale="85000" lnSpcReduction="20000"/>
-          </a:bodyPr>
-          <a:lstStyle>
-            <a:lvl1pPr marL="228600" indent="-228600" algn="l" defTabSz="914400" rtl="0" eaLnBrk="1" latinLnBrk="0" hangingPunct="1">
-              <a:lnSpc>
-                <a:spcPct val="110000"/>
-              </a:lnSpc>
-              <a:spcBef>
-                <a:spcPts val="700"/>
-              </a:spcBef>
-              <a:buClr>
-                <a:schemeClr val="tx2"/>
-              </a:buClr>
-              <a:buFont typeface="Arial" panose="020B0604020202020204" pitchFamily="34" charset="0"/>
-              <a:buChar char="•"/>
-              <a:defRPr kumimoji="1" sz="2000" kern="1200">
-                <a:solidFill>
-                  <a:schemeClr val="tx1">
-                    <a:lumMod val="65000"/>
-                    <a:lumOff val="35000"/>
-                  </a:schemeClr>
-                </a:solidFill>
-                <a:latin typeface="+mn-lt"/>
-                <a:ea typeface="+mn-ea"/>
-                <a:cs typeface="+mn-cs"/>
-              </a:defRPr>
-            </a:lvl1pPr>
-            <a:lvl2pPr marL="685800" indent="-228600" algn="l" defTabSz="914400" rtl="0" eaLnBrk="1" latinLnBrk="0" hangingPunct="1">
-              <a:lnSpc>
-                <a:spcPct val="110000"/>
-              </a:lnSpc>
-              <a:spcBef>
-                <a:spcPts val="700"/>
-              </a:spcBef>
-              <a:buClr>
-                <a:schemeClr val="tx2"/>
-              </a:buClr>
-              <a:buFont typeface="Gill Sans MT" panose="020B0502020104020203" pitchFamily="34" charset="0"/>
-              <a:buChar char="–"/>
-              <a:defRPr kumimoji="1" sz="1800" kern="1200">
-                <a:solidFill>
-                  <a:schemeClr val="tx1">
-                    <a:lumMod val="65000"/>
-                    <a:lumOff val="35000"/>
-                  </a:schemeClr>
-                </a:solidFill>
-                <a:latin typeface="+mn-lt"/>
-                <a:ea typeface="+mn-ea"/>
-                <a:cs typeface="+mn-cs"/>
-              </a:defRPr>
-            </a:lvl2pPr>
-            <a:lvl3pPr marL="1143000" indent="-228600" algn="l" defTabSz="914400" rtl="0" eaLnBrk="1" latinLnBrk="0" hangingPunct="1">
-              <a:lnSpc>
-                <a:spcPct val="110000"/>
-              </a:lnSpc>
-              <a:spcBef>
-                <a:spcPts val="700"/>
-              </a:spcBef>
-              <a:buClr>
-                <a:schemeClr val="tx2"/>
-              </a:buClr>
-              <a:buFont typeface="Arial" panose="020B0604020202020204" pitchFamily="34" charset="0"/>
-              <a:buChar char="•"/>
-              <a:defRPr kumimoji="1" sz="1600" kern="1200">
-                <a:solidFill>
-                  <a:schemeClr val="tx1">
-                    <a:lumMod val="65000"/>
-                    <a:lumOff val="35000"/>
-                  </a:schemeClr>
-                </a:solidFill>
-                <a:latin typeface="+mn-lt"/>
-                <a:ea typeface="+mn-ea"/>
-                <a:cs typeface="+mn-cs"/>
-              </a:defRPr>
-            </a:lvl3pPr>
-            <a:lvl4pPr marL="1600200" indent="-228600" algn="l" defTabSz="914400" rtl="0" eaLnBrk="1" latinLnBrk="0" hangingPunct="1">
-              <a:lnSpc>
-                <a:spcPct val="110000"/>
-              </a:lnSpc>
-              <a:spcBef>
-                <a:spcPts val="700"/>
-              </a:spcBef>
-              <a:buClr>
-                <a:schemeClr val="tx2"/>
-              </a:buClr>
-              <a:buFont typeface="Gill Sans MT" panose="020B0502020104020203" pitchFamily="34" charset="0"/>
-              <a:buChar char="–"/>
-              <a:defRPr kumimoji="1" sz="1400" kern="1200">
-                <a:solidFill>
-                  <a:schemeClr val="tx1">
-                    <a:lumMod val="65000"/>
-                    <a:lumOff val="35000"/>
-                  </a:schemeClr>
-                </a:solidFill>
-                <a:latin typeface="+mn-lt"/>
-                <a:ea typeface="+mn-ea"/>
-                <a:cs typeface="+mn-cs"/>
-              </a:defRPr>
-            </a:lvl4pPr>
-            <a:lvl5pPr marL="2057400" indent="-228600" algn="l" defTabSz="914400" rtl="0" eaLnBrk="1" latinLnBrk="0" hangingPunct="1">
-              <a:lnSpc>
-                <a:spcPct val="110000"/>
-              </a:lnSpc>
-              <a:spcBef>
-                <a:spcPts val="700"/>
-              </a:spcBef>
-              <a:buClr>
-                <a:schemeClr val="tx2"/>
-              </a:buClr>
-              <a:buFont typeface="Arial" panose="020B0604020202020204" pitchFamily="34" charset="0"/>
-              <a:buChar char="•"/>
-              <a:defRPr kumimoji="1" sz="1400" kern="1200">
-                <a:solidFill>
-                  <a:schemeClr val="tx1">
-                    <a:lumMod val="65000"/>
-                    <a:lumOff val="35000"/>
-                  </a:schemeClr>
-                </a:solidFill>
-                <a:latin typeface="+mn-lt"/>
-                <a:ea typeface="+mn-ea"/>
-                <a:cs typeface="+mn-cs"/>
-              </a:defRPr>
-            </a:lvl5pPr>
-            <a:lvl6pPr marL="2514600" indent="-228600" algn="l" defTabSz="914400" rtl="0" eaLnBrk="1" latinLnBrk="0" hangingPunct="1">
-              <a:lnSpc>
-                <a:spcPct val="110000"/>
-              </a:lnSpc>
-              <a:spcBef>
-                <a:spcPts val="700"/>
-              </a:spcBef>
-              <a:buClr>
-                <a:schemeClr val="tx2"/>
-              </a:buClr>
-              <a:buFont typeface="Gill Sans MT" panose="020B0502020104020203" pitchFamily="34" charset="0"/>
-              <a:buChar char="–"/>
-              <a:defRPr kumimoji="1" sz="1400" kern="1200">
-                <a:solidFill>
-                  <a:schemeClr val="tx1">
-                    <a:lumMod val="65000"/>
-                    <a:lumOff val="35000"/>
-                  </a:schemeClr>
-                </a:solidFill>
-                <a:latin typeface="+mn-lt"/>
-                <a:ea typeface="+mn-ea"/>
-                <a:cs typeface="+mn-cs"/>
-              </a:defRPr>
-            </a:lvl6pPr>
-            <a:lvl7pPr marL="2971800" indent="-228600" algn="l" defTabSz="914400" rtl="0" eaLnBrk="1" latinLnBrk="0" hangingPunct="1">
-              <a:lnSpc>
-                <a:spcPct val="110000"/>
-              </a:lnSpc>
-              <a:spcBef>
-                <a:spcPts val="700"/>
-              </a:spcBef>
-              <a:buClr>
-                <a:schemeClr val="tx2"/>
-              </a:buClr>
-              <a:buFont typeface="Arial" panose="020B0604020202020204" pitchFamily="34" charset="0"/>
-              <a:buChar char="•"/>
-              <a:defRPr kumimoji="1" sz="1400" kern="1200">
-                <a:solidFill>
-                  <a:schemeClr val="tx1">
-                    <a:lumMod val="65000"/>
-                    <a:lumOff val="35000"/>
-                  </a:schemeClr>
-                </a:solidFill>
-                <a:latin typeface="+mn-lt"/>
-                <a:ea typeface="+mn-ea"/>
-                <a:cs typeface="+mn-cs"/>
-              </a:defRPr>
-            </a:lvl7pPr>
-            <a:lvl8pPr marL="3429000" indent="-228600" algn="l" defTabSz="914400" rtl="0" eaLnBrk="1" latinLnBrk="0" hangingPunct="1">
-              <a:lnSpc>
-                <a:spcPct val="110000"/>
-              </a:lnSpc>
-              <a:spcBef>
-                <a:spcPts val="700"/>
-              </a:spcBef>
-              <a:buClr>
-                <a:schemeClr val="tx2"/>
-              </a:buClr>
-              <a:buFont typeface="Gill Sans MT" panose="020B0502020104020203" pitchFamily="34" charset="0"/>
-              <a:buChar char="–"/>
-              <a:defRPr kumimoji="1" sz="1400" kern="1200" baseline="0">
-                <a:solidFill>
-                  <a:schemeClr val="tx1">
-                    <a:lumMod val="65000"/>
-                    <a:lumOff val="35000"/>
-                  </a:schemeClr>
-                </a:solidFill>
-                <a:latin typeface="+mn-lt"/>
-                <a:ea typeface="+mn-ea"/>
-                <a:cs typeface="+mn-cs"/>
-              </a:defRPr>
-            </a:lvl8pPr>
-            <a:lvl9pPr marL="3886200" indent="-228600" algn="l" defTabSz="914400" rtl="0" eaLnBrk="1" latinLnBrk="0" hangingPunct="1">
-              <a:lnSpc>
-                <a:spcPct val="110000"/>
-              </a:lnSpc>
-              <a:spcBef>
-                <a:spcPts val="700"/>
-              </a:spcBef>
-              <a:buClr>
-                <a:schemeClr val="tx2"/>
-              </a:buClr>
-              <a:buFont typeface="Arial" panose="020B0604020202020204" pitchFamily="34" charset="0"/>
-              <a:buChar char="•"/>
-              <a:defRPr kumimoji="1" sz="1400" kern="1200" baseline="0">
-                <a:solidFill>
-                  <a:schemeClr val="tx1">
-                    <a:lumMod val="65000"/>
-                    <a:lumOff val="35000"/>
-                  </a:schemeClr>
-                </a:solidFill>
-                <a:latin typeface="+mn-lt"/>
-                <a:ea typeface="+mn-ea"/>
-                <a:cs typeface="+mn-cs"/>
-              </a:defRPr>
-            </a:lvl9pPr>
-          </a:lstStyle>
-          <a:p>
-            <a:pPr marL="0" indent="0" algn="ctr">
-              <a:buNone/>
-            </a:pPr>
-            <a:r>
-              <a:rPr lang="ja-JP" altLang="en-US" dirty="0">
-                <a:solidFill>
-                  <a:schemeClr val="tx1"/>
-                </a:solidFill>
-              </a:rPr>
-              <a:t>「エンバグが多い」という問題の例</a:t>
-            </a:r>
-          </a:p>
-        </p:txBody>
-      </p:sp>
-      <p:sp>
-        <p:nvSpPr>
-          <p:cNvPr id="17" name="コンテンツ プレースホルダー 2"/>
-          <p:cNvSpPr txBox="1">
-            <a:spLocks/>
-          </p:cNvSpPr>
-          <p:nvPr/>
-        </p:nvSpPr>
-        <p:spPr>
-          <a:xfrm>
-            <a:off x="1469388" y="3142343"/>
-            <a:ext cx="4176665" cy="3084286"/>
-          </a:xfrm>
-          <a:prstGeom prst="rect">
-            <a:avLst/>
-          </a:prstGeom>
-        </p:spPr>
-        <p:txBody>
-          <a:bodyPr vert="horz" lIns="91440" tIns="45720" rIns="91440" bIns="45720" rtlCol="0">
-            <a:normAutofit/>
-          </a:bodyPr>
-          <a:lstStyle>
-            <a:lvl1pPr marL="228600" indent="-228600" algn="l" defTabSz="914400" rtl="0" eaLnBrk="1" latinLnBrk="0" hangingPunct="1">
-              <a:lnSpc>
-                <a:spcPct val="110000"/>
-              </a:lnSpc>
-              <a:spcBef>
-                <a:spcPts val="700"/>
-              </a:spcBef>
-              <a:buClr>
-                <a:schemeClr val="tx2"/>
-              </a:buClr>
-              <a:buFont typeface="Arial" panose="020B0604020202020204" pitchFamily="34" charset="0"/>
-              <a:buChar char="•"/>
-              <a:defRPr kumimoji="1" sz="2000" kern="1200">
-                <a:solidFill>
-                  <a:schemeClr val="tx1">
-                    <a:lumMod val="65000"/>
-                    <a:lumOff val="35000"/>
-                  </a:schemeClr>
-                </a:solidFill>
-                <a:latin typeface="+mn-lt"/>
-                <a:ea typeface="+mn-ea"/>
-                <a:cs typeface="+mn-cs"/>
-              </a:defRPr>
-            </a:lvl1pPr>
-            <a:lvl2pPr marL="685800" indent="-228600" algn="l" defTabSz="914400" rtl="0" eaLnBrk="1" latinLnBrk="0" hangingPunct="1">
-              <a:lnSpc>
-                <a:spcPct val="110000"/>
-              </a:lnSpc>
-              <a:spcBef>
-                <a:spcPts val="700"/>
-              </a:spcBef>
-              <a:buClr>
-                <a:schemeClr val="tx2"/>
-              </a:buClr>
-              <a:buFont typeface="Gill Sans MT" panose="020B0502020104020203" pitchFamily="34" charset="0"/>
-              <a:buChar char="–"/>
-              <a:defRPr kumimoji="1" sz="1800" kern="1200">
-                <a:solidFill>
-                  <a:schemeClr val="tx1">
-                    <a:lumMod val="65000"/>
-                    <a:lumOff val="35000"/>
-                  </a:schemeClr>
-                </a:solidFill>
-                <a:latin typeface="+mn-lt"/>
-                <a:ea typeface="+mn-ea"/>
-                <a:cs typeface="+mn-cs"/>
-              </a:defRPr>
-            </a:lvl2pPr>
-            <a:lvl3pPr marL="1143000" indent="-228600" algn="l" defTabSz="914400" rtl="0" eaLnBrk="1" latinLnBrk="0" hangingPunct="1">
-              <a:lnSpc>
-                <a:spcPct val="110000"/>
-              </a:lnSpc>
-              <a:spcBef>
-                <a:spcPts val="700"/>
-              </a:spcBef>
-              <a:buClr>
-                <a:schemeClr val="tx2"/>
-              </a:buClr>
-              <a:buFont typeface="Arial" panose="020B0604020202020204" pitchFamily="34" charset="0"/>
-              <a:buChar char="•"/>
-              <a:defRPr kumimoji="1" sz="1600" kern="1200">
-                <a:solidFill>
-                  <a:schemeClr val="tx1">
-                    <a:lumMod val="65000"/>
-                    <a:lumOff val="35000"/>
-                  </a:schemeClr>
-                </a:solidFill>
-                <a:latin typeface="+mn-lt"/>
-                <a:ea typeface="+mn-ea"/>
-                <a:cs typeface="+mn-cs"/>
-              </a:defRPr>
-            </a:lvl3pPr>
-            <a:lvl4pPr marL="1600200" indent="-228600" algn="l" defTabSz="914400" rtl="0" eaLnBrk="1" latinLnBrk="0" hangingPunct="1">
-              <a:lnSpc>
-                <a:spcPct val="110000"/>
-              </a:lnSpc>
-              <a:spcBef>
-                <a:spcPts val="700"/>
-              </a:spcBef>
-              <a:buClr>
-                <a:schemeClr val="tx2"/>
-              </a:buClr>
-              <a:buFont typeface="Gill Sans MT" panose="020B0502020104020203" pitchFamily="34" charset="0"/>
-              <a:buChar char="–"/>
-              <a:defRPr kumimoji="1" sz="1400" kern="1200">
-                <a:solidFill>
-                  <a:schemeClr val="tx1">
-                    <a:lumMod val="65000"/>
-                    <a:lumOff val="35000"/>
-                  </a:schemeClr>
-                </a:solidFill>
-                <a:latin typeface="+mn-lt"/>
-                <a:ea typeface="+mn-ea"/>
-                <a:cs typeface="+mn-cs"/>
-              </a:defRPr>
-            </a:lvl4pPr>
-            <a:lvl5pPr marL="2057400" indent="-228600" algn="l" defTabSz="914400" rtl="0" eaLnBrk="1" latinLnBrk="0" hangingPunct="1">
-              <a:lnSpc>
-                <a:spcPct val="110000"/>
-              </a:lnSpc>
-              <a:spcBef>
-                <a:spcPts val="700"/>
-              </a:spcBef>
-              <a:buClr>
-                <a:schemeClr val="tx2"/>
-              </a:buClr>
-              <a:buFont typeface="Arial" panose="020B0604020202020204" pitchFamily="34" charset="0"/>
-              <a:buChar char="•"/>
-              <a:defRPr kumimoji="1" sz="1400" kern="1200">
-                <a:solidFill>
-                  <a:schemeClr val="tx1">
-                    <a:lumMod val="65000"/>
-                    <a:lumOff val="35000"/>
-                  </a:schemeClr>
-                </a:solidFill>
-                <a:latin typeface="+mn-lt"/>
-                <a:ea typeface="+mn-ea"/>
-                <a:cs typeface="+mn-cs"/>
-              </a:defRPr>
-            </a:lvl5pPr>
-            <a:lvl6pPr marL="2514600" indent="-228600" algn="l" defTabSz="914400" rtl="0" eaLnBrk="1" latinLnBrk="0" hangingPunct="1">
-              <a:lnSpc>
-                <a:spcPct val="110000"/>
-              </a:lnSpc>
-              <a:spcBef>
-                <a:spcPts val="700"/>
-              </a:spcBef>
-              <a:buClr>
-                <a:schemeClr val="tx2"/>
-              </a:buClr>
-              <a:buFont typeface="Gill Sans MT" panose="020B0502020104020203" pitchFamily="34" charset="0"/>
-              <a:buChar char="–"/>
-              <a:defRPr kumimoji="1" sz="1400" kern="1200">
-                <a:solidFill>
-                  <a:schemeClr val="tx1">
-                    <a:lumMod val="65000"/>
-                    <a:lumOff val="35000"/>
-                  </a:schemeClr>
-                </a:solidFill>
-                <a:latin typeface="+mn-lt"/>
-                <a:ea typeface="+mn-ea"/>
-                <a:cs typeface="+mn-cs"/>
-              </a:defRPr>
-            </a:lvl6pPr>
-            <a:lvl7pPr marL="2971800" indent="-228600" algn="l" defTabSz="914400" rtl="0" eaLnBrk="1" latinLnBrk="0" hangingPunct="1">
-              <a:lnSpc>
-                <a:spcPct val="110000"/>
-              </a:lnSpc>
-              <a:spcBef>
-                <a:spcPts val="700"/>
-              </a:spcBef>
-              <a:buClr>
-                <a:schemeClr val="tx2"/>
-              </a:buClr>
-              <a:buFont typeface="Arial" panose="020B0604020202020204" pitchFamily="34" charset="0"/>
-              <a:buChar char="•"/>
-              <a:defRPr kumimoji="1" sz="1400" kern="1200">
-                <a:solidFill>
-                  <a:schemeClr val="tx1">
-                    <a:lumMod val="65000"/>
-                    <a:lumOff val="35000"/>
-                  </a:schemeClr>
-                </a:solidFill>
-                <a:latin typeface="+mn-lt"/>
-                <a:ea typeface="+mn-ea"/>
-                <a:cs typeface="+mn-cs"/>
-              </a:defRPr>
-            </a:lvl7pPr>
-            <a:lvl8pPr marL="3429000" indent="-228600" algn="l" defTabSz="914400" rtl="0" eaLnBrk="1" latinLnBrk="0" hangingPunct="1">
-              <a:lnSpc>
-                <a:spcPct val="110000"/>
-              </a:lnSpc>
-              <a:spcBef>
-                <a:spcPts val="700"/>
-              </a:spcBef>
-              <a:buClr>
-                <a:schemeClr val="tx2"/>
-              </a:buClr>
-              <a:buFont typeface="Gill Sans MT" panose="020B0502020104020203" pitchFamily="34" charset="0"/>
-              <a:buChar char="–"/>
-              <a:defRPr kumimoji="1" sz="1400" kern="1200" baseline="0">
-                <a:solidFill>
-                  <a:schemeClr val="tx1">
-                    <a:lumMod val="65000"/>
-                    <a:lumOff val="35000"/>
-                  </a:schemeClr>
-                </a:solidFill>
-                <a:latin typeface="+mn-lt"/>
-                <a:ea typeface="+mn-ea"/>
-                <a:cs typeface="+mn-cs"/>
-              </a:defRPr>
-            </a:lvl8pPr>
-            <a:lvl9pPr marL="3886200" indent="-228600" algn="l" defTabSz="914400" rtl="0" eaLnBrk="1" latinLnBrk="0" hangingPunct="1">
-              <a:lnSpc>
-                <a:spcPct val="110000"/>
-              </a:lnSpc>
-              <a:spcBef>
-                <a:spcPts val="700"/>
-              </a:spcBef>
-              <a:buClr>
-                <a:schemeClr val="tx2"/>
-              </a:buClr>
-              <a:buFont typeface="Arial" panose="020B0604020202020204" pitchFamily="34" charset="0"/>
-              <a:buChar char="•"/>
-              <a:defRPr kumimoji="1" sz="1400" kern="1200" baseline="0">
-                <a:solidFill>
-                  <a:schemeClr val="tx1">
-                    <a:lumMod val="65000"/>
-                    <a:lumOff val="35000"/>
-                  </a:schemeClr>
-                </a:solidFill>
-                <a:latin typeface="+mn-lt"/>
-                <a:ea typeface="+mn-ea"/>
-                <a:cs typeface="+mn-cs"/>
-              </a:defRPr>
-            </a:lvl9pPr>
-          </a:lstStyle>
-          <a:p>
-            <a:pPr marL="457200" indent="-457200">
-              <a:buFont typeface="+mj-lt"/>
-              <a:buAutoNum type="arabicPeriod"/>
-            </a:pPr>
-            <a:r>
-              <a:rPr lang="ja-JP" altLang="en-US" sz="2400" dirty="0">
-                <a:solidFill>
-                  <a:schemeClr val="tx1"/>
-                </a:solidFill>
-                <a:latin typeface="ＤＦＧ麗雅宋" panose="02020900000000000000" pitchFamily="18" charset="-128"/>
-                <a:ea typeface="ＤＦＧ麗雅宋" panose="02020900000000000000" pitchFamily="18" charset="-128"/>
-              </a:rPr>
-              <a:t>問題は改善したか？</a:t>
-            </a:r>
-            <a:endParaRPr lang="en-US" altLang="ja-JP" sz="2400" dirty="0">
-              <a:solidFill>
-                <a:schemeClr val="tx1"/>
-              </a:solidFill>
-              <a:latin typeface="ＤＦＧ麗雅宋" panose="02020900000000000000" pitchFamily="18" charset="-128"/>
-              <a:ea typeface="ＤＦＧ麗雅宋" panose="02020900000000000000" pitchFamily="18" charset="-128"/>
-            </a:endParaRPr>
-          </a:p>
-          <a:p>
-            <a:pPr marL="457200" indent="-457200">
-              <a:buFont typeface="+mj-lt"/>
-              <a:buAutoNum type="arabicPeriod"/>
-            </a:pPr>
-            <a:endParaRPr lang="en-US" altLang="ja-JP" sz="2400" dirty="0">
-              <a:solidFill>
-                <a:schemeClr val="tx1"/>
-              </a:solidFill>
-              <a:latin typeface="ＤＦＧ麗雅宋" panose="02020900000000000000" pitchFamily="18" charset="-128"/>
-              <a:ea typeface="ＤＦＧ麗雅宋" panose="02020900000000000000" pitchFamily="18" charset="-128"/>
-            </a:endParaRPr>
-          </a:p>
-          <a:p>
-            <a:pPr marL="457200" indent="-457200">
-              <a:buFont typeface="+mj-lt"/>
-              <a:buAutoNum type="arabicPeriod"/>
-            </a:pPr>
-            <a:r>
-              <a:rPr lang="ja-JP" altLang="en-US" sz="2400" dirty="0">
-                <a:solidFill>
-                  <a:schemeClr val="tx1"/>
-                </a:solidFill>
-                <a:latin typeface="ＤＦＧ麗雅宋" panose="02020900000000000000" pitchFamily="18" charset="-128"/>
-                <a:ea typeface="ＤＦＧ麗雅宋" panose="02020900000000000000" pitchFamily="18" charset="-128"/>
-              </a:rPr>
-              <a:t>目標までの達成率は？</a:t>
-            </a:r>
-            <a:endParaRPr lang="en-US" altLang="ja-JP" sz="2400" dirty="0">
-              <a:solidFill>
-                <a:schemeClr val="tx1"/>
-              </a:solidFill>
-              <a:latin typeface="ＤＦＧ麗雅宋" panose="02020900000000000000" pitchFamily="18" charset="-128"/>
-              <a:ea typeface="ＤＦＧ麗雅宋" panose="02020900000000000000" pitchFamily="18" charset="-128"/>
-            </a:endParaRPr>
-          </a:p>
-          <a:p>
-            <a:pPr marL="457200" indent="-457200">
-              <a:buFont typeface="+mj-lt"/>
-              <a:buAutoNum type="arabicPeriod"/>
-            </a:pPr>
-            <a:endParaRPr lang="en-US" altLang="ja-JP" sz="2400" dirty="0">
-              <a:solidFill>
-                <a:schemeClr val="tx1"/>
-              </a:solidFill>
-              <a:latin typeface="ＤＦＧ麗雅宋" panose="02020900000000000000" pitchFamily="18" charset="-128"/>
-              <a:ea typeface="ＤＦＧ麗雅宋" panose="02020900000000000000" pitchFamily="18" charset="-128"/>
-            </a:endParaRPr>
-          </a:p>
-          <a:p>
-            <a:pPr marL="457200" indent="-457200">
-              <a:buFont typeface="+mj-lt"/>
-              <a:buAutoNum type="arabicPeriod"/>
-            </a:pPr>
-            <a:r>
-              <a:rPr lang="ja-JP" altLang="en-US" sz="2400" dirty="0">
-                <a:solidFill>
-                  <a:schemeClr val="tx1"/>
-                </a:solidFill>
-                <a:latin typeface="ＤＦＧ麗雅宋" panose="02020900000000000000" pitchFamily="18" charset="-128"/>
-                <a:ea typeface="ＤＦＧ麗雅宋" panose="02020900000000000000" pitchFamily="18" charset="-128"/>
-              </a:rPr>
-              <a:t>弊害はないか？</a:t>
-            </a:r>
-            <a:endParaRPr lang="en-US" altLang="ja-JP" sz="2400" dirty="0">
-              <a:solidFill>
-                <a:schemeClr val="tx1"/>
-              </a:solidFill>
-              <a:latin typeface="ＤＦＧ麗雅宋" panose="02020900000000000000" pitchFamily="18" charset="-128"/>
-              <a:ea typeface="ＤＦＧ麗雅宋" panose="02020900000000000000" pitchFamily="18" charset="-128"/>
-            </a:endParaRPr>
-          </a:p>
-        </p:txBody>
-      </p:sp>
-      <p:sp>
-        <p:nvSpPr>
-          <p:cNvPr id="10" name="コンテンツ プレースホルダー 2"/>
-          <p:cNvSpPr txBox="1">
-            <a:spLocks/>
-          </p:cNvSpPr>
-          <p:nvPr/>
-        </p:nvSpPr>
-        <p:spPr>
-          <a:xfrm>
-            <a:off x="6604000" y="2308040"/>
-            <a:ext cx="4717143" cy="3758933"/>
-          </a:xfrm>
-          <a:prstGeom prst="rect">
-            <a:avLst/>
-          </a:prstGeom>
-        </p:spPr>
-        <p:txBody>
-          <a:bodyPr vert="horz" lIns="91440" tIns="45720" rIns="91440" bIns="45720" rtlCol="0">
-            <a:normAutofit/>
-          </a:bodyPr>
-          <a:lstStyle>
-            <a:lvl1pPr marL="228600" indent="-228600" algn="l" defTabSz="914400" rtl="0" eaLnBrk="1" latinLnBrk="0" hangingPunct="1">
-              <a:lnSpc>
-                <a:spcPct val="110000"/>
-              </a:lnSpc>
-              <a:spcBef>
-                <a:spcPts val="700"/>
-              </a:spcBef>
-              <a:buClr>
-                <a:schemeClr val="tx2"/>
-              </a:buClr>
-              <a:buFont typeface="Arial" panose="020B0604020202020204" pitchFamily="34" charset="0"/>
-              <a:buChar char="•"/>
-              <a:defRPr kumimoji="1" sz="2000" kern="1200">
-                <a:solidFill>
-                  <a:schemeClr val="tx1">
-                    <a:lumMod val="65000"/>
-                    <a:lumOff val="35000"/>
-                  </a:schemeClr>
-                </a:solidFill>
-                <a:latin typeface="+mn-lt"/>
-                <a:ea typeface="+mn-ea"/>
-                <a:cs typeface="+mn-cs"/>
-              </a:defRPr>
-            </a:lvl1pPr>
-            <a:lvl2pPr marL="685800" indent="-228600" algn="l" defTabSz="914400" rtl="0" eaLnBrk="1" latinLnBrk="0" hangingPunct="1">
-              <a:lnSpc>
-                <a:spcPct val="110000"/>
-              </a:lnSpc>
-              <a:spcBef>
-                <a:spcPts val="700"/>
-              </a:spcBef>
-              <a:buClr>
-                <a:schemeClr val="tx2"/>
-              </a:buClr>
-              <a:buFont typeface="Gill Sans MT" panose="020B0502020104020203" pitchFamily="34" charset="0"/>
-              <a:buChar char="–"/>
-              <a:defRPr kumimoji="1" sz="1800" kern="1200">
-                <a:solidFill>
-                  <a:schemeClr val="tx1">
-                    <a:lumMod val="65000"/>
-                    <a:lumOff val="35000"/>
-                  </a:schemeClr>
-                </a:solidFill>
-                <a:latin typeface="+mn-lt"/>
-                <a:ea typeface="+mn-ea"/>
-                <a:cs typeface="+mn-cs"/>
-              </a:defRPr>
-            </a:lvl2pPr>
-            <a:lvl3pPr marL="1143000" indent="-228600" algn="l" defTabSz="914400" rtl="0" eaLnBrk="1" latinLnBrk="0" hangingPunct="1">
-              <a:lnSpc>
-                <a:spcPct val="110000"/>
-              </a:lnSpc>
-              <a:spcBef>
-                <a:spcPts val="700"/>
-              </a:spcBef>
-              <a:buClr>
-                <a:schemeClr val="tx2"/>
-              </a:buClr>
-              <a:buFont typeface="Arial" panose="020B0604020202020204" pitchFamily="34" charset="0"/>
-              <a:buChar char="•"/>
-              <a:defRPr kumimoji="1" sz="1600" kern="1200">
-                <a:solidFill>
-                  <a:schemeClr val="tx1">
-                    <a:lumMod val="65000"/>
-                    <a:lumOff val="35000"/>
-                  </a:schemeClr>
-                </a:solidFill>
-                <a:latin typeface="+mn-lt"/>
-                <a:ea typeface="+mn-ea"/>
-                <a:cs typeface="+mn-cs"/>
-              </a:defRPr>
-            </a:lvl3pPr>
-            <a:lvl4pPr marL="1600200" indent="-228600" algn="l" defTabSz="914400" rtl="0" eaLnBrk="1" latinLnBrk="0" hangingPunct="1">
-              <a:lnSpc>
-                <a:spcPct val="110000"/>
-              </a:lnSpc>
-              <a:spcBef>
-                <a:spcPts val="700"/>
-              </a:spcBef>
-              <a:buClr>
-                <a:schemeClr val="tx2"/>
-              </a:buClr>
-              <a:buFont typeface="Gill Sans MT" panose="020B0502020104020203" pitchFamily="34" charset="0"/>
-              <a:buChar char="–"/>
-              <a:defRPr kumimoji="1" sz="1400" kern="1200">
-                <a:solidFill>
-                  <a:schemeClr val="tx1">
-                    <a:lumMod val="65000"/>
-                    <a:lumOff val="35000"/>
-                  </a:schemeClr>
-                </a:solidFill>
-                <a:latin typeface="+mn-lt"/>
-                <a:ea typeface="+mn-ea"/>
-                <a:cs typeface="+mn-cs"/>
-              </a:defRPr>
-            </a:lvl4pPr>
-            <a:lvl5pPr marL="2057400" indent="-228600" algn="l" defTabSz="914400" rtl="0" eaLnBrk="1" latinLnBrk="0" hangingPunct="1">
-              <a:lnSpc>
-                <a:spcPct val="110000"/>
-              </a:lnSpc>
-              <a:spcBef>
-                <a:spcPts val="700"/>
-              </a:spcBef>
-              <a:buClr>
-                <a:schemeClr val="tx2"/>
-              </a:buClr>
-              <a:buFont typeface="Arial" panose="020B0604020202020204" pitchFamily="34" charset="0"/>
-              <a:buChar char="•"/>
-              <a:defRPr kumimoji="1" sz="1400" kern="1200">
-                <a:solidFill>
-                  <a:schemeClr val="tx1">
-                    <a:lumMod val="65000"/>
-                    <a:lumOff val="35000"/>
-                  </a:schemeClr>
-                </a:solidFill>
-                <a:latin typeface="+mn-lt"/>
-                <a:ea typeface="+mn-ea"/>
-                <a:cs typeface="+mn-cs"/>
-              </a:defRPr>
-            </a:lvl5pPr>
-            <a:lvl6pPr marL="2514600" indent="-228600" algn="l" defTabSz="914400" rtl="0" eaLnBrk="1" latinLnBrk="0" hangingPunct="1">
-              <a:lnSpc>
-                <a:spcPct val="110000"/>
-              </a:lnSpc>
-              <a:spcBef>
-                <a:spcPts val="700"/>
-              </a:spcBef>
-              <a:buClr>
-                <a:schemeClr val="tx2"/>
-              </a:buClr>
-              <a:buFont typeface="Gill Sans MT" panose="020B0502020104020203" pitchFamily="34" charset="0"/>
-              <a:buChar char="–"/>
-              <a:defRPr kumimoji="1" sz="1400" kern="1200">
-                <a:solidFill>
-                  <a:schemeClr val="tx1">
-                    <a:lumMod val="65000"/>
-                    <a:lumOff val="35000"/>
-                  </a:schemeClr>
-                </a:solidFill>
-                <a:latin typeface="+mn-lt"/>
-                <a:ea typeface="+mn-ea"/>
-                <a:cs typeface="+mn-cs"/>
-              </a:defRPr>
-            </a:lvl6pPr>
-            <a:lvl7pPr marL="2971800" indent="-228600" algn="l" defTabSz="914400" rtl="0" eaLnBrk="1" latinLnBrk="0" hangingPunct="1">
-              <a:lnSpc>
-                <a:spcPct val="110000"/>
-              </a:lnSpc>
-              <a:spcBef>
-                <a:spcPts val="700"/>
-              </a:spcBef>
-              <a:buClr>
-                <a:schemeClr val="tx2"/>
-              </a:buClr>
-              <a:buFont typeface="Arial" panose="020B0604020202020204" pitchFamily="34" charset="0"/>
-              <a:buChar char="•"/>
-              <a:defRPr kumimoji="1" sz="1400" kern="1200">
-                <a:solidFill>
-                  <a:schemeClr val="tx1">
-                    <a:lumMod val="65000"/>
-                    <a:lumOff val="35000"/>
-                  </a:schemeClr>
-                </a:solidFill>
-                <a:latin typeface="+mn-lt"/>
-                <a:ea typeface="+mn-ea"/>
-                <a:cs typeface="+mn-cs"/>
-              </a:defRPr>
-            </a:lvl7pPr>
-            <a:lvl8pPr marL="3429000" indent="-228600" algn="l" defTabSz="914400" rtl="0" eaLnBrk="1" latinLnBrk="0" hangingPunct="1">
-              <a:lnSpc>
-                <a:spcPct val="110000"/>
-              </a:lnSpc>
-              <a:spcBef>
-                <a:spcPts val="700"/>
-              </a:spcBef>
-              <a:buClr>
-                <a:schemeClr val="tx2"/>
-              </a:buClr>
-              <a:buFont typeface="Gill Sans MT" panose="020B0502020104020203" pitchFamily="34" charset="0"/>
-              <a:buChar char="–"/>
-              <a:defRPr kumimoji="1" sz="1400" kern="1200" baseline="0">
-                <a:solidFill>
-                  <a:schemeClr val="tx1">
-                    <a:lumMod val="65000"/>
-                    <a:lumOff val="35000"/>
-                  </a:schemeClr>
-                </a:solidFill>
-                <a:latin typeface="+mn-lt"/>
-                <a:ea typeface="+mn-ea"/>
-                <a:cs typeface="+mn-cs"/>
-              </a:defRPr>
-            </a:lvl8pPr>
-            <a:lvl9pPr marL="3886200" indent="-228600" algn="l" defTabSz="914400" rtl="0" eaLnBrk="1" latinLnBrk="0" hangingPunct="1">
-              <a:lnSpc>
-                <a:spcPct val="110000"/>
-              </a:lnSpc>
-              <a:spcBef>
-                <a:spcPts val="700"/>
-              </a:spcBef>
-              <a:buClr>
-                <a:schemeClr val="tx2"/>
-              </a:buClr>
-              <a:buFont typeface="Arial" panose="020B0604020202020204" pitchFamily="34" charset="0"/>
-              <a:buChar char="•"/>
-              <a:defRPr kumimoji="1" sz="1400" kern="1200" baseline="0">
-                <a:solidFill>
-                  <a:schemeClr val="tx1">
-                    <a:lumMod val="65000"/>
-                    <a:lumOff val="35000"/>
-                  </a:schemeClr>
-                </a:solidFill>
-                <a:latin typeface="+mn-lt"/>
-                <a:ea typeface="+mn-ea"/>
-                <a:cs typeface="+mn-cs"/>
-              </a:defRPr>
-            </a:lvl9pPr>
-          </a:lstStyle>
-          <a:p>
-            <a:pPr marL="457200" indent="-457200">
-              <a:buFont typeface="+mj-lt"/>
-              <a:buAutoNum type="arabicPeriod"/>
-            </a:pPr>
-            <a:r>
-              <a:rPr lang="ja-JP" altLang="en-US" dirty="0">
-                <a:solidFill>
-                  <a:schemeClr val="tx1"/>
-                </a:solidFill>
-                <a:latin typeface="ＤＦＧ麗雅宋" panose="02020900000000000000" pitchFamily="18" charset="-128"/>
-                <a:ea typeface="ＤＦＧ麗雅宋" panose="02020900000000000000" pitchFamily="18" charset="-128"/>
-              </a:rPr>
-              <a:t>問題は改善したか？</a:t>
-            </a:r>
-            <a:endParaRPr lang="en-US" altLang="ja-JP" dirty="0">
-              <a:solidFill>
-                <a:schemeClr val="tx1"/>
-              </a:solidFill>
-              <a:latin typeface="ＤＦＧ麗雅宋" panose="02020900000000000000" pitchFamily="18" charset="-128"/>
-              <a:ea typeface="ＤＦＧ麗雅宋" panose="02020900000000000000" pitchFamily="18" charset="-128"/>
-            </a:endParaRPr>
-          </a:p>
-          <a:p>
-            <a:pPr lvl="1">
-              <a:buFont typeface="Wingdings" panose="05000000000000000000" pitchFamily="2" charset="2"/>
-              <a:buChar char="ü"/>
-            </a:pPr>
-            <a:r>
-              <a:rPr lang="ja-JP" altLang="en-US" dirty="0">
-                <a:solidFill>
-                  <a:srgbClr val="FF0000"/>
-                </a:solidFill>
-                <a:latin typeface="ＤＦＧ麗雅宋" panose="02020900000000000000" pitchFamily="18" charset="-128"/>
-                <a:ea typeface="ＤＦＧ麗雅宋" panose="02020900000000000000" pitchFamily="18" charset="-128"/>
-              </a:rPr>
-              <a:t>エンバグがほとんどなくなった</a:t>
-            </a:r>
-            <a:endParaRPr lang="en-US" altLang="ja-JP" dirty="0">
-              <a:solidFill>
-                <a:srgbClr val="FF0000"/>
-              </a:solidFill>
-              <a:latin typeface="ＤＦＧ麗雅宋" panose="02020900000000000000" pitchFamily="18" charset="-128"/>
-              <a:ea typeface="ＤＦＧ麗雅宋" panose="02020900000000000000" pitchFamily="18" charset="-128"/>
-            </a:endParaRPr>
-          </a:p>
-          <a:p>
-            <a:pPr lvl="1">
-              <a:buFont typeface="Wingdings" panose="05000000000000000000" pitchFamily="2" charset="2"/>
-              <a:buChar char="ü"/>
-            </a:pPr>
-            <a:endParaRPr lang="en-US" altLang="ja-JP" dirty="0">
-              <a:solidFill>
-                <a:srgbClr val="FF0000"/>
-              </a:solidFill>
-              <a:latin typeface="ＤＦＧ麗雅宋" panose="02020900000000000000" pitchFamily="18" charset="-128"/>
-              <a:ea typeface="ＤＦＧ麗雅宋" panose="02020900000000000000" pitchFamily="18" charset="-128"/>
-            </a:endParaRPr>
-          </a:p>
-          <a:p>
-            <a:pPr marL="457200" indent="-457200">
-              <a:buFont typeface="+mj-lt"/>
-              <a:buAutoNum type="arabicPeriod"/>
-            </a:pPr>
-            <a:r>
-              <a:rPr lang="ja-JP" altLang="en-US" dirty="0">
-                <a:solidFill>
-                  <a:schemeClr val="tx1"/>
-                </a:solidFill>
-                <a:latin typeface="ＤＦＧ麗雅宋" panose="02020900000000000000" pitchFamily="18" charset="-128"/>
-                <a:ea typeface="ＤＦＧ麗雅宋" panose="02020900000000000000" pitchFamily="18" charset="-128"/>
-              </a:rPr>
-              <a:t>目標までの達成率は？</a:t>
-            </a:r>
-            <a:endParaRPr lang="en-US" altLang="ja-JP" dirty="0">
-              <a:solidFill>
-                <a:schemeClr val="tx1"/>
-              </a:solidFill>
-              <a:latin typeface="ＤＦＧ麗雅宋" panose="02020900000000000000" pitchFamily="18" charset="-128"/>
-              <a:ea typeface="ＤＦＧ麗雅宋" panose="02020900000000000000" pitchFamily="18" charset="-128"/>
-            </a:endParaRPr>
-          </a:p>
-          <a:p>
-            <a:pPr lvl="1">
-              <a:buFont typeface="Wingdings" panose="05000000000000000000" pitchFamily="2" charset="2"/>
-              <a:buChar char="ü"/>
-            </a:pPr>
-            <a:r>
-              <a:rPr lang="ja-JP" altLang="en-US" dirty="0">
-                <a:solidFill>
-                  <a:srgbClr val="FF0000"/>
-                </a:solidFill>
-                <a:latin typeface="ＤＦＧ麗雅宋" panose="02020900000000000000" pitchFamily="18" charset="-128"/>
-                <a:ea typeface="ＤＦＧ麗雅宋" panose="02020900000000000000" pitchFamily="18" charset="-128"/>
-              </a:rPr>
-              <a:t>エンバグの発生率は５％以下になった</a:t>
-            </a:r>
-            <a:endParaRPr lang="en-US" altLang="ja-JP" dirty="0">
-              <a:solidFill>
-                <a:srgbClr val="FF0000"/>
-              </a:solidFill>
-              <a:latin typeface="ＤＦＧ麗雅宋" panose="02020900000000000000" pitchFamily="18" charset="-128"/>
-              <a:ea typeface="ＤＦＧ麗雅宋" panose="02020900000000000000" pitchFamily="18" charset="-128"/>
-            </a:endParaRPr>
-          </a:p>
-          <a:p>
-            <a:pPr lvl="1">
-              <a:buFont typeface="Wingdings" panose="05000000000000000000" pitchFamily="2" charset="2"/>
-              <a:buChar char="ü"/>
-            </a:pPr>
-            <a:endParaRPr lang="en-US" altLang="ja-JP" dirty="0">
-              <a:solidFill>
-                <a:srgbClr val="FF0000"/>
-              </a:solidFill>
-              <a:latin typeface="ＤＦＧ麗雅宋" panose="02020900000000000000" pitchFamily="18" charset="-128"/>
-              <a:ea typeface="ＤＦＧ麗雅宋" panose="02020900000000000000" pitchFamily="18" charset="-128"/>
-            </a:endParaRPr>
-          </a:p>
-          <a:p>
-            <a:pPr marL="457200" indent="-457200">
-              <a:buFont typeface="+mj-lt"/>
-              <a:buAutoNum type="arabicPeriod"/>
-            </a:pPr>
-            <a:r>
-              <a:rPr lang="ja-JP" altLang="en-US" dirty="0">
-                <a:solidFill>
-                  <a:schemeClr val="tx1"/>
-                </a:solidFill>
-                <a:latin typeface="ＤＦＧ麗雅宋" panose="02020900000000000000" pitchFamily="18" charset="-128"/>
-                <a:ea typeface="ＤＦＧ麗雅宋" panose="02020900000000000000" pitchFamily="18" charset="-128"/>
-              </a:rPr>
-              <a:t>弊害はないか？</a:t>
-            </a:r>
-            <a:endParaRPr lang="en-US" altLang="ja-JP" dirty="0">
-              <a:solidFill>
-                <a:schemeClr val="tx1"/>
-              </a:solidFill>
-              <a:latin typeface="ＤＦＧ麗雅宋" panose="02020900000000000000" pitchFamily="18" charset="-128"/>
-              <a:ea typeface="ＤＦＧ麗雅宋" panose="02020900000000000000" pitchFamily="18" charset="-128"/>
-            </a:endParaRPr>
-          </a:p>
-          <a:p>
-            <a:pPr lvl="1">
-              <a:buFont typeface="Wingdings" panose="05000000000000000000" pitchFamily="2" charset="2"/>
-              <a:buChar char="ü"/>
-            </a:pPr>
-            <a:r>
-              <a:rPr lang="ja-JP" altLang="en-US" dirty="0">
-                <a:solidFill>
-                  <a:srgbClr val="FF0000"/>
-                </a:solidFill>
-                <a:latin typeface="ＤＦＧ麗雅宋" panose="02020900000000000000" pitchFamily="18" charset="-128"/>
-                <a:ea typeface="ＤＦＧ麗雅宋" panose="02020900000000000000" pitchFamily="18" charset="-128"/>
-              </a:rPr>
-              <a:t>テストコードを書くコストが増えた</a:t>
-            </a:r>
-            <a:endParaRPr lang="en-US" altLang="ja-JP" dirty="0">
-              <a:solidFill>
-                <a:srgbClr val="FF0000"/>
-              </a:solidFill>
-              <a:latin typeface="ＤＦＧ麗雅宋" panose="02020900000000000000" pitchFamily="18" charset="-128"/>
-              <a:ea typeface="ＤＦＧ麗雅宋" panose="02020900000000000000" pitchFamily="18" charset="-128"/>
-            </a:endParaRPr>
-          </a:p>
-        </p:txBody>
-      </p:sp>
-    </p:spTree>
-    <p:extLst>
-      <p:ext uri="{BB962C8B-B14F-4D97-AF65-F5344CB8AC3E}">
-        <p14:creationId xmlns:p14="http://schemas.microsoft.com/office/powerpoint/2010/main" val="1506147434"/>
       </p:ext>
     </p:extLst>
   </p:cSld>
